--- a/Chapter 2 & 5-Maint.framework&process.pptx
+++ b/Chapter 2 & 5-Maint.framework&process.pptx
@@ -4,6 +4,9 @@
   <p:sldMasterIdLst>
     <p:sldMasterId id="2147483648" r:id="rId1"/>
   </p:sldMasterIdLst>
+  <p:notesMasterIdLst>
+    <p:notesMasterId r:id="rId31"/>
+  </p:notesMasterIdLst>
   <p:sldIdLst>
     <p:sldId id="256" r:id="rId2"/>
     <p:sldId id="257" r:id="rId3"/>
@@ -35,11 +38,108 @@
     <p:sldId id="283" r:id="rId29"/>
     <p:sldId id="284" r:id="rId30"/>
   </p:sldIdLst>
-  <p:notesMasterIdLst>
-    <p:notesMasterId r:id="rId31"/>
-  </p:notesMasterIdLst>
   <p:sldSz cx="14630400" cy="8229600"/>
   <p:notesSz cx="8229600" cy="14630400"/>
+  <p:defaultTextStyle>
+    <a:defPPr>
+      <a:defRPr lang="en-US"/>
+    </a:defPPr>
+    <a:lvl1pPr marL="0" algn="l" defTabSz="914400" rtl="0" eaLnBrk="1" latinLnBrk="0" hangingPunct="1">
+      <a:defRPr sz="1800" kern="1200">
+        <a:solidFill>
+          <a:schemeClr val="tx1"/>
+        </a:solidFill>
+        <a:latin typeface="+mn-lt"/>
+        <a:ea typeface="+mn-ea"/>
+        <a:cs typeface="+mn-cs"/>
+      </a:defRPr>
+    </a:lvl1pPr>
+    <a:lvl2pPr marL="457200" algn="l" defTabSz="914400" rtl="0" eaLnBrk="1" latinLnBrk="0" hangingPunct="1">
+      <a:defRPr sz="1800" kern="1200">
+        <a:solidFill>
+          <a:schemeClr val="tx1"/>
+        </a:solidFill>
+        <a:latin typeface="+mn-lt"/>
+        <a:ea typeface="+mn-ea"/>
+        <a:cs typeface="+mn-cs"/>
+      </a:defRPr>
+    </a:lvl2pPr>
+    <a:lvl3pPr marL="914400" algn="l" defTabSz="914400" rtl="0" eaLnBrk="1" latinLnBrk="0" hangingPunct="1">
+      <a:defRPr sz="1800" kern="1200">
+        <a:solidFill>
+          <a:schemeClr val="tx1"/>
+        </a:solidFill>
+        <a:latin typeface="+mn-lt"/>
+        <a:ea typeface="+mn-ea"/>
+        <a:cs typeface="+mn-cs"/>
+      </a:defRPr>
+    </a:lvl3pPr>
+    <a:lvl4pPr marL="1371600" algn="l" defTabSz="914400" rtl="0" eaLnBrk="1" latinLnBrk="0" hangingPunct="1">
+      <a:defRPr sz="1800" kern="1200">
+        <a:solidFill>
+          <a:schemeClr val="tx1"/>
+        </a:solidFill>
+        <a:latin typeface="+mn-lt"/>
+        <a:ea typeface="+mn-ea"/>
+        <a:cs typeface="+mn-cs"/>
+      </a:defRPr>
+    </a:lvl4pPr>
+    <a:lvl5pPr marL="1828800" algn="l" defTabSz="914400" rtl="0" eaLnBrk="1" latinLnBrk="0" hangingPunct="1">
+      <a:defRPr sz="1800" kern="1200">
+        <a:solidFill>
+          <a:schemeClr val="tx1"/>
+        </a:solidFill>
+        <a:latin typeface="+mn-lt"/>
+        <a:ea typeface="+mn-ea"/>
+        <a:cs typeface="+mn-cs"/>
+      </a:defRPr>
+    </a:lvl5pPr>
+    <a:lvl6pPr marL="2286000" algn="l" defTabSz="914400" rtl="0" eaLnBrk="1" latinLnBrk="0" hangingPunct="1">
+      <a:defRPr sz="1800" kern="1200">
+        <a:solidFill>
+          <a:schemeClr val="tx1"/>
+        </a:solidFill>
+        <a:latin typeface="+mn-lt"/>
+        <a:ea typeface="+mn-ea"/>
+        <a:cs typeface="+mn-cs"/>
+      </a:defRPr>
+    </a:lvl6pPr>
+    <a:lvl7pPr marL="2743200" algn="l" defTabSz="914400" rtl="0" eaLnBrk="1" latinLnBrk="0" hangingPunct="1">
+      <a:defRPr sz="1800" kern="1200">
+        <a:solidFill>
+          <a:schemeClr val="tx1"/>
+        </a:solidFill>
+        <a:latin typeface="+mn-lt"/>
+        <a:ea typeface="+mn-ea"/>
+        <a:cs typeface="+mn-cs"/>
+      </a:defRPr>
+    </a:lvl7pPr>
+    <a:lvl8pPr marL="3200400" algn="l" defTabSz="914400" rtl="0" eaLnBrk="1" latinLnBrk="0" hangingPunct="1">
+      <a:defRPr sz="1800" kern="1200">
+        <a:solidFill>
+          <a:schemeClr val="tx1"/>
+        </a:solidFill>
+        <a:latin typeface="+mn-lt"/>
+        <a:ea typeface="+mn-ea"/>
+        <a:cs typeface="+mn-cs"/>
+      </a:defRPr>
+    </a:lvl8pPr>
+    <a:lvl9pPr marL="3657600" algn="l" defTabSz="914400" rtl="0" eaLnBrk="1" latinLnBrk="0" hangingPunct="1">
+      <a:defRPr sz="1800" kern="1200">
+        <a:solidFill>
+          <a:schemeClr val="tx1"/>
+        </a:solidFill>
+        <a:latin typeface="+mn-lt"/>
+        <a:ea typeface="+mn-ea"/>
+        <a:cs typeface="+mn-cs"/>
+      </a:defRPr>
+    </a:lvl9pPr>
+  </p:defaultTextStyle>
+  <p:extLst>
+    <p:ext uri="{EFAFB233-063F-42B5-8137-9DF3F51BA10A}">
+      <p15:sldGuideLst xmlns:p15="http://schemas.microsoft.com/office/powerpoint/2012/main"/>
+    </p:ext>
+  </p:extLst>
 </p:presentation>
 </file>
 
@@ -65,234 +165,10 @@
           <a:chExt cx="0" cy="0"/>
         </a:xfrm>
       </p:grpSpPr>
-      <p:sp>
-        <p:nvSpPr>
-          <p:cNvPr id="2" name="Header Placeholder 1"/>
-          <p:cNvSpPr>
-            <a:spLocks noGrp="1"/>
-          </p:cNvSpPr>
-          <p:nvPr>
-            <p:ph type="hdr" sz="quarter"/>
-          </p:nvPr>
-        </p:nvSpPr>
-        <p:spPr>
-          <a:xfrm>
-            <a:off x="0" y="0"/>
-            <a:ext cx="2971800" cy="458788"/>
-          </a:xfrm>
-          <a:prstGeom prst="rect">
-            <a:avLst/>
-          </a:prstGeom>
-        </p:spPr>
-        <p:txBody>
-          <a:bodyPr vert="horz" lIns="91440" tIns="45720" rIns="91440" bIns="45720" rtlCol="0"/>
-          <a:lstStyle>
-            <a:lvl1pPr algn="l">
-              <a:defRPr sz="1200"/>
-            </a:lvl1pPr>
-          </a:lstStyle>
-          <a:p>
-            <a:endParaRPr lang="en-US"/>
-          </a:p>
-        </p:txBody>
-      </p:sp>
-      <p:sp>
-        <p:nvSpPr>
-          <p:cNvPr id="3" name="Date Placeholder 2"/>
-          <p:cNvSpPr>
-            <a:spLocks noGrp="1"/>
-          </p:cNvSpPr>
-          <p:nvPr>
-            <p:ph type="dt" idx="1"/>
-          </p:nvPr>
-        </p:nvSpPr>
-        <p:spPr>
-          <a:xfrm>
-            <a:off x="3884613" y="0"/>
-            <a:ext cx="2971800" cy="458788"/>
-          </a:xfrm>
-          <a:prstGeom prst="rect">
-            <a:avLst/>
-          </a:prstGeom>
-        </p:spPr>
-        <p:txBody>
-          <a:bodyPr vert="horz" lIns="91440" tIns="45720" rIns="91440" bIns="45720" rtlCol="0"/>
-          <a:lstStyle>
-            <a:lvl1pPr algn="r">
-              <a:defRPr sz="1200"/>
-            </a:lvl1pPr>
-          </a:lstStyle>
-          <a:p>
-            <a:fld id="{5282F153-3F37-0F45-9E97-73ACFA13230C}" type="datetimeFigureOut">
-              <a:rPr lang="en-US"/>
-              <a:t>7/23/19</a:t>
-            </a:fld>
-            <a:endParaRPr lang="en-US"/>
-          </a:p>
-        </p:txBody>
-      </p:sp>
-      <p:sp>
-        <p:nvSpPr>
-          <p:cNvPr id="4" name="Slide Image Placeholder 3"/>
-          <p:cNvSpPr>
-            <a:spLocks noGrp="1" noRot="1" noChangeAspect="1"/>
-          </p:cNvSpPr>
-          <p:nvPr>
-            <p:ph type="sldImg" idx="2"/>
-          </p:nvPr>
-        </p:nvSpPr>
-        <p:spPr>
-          <a:xfrm>
-            <a:off x="685800" y="1143000"/>
-            <a:ext cx="5486400" cy="3086100"/>
-          </a:xfrm>
-          <a:prstGeom prst="rect">
-            <a:avLst/>
-          </a:prstGeom>
-          <a:noFill/>
-          <a:ln w="12700">
-            <a:solidFill>
-              <a:prstClr val="black"/>
-            </a:solidFill>
-          </a:ln>
-        </p:spPr>
-        <p:txBody>
-          <a:bodyPr vert="horz" lIns="91440" tIns="45720" rIns="91440" bIns="45720" rtlCol="0" anchor="ctr"/>
-          <a:lstStyle/>
-          <a:p>
-            <a:endParaRPr lang="en-US"/>
-          </a:p>
-        </p:txBody>
-      </p:sp>
-      <p:sp>
-        <p:nvSpPr>
-          <p:cNvPr id="5" name="Notes Placeholder 4"/>
-          <p:cNvSpPr>
-            <a:spLocks noGrp="1"/>
-          </p:cNvSpPr>
-          <p:nvPr>
-            <p:ph type="body" sz="quarter" idx="3"/>
-          </p:nvPr>
-        </p:nvSpPr>
-        <p:spPr>
-          <a:xfrm>
-            <a:off x="685800" y="4400550"/>
-            <a:ext cx="5486400" cy="3600450"/>
-          </a:xfrm>
-          <a:prstGeom prst="rect">
-            <a:avLst/>
-          </a:prstGeom>
-        </p:spPr>
-        <p:txBody>
-          <a:bodyPr vert="horz" lIns="91440" tIns="45720" rIns="91440" bIns="45720" rtlCol="0"/>
-          <a:lstStyle/>
-          <a:p>
-            <a:pPr lvl="0"/>
-            <a:r>
-              <a:rPr lang="en-US"/>
-              <a:t>Click to edit Master text styles</a:t>
-            </a:r>
-          </a:p>
-          <a:p>
-            <a:pPr lvl="1"/>
-            <a:r>
-              <a:rPr lang="en-US"/>
-              <a:t>Second level</a:t>
-            </a:r>
-          </a:p>
-          <a:p>
-            <a:pPr lvl="2"/>
-            <a:r>
-              <a:rPr lang="en-US"/>
-              <a:t>Third level</a:t>
-            </a:r>
-          </a:p>
-          <a:p>
-            <a:pPr lvl="3"/>
-            <a:r>
-              <a:rPr lang="en-US"/>
-              <a:t>Fourth level</a:t>
-            </a:r>
-          </a:p>
-          <a:p>
-            <a:pPr lvl="4"/>
-            <a:r>
-              <a:rPr lang="en-US"/>
-              <a:t>Fifth level</a:t>
-            </a:r>
-          </a:p>
-        </p:txBody>
-      </p:sp>
-      <p:sp>
-        <p:nvSpPr>
-          <p:cNvPr id="6" name="Footer Placeholder 5"/>
-          <p:cNvSpPr>
-            <a:spLocks noGrp="1"/>
-          </p:cNvSpPr>
-          <p:nvPr>
-            <p:ph type="ftr" sz="quarter" idx="4"/>
-          </p:nvPr>
-        </p:nvSpPr>
-        <p:spPr>
-          <a:xfrm>
-            <a:off x="0" y="8685213"/>
-            <a:ext cx="2971800" cy="458787"/>
-          </a:xfrm>
-          <a:prstGeom prst="rect">
-            <a:avLst/>
-          </a:prstGeom>
-        </p:spPr>
-        <p:txBody>
-          <a:bodyPr vert="horz" lIns="91440" tIns="45720" rIns="91440" bIns="45720" rtlCol="0" anchor="b"/>
-          <a:lstStyle>
-            <a:lvl1pPr algn="l">
-              <a:defRPr sz="1200"/>
-            </a:lvl1pPr>
-          </a:lstStyle>
-          <a:p>
-            <a:endParaRPr lang="en-US"/>
-          </a:p>
-        </p:txBody>
-      </p:sp>
-      <p:sp>
-        <p:nvSpPr>
-          <p:cNvPr id="7" name="Slide Number Placeholder 6"/>
-          <p:cNvSpPr>
-            <a:spLocks noGrp="1"/>
-          </p:cNvSpPr>
-          <p:nvPr>
-            <p:ph type="sldNum" sz="quarter" idx="5"/>
-          </p:nvPr>
-        </p:nvSpPr>
-        <p:spPr>
-          <a:xfrm>
-            <a:off x="3884613" y="8685213"/>
-            <a:ext cx="2971800" cy="458787"/>
-          </a:xfrm>
-          <a:prstGeom prst="rect">
-            <a:avLst/>
-          </a:prstGeom>
-        </p:spPr>
-        <p:txBody>
-          <a:bodyPr vert="horz" lIns="91440" tIns="45720" rIns="91440" bIns="45720" rtlCol="0" anchor="b"/>
-          <a:lstStyle>
-            <a:lvl1pPr algn="r">
-              <a:defRPr sz="1200"/>
-            </a:lvl1pPr>
-          </a:lstStyle>
-          <a:p>
-            <a:fld id="{CE5E9CC1-C706-0F49-92D6-E571CC5EEA8F}" type="slidenum">
-              <a:rPr lang="en-US"/>
-              <a:t>‹#›</a:t>
-            </a:fld>
-            <a:endParaRPr lang="en-US"/>
-          </a:p>
-        </p:txBody>
-      </p:sp>
     </p:spTree>
     <p:extLst>
       <p:ext uri="{BB962C8B-B14F-4D97-AF65-F5344CB8AC3E}">
-        <p14:creationId xmlns:p14="http://schemas.microsoft.com/office/powerpoint/2010/main" val="1024086991"/>
+        <p14:creationId xmlns:p14="http://schemas.microsoft.com/office/powerpoint/2010/main" val="3250108377"/>
       </p:ext>
     </p:extLst>
   </p:cSld>
@@ -436,10 +312,6 @@
           <a:bodyPr/>
           <a:lstStyle/>
           <a:p>
-            <a:r>
-              <a:rPr lang="en-US" dirty="0"/>
-              <a:t/>
-            </a:r>
             <a:endParaRPr lang="en-US" dirty="0"/>
           </a:p>
         </p:txBody>
@@ -524,10 +396,6 @@
           <a:bodyPr/>
           <a:lstStyle/>
           <a:p>
-            <a:r>
-              <a:rPr lang="en-US" dirty="0"/>
-              <a:t/>
-            </a:r>
             <a:endParaRPr lang="en-US" dirty="0"/>
           </a:p>
         </p:txBody>
@@ -612,10 +480,6 @@
           <a:bodyPr/>
           <a:lstStyle/>
           <a:p>
-            <a:r>
-              <a:rPr lang="en-US" dirty="0"/>
-              <a:t/>
-            </a:r>
             <a:endParaRPr lang="en-US" dirty="0"/>
           </a:p>
         </p:txBody>
@@ -700,10 +564,6 @@
           <a:bodyPr/>
           <a:lstStyle/>
           <a:p>
-            <a:r>
-              <a:rPr lang="en-US" dirty="0"/>
-              <a:t/>
-            </a:r>
             <a:endParaRPr lang="en-US" dirty="0"/>
           </a:p>
         </p:txBody>
@@ -788,10 +648,6 @@
           <a:bodyPr/>
           <a:lstStyle/>
           <a:p>
-            <a:r>
-              <a:rPr lang="en-US" dirty="0"/>
-              <a:t/>
-            </a:r>
             <a:endParaRPr lang="en-US" dirty="0"/>
           </a:p>
         </p:txBody>
@@ -876,10 +732,6 @@
           <a:bodyPr/>
           <a:lstStyle/>
           <a:p>
-            <a:r>
-              <a:rPr lang="en-US" dirty="0"/>
-              <a:t/>
-            </a:r>
             <a:endParaRPr lang="en-US" dirty="0"/>
           </a:p>
         </p:txBody>
@@ -964,10 +816,6 @@
           <a:bodyPr/>
           <a:lstStyle/>
           <a:p>
-            <a:r>
-              <a:rPr lang="en-US" dirty="0"/>
-              <a:t/>
-            </a:r>
             <a:endParaRPr lang="en-US" dirty="0"/>
           </a:p>
         </p:txBody>
@@ -1052,10 +900,6 @@
           <a:bodyPr/>
           <a:lstStyle/>
           <a:p>
-            <a:r>
-              <a:rPr lang="en-US" dirty="0"/>
-              <a:t/>
-            </a:r>
             <a:endParaRPr lang="en-US" dirty="0"/>
           </a:p>
         </p:txBody>
@@ -1140,10 +984,6 @@
           <a:bodyPr/>
           <a:lstStyle/>
           <a:p>
-            <a:r>
-              <a:rPr lang="en-US" dirty="0"/>
-              <a:t/>
-            </a:r>
             <a:endParaRPr lang="en-US" dirty="0"/>
           </a:p>
         </p:txBody>
@@ -1228,10 +1068,6 @@
           <a:bodyPr/>
           <a:lstStyle/>
           <a:p>
-            <a:r>
-              <a:rPr lang="en-US" dirty="0"/>
-              <a:t/>
-            </a:r>
             <a:endParaRPr lang="en-US" dirty="0"/>
           </a:p>
         </p:txBody>
@@ -1316,10 +1152,6 @@
           <a:bodyPr/>
           <a:lstStyle/>
           <a:p>
-            <a:r>
-              <a:rPr lang="en-US" dirty="0"/>
-              <a:t/>
-            </a:r>
             <a:endParaRPr lang="en-US" dirty="0"/>
           </a:p>
         </p:txBody>
@@ -1404,10 +1236,6 @@
           <a:bodyPr/>
           <a:lstStyle/>
           <a:p>
-            <a:r>
-              <a:rPr lang="en-US" dirty="0"/>
-              <a:t/>
-            </a:r>
             <a:endParaRPr lang="en-US" dirty="0"/>
           </a:p>
         </p:txBody>
@@ -1492,10 +1320,6 @@
           <a:bodyPr/>
           <a:lstStyle/>
           <a:p>
-            <a:r>
-              <a:rPr lang="en-US" dirty="0"/>
-              <a:t/>
-            </a:r>
             <a:endParaRPr lang="en-US" dirty="0"/>
           </a:p>
         </p:txBody>
@@ -1580,10 +1404,6 @@
           <a:bodyPr/>
           <a:lstStyle/>
           <a:p>
-            <a:r>
-              <a:rPr lang="en-US" dirty="0"/>
-              <a:t/>
-            </a:r>
             <a:endParaRPr lang="en-US" dirty="0"/>
           </a:p>
         </p:txBody>
@@ -1668,10 +1488,6 @@
           <a:bodyPr/>
           <a:lstStyle/>
           <a:p>
-            <a:r>
-              <a:rPr lang="en-US" dirty="0"/>
-              <a:t/>
-            </a:r>
             <a:endParaRPr lang="en-US" dirty="0"/>
           </a:p>
         </p:txBody>
@@ -1756,10 +1572,6 @@
           <a:bodyPr/>
           <a:lstStyle/>
           <a:p>
-            <a:r>
-              <a:rPr lang="en-US" dirty="0"/>
-              <a:t/>
-            </a:r>
             <a:endParaRPr lang="en-US" dirty="0"/>
           </a:p>
         </p:txBody>
@@ -1844,10 +1656,6 @@
           <a:bodyPr/>
           <a:lstStyle/>
           <a:p>
-            <a:r>
-              <a:rPr lang="en-US" dirty="0"/>
-              <a:t/>
-            </a:r>
             <a:endParaRPr lang="en-US" dirty="0"/>
           </a:p>
         </p:txBody>
@@ -1932,10 +1740,6 @@
           <a:bodyPr/>
           <a:lstStyle/>
           <a:p>
-            <a:r>
-              <a:rPr lang="en-US" dirty="0"/>
-              <a:t/>
-            </a:r>
             <a:endParaRPr lang="en-US" dirty="0"/>
           </a:p>
         </p:txBody>
@@ -2020,10 +1824,6 @@
           <a:bodyPr/>
           <a:lstStyle/>
           <a:p>
-            <a:r>
-              <a:rPr lang="en-US" dirty="0"/>
-              <a:t/>
-            </a:r>
             <a:endParaRPr lang="en-US" dirty="0"/>
           </a:p>
         </p:txBody>
@@ -2108,10 +1908,6 @@
           <a:bodyPr/>
           <a:lstStyle/>
           <a:p>
-            <a:r>
-              <a:rPr lang="en-US" dirty="0"/>
-              <a:t/>
-            </a:r>
             <a:endParaRPr lang="en-US" dirty="0"/>
           </a:p>
         </p:txBody>
@@ -2196,10 +1992,6 @@
           <a:bodyPr/>
           <a:lstStyle/>
           <a:p>
-            <a:r>
-              <a:rPr lang="en-US" dirty="0"/>
-              <a:t/>
-            </a:r>
             <a:endParaRPr lang="en-US" dirty="0"/>
           </a:p>
         </p:txBody>
@@ -2284,10 +2076,6 @@
           <a:bodyPr/>
           <a:lstStyle/>
           <a:p>
-            <a:r>
-              <a:rPr lang="en-US" dirty="0"/>
-              <a:t/>
-            </a:r>
             <a:endParaRPr lang="en-US" dirty="0"/>
           </a:p>
         </p:txBody>
@@ -2372,10 +2160,6 @@
           <a:bodyPr/>
           <a:lstStyle/>
           <a:p>
-            <a:r>
-              <a:rPr lang="en-US" dirty="0"/>
-              <a:t/>
-            </a:r>
             <a:endParaRPr lang="en-US" dirty="0"/>
           </a:p>
         </p:txBody>
@@ -2460,10 +2244,6 @@
           <a:bodyPr/>
           <a:lstStyle/>
           <a:p>
-            <a:r>
-              <a:rPr lang="en-US" dirty="0"/>
-              <a:t/>
-            </a:r>
             <a:endParaRPr lang="en-US" dirty="0"/>
           </a:p>
         </p:txBody>
@@ -2548,10 +2328,6 @@
           <a:bodyPr/>
           <a:lstStyle/>
           <a:p>
-            <a:r>
-              <a:rPr lang="en-US" dirty="0"/>
-              <a:t/>
-            </a:r>
             <a:endParaRPr lang="en-US" dirty="0"/>
           </a:p>
         </p:txBody>
@@ -2636,10 +2412,6 @@
           <a:bodyPr/>
           <a:lstStyle/>
           <a:p>
-            <a:r>
-              <a:rPr lang="en-US" dirty="0"/>
-              <a:t/>
-            </a:r>
             <a:endParaRPr lang="en-US" dirty="0"/>
           </a:p>
         </p:txBody>
@@ -2724,10 +2496,6 @@
           <a:bodyPr/>
           <a:lstStyle/>
           <a:p>
-            <a:r>
-              <a:rPr lang="en-US" dirty="0"/>
-              <a:t/>
-            </a:r>
             <a:endParaRPr lang="en-US" dirty="0"/>
           </a:p>
         </p:txBody>
@@ -2812,10 +2580,6 @@
           <a:bodyPr/>
           <a:lstStyle/>
           <a:p>
-            <a:r>
-              <a:rPr lang="en-US" dirty="0"/>
-              <a:t/>
-            </a:r>
             <a:endParaRPr lang="en-US" dirty="0"/>
           </a:p>
         </p:txBody>
@@ -2900,10 +2664,6 @@
           <a:bodyPr/>
           <a:lstStyle/>
           <a:p>
-            <a:r>
-              <a:rPr lang="en-US" dirty="0"/>
-              <a:t/>
-            </a:r>
             <a:endParaRPr lang="en-US" dirty="0"/>
           </a:p>
         </p:txBody>
@@ -2982,6 +2742,7 @@
         <a:solidFill>
           <a:srgbClr val="000000"/>
         </a:solidFill>
+        <a:effectLst/>
       </p:bgPr>
     </p:bg>
     <p:spTree>
@@ -3041,7 +2802,7 @@
       <p:pic>
         <p:nvPicPr>
           <p:cNvPr id="4" name="Image 0" descr="preencoded.png">
-            <a:hlinkClick r:id="rId2" tooltip=""/>
+            <a:hlinkClick r:id="rId2"/>
           </p:cNvPr>
           <p:cNvPicPr>
             <a:picLocks noChangeAspect="1"/>
@@ -3049,7 +2810,7 @@
           <p:nvPr/>
         </p:nvPicPr>
         <p:blipFill>
-          <a:blip r:embed="rId1"/>
+          <a:blip r:embed="rId3"/>
           <a:stretch>
             <a:fillRect/>
           </a:stretch>
@@ -3080,6 +2841,7 @@
         <a:solidFill>
           <a:srgbClr val="000000"/>
         </a:solidFill>
+        <a:effectLst/>
       </p:bgPr>
     </p:bg>
     <p:spTree>
@@ -3139,7 +2901,7 @@
       <p:pic>
         <p:nvPicPr>
           <p:cNvPr id="4" name="Image 0" descr="preencoded.png">
-            <a:hlinkClick r:id="rId2" tooltip=""/>
+            <a:hlinkClick r:id="rId2"/>
           </p:cNvPr>
           <p:cNvPicPr>
             <a:picLocks noChangeAspect="1"/>
@@ -3147,7 +2909,7 @@
           <p:nvPr/>
         </p:nvPicPr>
         <p:blipFill>
-          <a:blip r:embed="rId1"/>
+          <a:blip r:embed="rId3"/>
           <a:stretch>
             <a:fillRect/>
           </a:stretch>
@@ -3178,6 +2940,7 @@
         <a:solidFill>
           <a:srgbClr val="000000"/>
         </a:solidFill>
+        <a:effectLst/>
       </p:bgPr>
     </p:bg>
     <p:spTree>
@@ -3237,7 +3000,7 @@
       <p:pic>
         <p:nvPicPr>
           <p:cNvPr id="4" name="Image 0" descr="preencoded.png">
-            <a:hlinkClick r:id="rId2" tooltip=""/>
+            <a:hlinkClick r:id="rId2"/>
           </p:cNvPr>
           <p:cNvPicPr>
             <a:picLocks noChangeAspect="1"/>
@@ -3245,7 +3008,7 @@
           <p:nvPr/>
         </p:nvPicPr>
         <p:blipFill>
-          <a:blip r:embed="rId1"/>
+          <a:blip r:embed="rId3"/>
           <a:stretch>
             <a:fillRect/>
           </a:stretch>
@@ -3276,6 +3039,7 @@
         <a:solidFill>
           <a:srgbClr val="000000"/>
         </a:solidFill>
+        <a:effectLst/>
       </p:bgPr>
     </p:bg>
     <p:spTree>
@@ -3335,7 +3099,7 @@
       <p:pic>
         <p:nvPicPr>
           <p:cNvPr id="4" name="Image 0" descr="preencoded.png">
-            <a:hlinkClick r:id="rId2" tooltip=""/>
+            <a:hlinkClick r:id="rId2"/>
           </p:cNvPr>
           <p:cNvPicPr>
             <a:picLocks noChangeAspect="1"/>
@@ -3343,7 +3107,7 @@
           <p:nvPr/>
         </p:nvPicPr>
         <p:blipFill>
-          <a:blip r:embed="rId1"/>
+          <a:blip r:embed="rId3"/>
           <a:stretch>
             <a:fillRect/>
           </a:stretch>
@@ -3374,6 +3138,7 @@
         <a:solidFill>
           <a:srgbClr val="000000"/>
         </a:solidFill>
+        <a:effectLst/>
       </p:bgPr>
     </p:bg>
     <p:spTree>
@@ -3433,7 +3198,7 @@
       <p:pic>
         <p:nvPicPr>
           <p:cNvPr id="4" name="Image 0" descr="preencoded.png">
-            <a:hlinkClick r:id="rId2" tooltip=""/>
+            <a:hlinkClick r:id="rId2"/>
           </p:cNvPr>
           <p:cNvPicPr>
             <a:picLocks noChangeAspect="1"/>
@@ -3441,7 +3206,7 @@
           <p:nvPr/>
         </p:nvPicPr>
         <p:blipFill>
-          <a:blip r:embed="rId1"/>
+          <a:blip r:embed="rId3"/>
           <a:stretch>
             <a:fillRect/>
           </a:stretch>
@@ -3472,6 +3237,7 @@
         <a:solidFill>
           <a:srgbClr val="000000"/>
         </a:solidFill>
+        <a:effectLst/>
       </p:bgPr>
     </p:bg>
     <p:spTree>
@@ -3531,7 +3297,7 @@
       <p:pic>
         <p:nvPicPr>
           <p:cNvPr id="4" name="Image 0" descr="preencoded.png">
-            <a:hlinkClick r:id="rId2" tooltip=""/>
+            <a:hlinkClick r:id="rId2"/>
           </p:cNvPr>
           <p:cNvPicPr>
             <a:picLocks noChangeAspect="1"/>
@@ -3539,7 +3305,7 @@
           <p:nvPr/>
         </p:nvPicPr>
         <p:blipFill>
-          <a:blip r:embed="rId1"/>
+          <a:blip r:embed="rId3"/>
           <a:stretch>
             <a:fillRect/>
           </a:stretch>
@@ -3570,6 +3336,7 @@
         <a:solidFill>
           <a:srgbClr val="000000"/>
         </a:solidFill>
+        <a:effectLst/>
       </p:bgPr>
     </p:bg>
     <p:spTree>
@@ -3629,7 +3396,7 @@
       <p:pic>
         <p:nvPicPr>
           <p:cNvPr id="4" name="Image 0" descr="preencoded.png">
-            <a:hlinkClick r:id="rId2" tooltip=""/>
+            <a:hlinkClick r:id="rId2"/>
           </p:cNvPr>
           <p:cNvPicPr>
             <a:picLocks noChangeAspect="1"/>
@@ -3637,7 +3404,7 @@
           <p:nvPr/>
         </p:nvPicPr>
         <p:blipFill>
-          <a:blip r:embed="rId1"/>
+          <a:blip r:embed="rId3"/>
           <a:stretch>
             <a:fillRect/>
           </a:stretch>
@@ -3668,6 +3435,7 @@
         <a:solidFill>
           <a:srgbClr val="000000"/>
         </a:solidFill>
+        <a:effectLst/>
       </p:bgPr>
     </p:bg>
     <p:spTree>
@@ -3727,7 +3495,7 @@
       <p:pic>
         <p:nvPicPr>
           <p:cNvPr id="4" name="Image 0" descr="preencoded.png">
-            <a:hlinkClick r:id="rId2" tooltip=""/>
+            <a:hlinkClick r:id="rId2"/>
           </p:cNvPr>
           <p:cNvPicPr>
             <a:picLocks noChangeAspect="1"/>
@@ -3735,7 +3503,7 @@
           <p:nvPr/>
         </p:nvPicPr>
         <p:blipFill>
-          <a:blip r:embed="rId1"/>
+          <a:blip r:embed="rId3"/>
           <a:stretch>
             <a:fillRect/>
           </a:stretch>
@@ -3766,6 +3534,7 @@
         <a:solidFill>
           <a:srgbClr val="000000"/>
         </a:solidFill>
+        <a:effectLst/>
       </p:bgPr>
     </p:bg>
     <p:spTree>
@@ -3825,7 +3594,7 @@
       <p:pic>
         <p:nvPicPr>
           <p:cNvPr id="4" name="Image 0" descr="preencoded.png">
-            <a:hlinkClick r:id="rId2" tooltip=""/>
+            <a:hlinkClick r:id="rId2"/>
           </p:cNvPr>
           <p:cNvPicPr>
             <a:picLocks noChangeAspect="1"/>
@@ -3833,7 +3602,7 @@
           <p:nvPr/>
         </p:nvPicPr>
         <p:blipFill>
-          <a:blip r:embed="rId1"/>
+          <a:blip r:embed="rId3"/>
           <a:stretch>
             <a:fillRect/>
           </a:stretch>
@@ -3864,6 +3633,7 @@
         <a:solidFill>
           <a:srgbClr val="000000"/>
         </a:solidFill>
+        <a:effectLst/>
       </p:bgPr>
     </p:bg>
     <p:spTree>
@@ -3923,7 +3693,7 @@
       <p:pic>
         <p:nvPicPr>
           <p:cNvPr id="4" name="Image 0" descr="preencoded.png">
-            <a:hlinkClick r:id="rId2" tooltip=""/>
+            <a:hlinkClick r:id="rId2"/>
           </p:cNvPr>
           <p:cNvPicPr>
             <a:picLocks noChangeAspect="1"/>
@@ -3931,7 +3701,7 @@
           <p:nvPr/>
         </p:nvPicPr>
         <p:blipFill>
-          <a:blip r:embed="rId1"/>
+          <a:blip r:embed="rId3"/>
           <a:stretch>
             <a:fillRect/>
           </a:stretch>
@@ -3962,6 +3732,7 @@
         <a:solidFill>
           <a:srgbClr val="000000"/>
         </a:solidFill>
+        <a:effectLst/>
       </p:bgPr>
     </p:bg>
     <p:spTree>
@@ -4021,7 +3792,7 @@
       <p:pic>
         <p:nvPicPr>
           <p:cNvPr id="4" name="Image 0" descr="preencoded.png">
-            <a:hlinkClick r:id="rId2" tooltip=""/>
+            <a:hlinkClick r:id="rId2"/>
           </p:cNvPr>
           <p:cNvPicPr>
             <a:picLocks noChangeAspect="1"/>
@@ -4029,7 +3800,7 @@
           <p:nvPr/>
         </p:nvPicPr>
         <p:blipFill>
-          <a:blip r:embed="rId1"/>
+          <a:blip r:embed="rId3"/>
           <a:stretch>
             <a:fillRect/>
           </a:stretch>
@@ -4060,6 +3831,7 @@
         <a:solidFill>
           <a:srgbClr val="000000"/>
         </a:solidFill>
+        <a:effectLst/>
       </p:bgPr>
     </p:bg>
     <p:spTree>
@@ -4119,7 +3891,7 @@
       <p:pic>
         <p:nvPicPr>
           <p:cNvPr id="4" name="Image 0" descr="preencoded.png">
-            <a:hlinkClick r:id="rId2" tooltip=""/>
+            <a:hlinkClick r:id="rId2"/>
           </p:cNvPr>
           <p:cNvPicPr>
             <a:picLocks noChangeAspect="1"/>
@@ -4127,7 +3899,7 @@
           <p:nvPr/>
         </p:nvPicPr>
         <p:blipFill>
-          <a:blip r:embed="rId1"/>
+          <a:blip r:embed="rId3"/>
           <a:stretch>
             <a:fillRect/>
           </a:stretch>
@@ -4158,6 +3930,7 @@
         <a:solidFill>
           <a:srgbClr val="000000"/>
         </a:solidFill>
+        <a:effectLst/>
       </p:bgPr>
     </p:bg>
     <p:spTree>
@@ -4217,7 +3990,7 @@
       <p:pic>
         <p:nvPicPr>
           <p:cNvPr id="4" name="Image 0" descr="preencoded.png">
-            <a:hlinkClick r:id="rId2" tooltip=""/>
+            <a:hlinkClick r:id="rId2"/>
           </p:cNvPr>
           <p:cNvPicPr>
             <a:picLocks noChangeAspect="1"/>
@@ -4225,7 +3998,7 @@
           <p:nvPr/>
         </p:nvPicPr>
         <p:blipFill>
-          <a:blip r:embed="rId1"/>
+          <a:blip r:embed="rId3"/>
           <a:stretch>
             <a:fillRect/>
           </a:stretch>
@@ -4256,6 +4029,7 @@
         <a:solidFill>
           <a:srgbClr val="000000"/>
         </a:solidFill>
+        <a:effectLst/>
       </p:bgPr>
     </p:bg>
     <p:spTree>
@@ -4315,7 +4089,7 @@
       <p:pic>
         <p:nvPicPr>
           <p:cNvPr id="4" name="Image 0" descr="preencoded.png">
-            <a:hlinkClick r:id="rId2" tooltip=""/>
+            <a:hlinkClick r:id="rId2"/>
           </p:cNvPr>
           <p:cNvPicPr>
             <a:picLocks noChangeAspect="1"/>
@@ -4323,7 +4097,7 @@
           <p:nvPr/>
         </p:nvPicPr>
         <p:blipFill>
-          <a:blip r:embed="rId1"/>
+          <a:blip r:embed="rId3"/>
           <a:stretch>
             <a:fillRect/>
           </a:stretch>
@@ -4354,6 +4128,7 @@
         <a:solidFill>
           <a:srgbClr val="000000"/>
         </a:solidFill>
+        <a:effectLst/>
       </p:bgPr>
     </p:bg>
     <p:spTree>
@@ -4413,7 +4188,7 @@
       <p:pic>
         <p:nvPicPr>
           <p:cNvPr id="4" name="Image 0" descr="preencoded.png">
-            <a:hlinkClick r:id="rId2" tooltip=""/>
+            <a:hlinkClick r:id="rId2"/>
           </p:cNvPr>
           <p:cNvPicPr>
             <a:picLocks noChangeAspect="1"/>
@@ -4421,7 +4196,7 @@
           <p:nvPr/>
         </p:nvPicPr>
         <p:blipFill>
-          <a:blip r:embed="rId1"/>
+          <a:blip r:embed="rId3"/>
           <a:stretch>
             <a:fillRect/>
           </a:stretch>
@@ -4452,6 +4227,7 @@
         <a:solidFill>
           <a:srgbClr val="000000"/>
         </a:solidFill>
+        <a:effectLst/>
       </p:bgPr>
     </p:bg>
     <p:spTree>
@@ -4511,7 +4287,7 @@
       <p:pic>
         <p:nvPicPr>
           <p:cNvPr id="4" name="Image 0" descr="preencoded.png">
-            <a:hlinkClick r:id="rId2" tooltip=""/>
+            <a:hlinkClick r:id="rId2"/>
           </p:cNvPr>
           <p:cNvPicPr>
             <a:picLocks noChangeAspect="1"/>
@@ -4519,7 +4295,7 @@
           <p:nvPr/>
         </p:nvPicPr>
         <p:blipFill>
-          <a:blip r:embed="rId1"/>
+          <a:blip r:embed="rId3"/>
           <a:stretch>
             <a:fillRect/>
           </a:stretch>
@@ -4550,6 +4326,7 @@
         <a:solidFill>
           <a:srgbClr val="000000"/>
         </a:solidFill>
+        <a:effectLst/>
       </p:bgPr>
     </p:bg>
     <p:spTree>
@@ -4609,7 +4386,7 @@
       <p:pic>
         <p:nvPicPr>
           <p:cNvPr id="4" name="Image 0" descr="preencoded.png">
-            <a:hlinkClick r:id="rId2" tooltip=""/>
+            <a:hlinkClick r:id="rId2"/>
           </p:cNvPr>
           <p:cNvPicPr>
             <a:picLocks noChangeAspect="1"/>
@@ -4617,7 +4394,7 @@
           <p:nvPr/>
         </p:nvPicPr>
         <p:blipFill>
-          <a:blip r:embed="rId1"/>
+          <a:blip r:embed="rId3"/>
           <a:stretch>
             <a:fillRect/>
           </a:stretch>
@@ -4648,6 +4425,7 @@
         <a:solidFill>
           <a:srgbClr val="000000"/>
         </a:solidFill>
+        <a:effectLst/>
       </p:bgPr>
     </p:bg>
     <p:spTree>
@@ -4707,7 +4485,7 @@
       <p:pic>
         <p:nvPicPr>
           <p:cNvPr id="4" name="Image 0" descr="preencoded.png">
-            <a:hlinkClick r:id="rId2" tooltip=""/>
+            <a:hlinkClick r:id="rId2"/>
           </p:cNvPr>
           <p:cNvPicPr>
             <a:picLocks noChangeAspect="1"/>
@@ -4715,7 +4493,7 @@
           <p:nvPr/>
         </p:nvPicPr>
         <p:blipFill>
-          <a:blip r:embed="rId1"/>
+          <a:blip r:embed="rId3"/>
           <a:stretch>
             <a:fillRect/>
           </a:stretch>
@@ -4746,6 +4524,7 @@
         <a:solidFill>
           <a:srgbClr val="000000"/>
         </a:solidFill>
+        <a:effectLst/>
       </p:bgPr>
     </p:bg>
     <p:spTree>
@@ -4805,7 +4584,7 @@
       <p:pic>
         <p:nvPicPr>
           <p:cNvPr id="4" name="Image 0" descr="preencoded.png">
-            <a:hlinkClick r:id="rId2" tooltip=""/>
+            <a:hlinkClick r:id="rId2"/>
           </p:cNvPr>
           <p:cNvPicPr>
             <a:picLocks noChangeAspect="1"/>
@@ -4813,7 +4592,7 @@
           <p:nvPr/>
         </p:nvPicPr>
         <p:blipFill>
-          <a:blip r:embed="rId1"/>
+          <a:blip r:embed="rId3"/>
           <a:stretch>
             <a:fillRect/>
           </a:stretch>
@@ -4844,6 +4623,7 @@
         <a:solidFill>
           <a:srgbClr val="000000"/>
         </a:solidFill>
+        <a:effectLst/>
       </p:bgPr>
     </p:bg>
     <p:spTree>
@@ -4903,7 +4683,7 @@
       <p:pic>
         <p:nvPicPr>
           <p:cNvPr id="4" name="Image 0" descr="preencoded.png">
-            <a:hlinkClick r:id="rId2" tooltip=""/>
+            <a:hlinkClick r:id="rId2"/>
           </p:cNvPr>
           <p:cNvPicPr>
             <a:picLocks noChangeAspect="1"/>
@@ -4911,7 +4691,7 @@
           <p:nvPr/>
         </p:nvPicPr>
         <p:blipFill>
-          <a:blip r:embed="rId1"/>
+          <a:blip r:embed="rId3"/>
           <a:stretch>
             <a:fillRect/>
           </a:stretch>
@@ -4942,6 +4722,7 @@
         <a:solidFill>
           <a:srgbClr val="000000"/>
         </a:solidFill>
+        <a:effectLst/>
       </p:bgPr>
     </p:bg>
     <p:spTree>
@@ -5001,7 +4782,7 @@
       <p:pic>
         <p:nvPicPr>
           <p:cNvPr id="4" name="Image 0" descr="preencoded.png">
-            <a:hlinkClick r:id="rId2" tooltip=""/>
+            <a:hlinkClick r:id="rId2"/>
           </p:cNvPr>
           <p:cNvPicPr>
             <a:picLocks noChangeAspect="1"/>
@@ -5009,7 +4790,7 @@
           <p:nvPr/>
         </p:nvPicPr>
         <p:blipFill>
-          <a:blip r:embed="rId1"/>
+          <a:blip r:embed="rId3"/>
           <a:stretch>
             <a:fillRect/>
           </a:stretch>
@@ -5040,6 +4821,7 @@
         <a:solidFill>
           <a:srgbClr val="000000"/>
         </a:solidFill>
+        <a:effectLst/>
       </p:bgPr>
     </p:bg>
     <p:spTree>
@@ -5099,7 +4881,7 @@
       <p:pic>
         <p:nvPicPr>
           <p:cNvPr id="4" name="Image 0" descr="preencoded.png">
-            <a:hlinkClick r:id="rId2" tooltip=""/>
+            <a:hlinkClick r:id="rId2"/>
           </p:cNvPr>
           <p:cNvPicPr>
             <a:picLocks noChangeAspect="1"/>
@@ -5107,7 +4889,7 @@
           <p:nvPr/>
         </p:nvPicPr>
         <p:blipFill>
-          <a:blip r:embed="rId1"/>
+          <a:blip r:embed="rId3"/>
           <a:stretch>
             <a:fillRect/>
           </a:stretch>
@@ -5138,6 +4920,7 @@
         <a:solidFill>
           <a:srgbClr val="000000"/>
         </a:solidFill>
+        <a:effectLst/>
       </p:bgPr>
     </p:bg>
     <p:spTree>
@@ -5197,7 +4980,7 @@
       <p:pic>
         <p:nvPicPr>
           <p:cNvPr id="4" name="Image 0" descr="preencoded.png">
-            <a:hlinkClick r:id="rId2" tooltip=""/>
+            <a:hlinkClick r:id="rId2"/>
           </p:cNvPr>
           <p:cNvPicPr>
             <a:picLocks noChangeAspect="1"/>
@@ -5205,7 +4988,7 @@
           <p:nvPr/>
         </p:nvPicPr>
         <p:blipFill>
-          <a:blip r:embed="rId1"/>
+          <a:blip r:embed="rId3"/>
           <a:stretch>
             <a:fillRect/>
           </a:stretch>
@@ -5236,6 +5019,7 @@
         <a:solidFill>
           <a:srgbClr val="000000"/>
         </a:solidFill>
+        <a:effectLst/>
       </p:bgPr>
     </p:bg>
     <p:spTree>
@@ -5295,7 +5079,7 @@
       <p:pic>
         <p:nvPicPr>
           <p:cNvPr id="4" name="Image 0" descr="preencoded.png">
-            <a:hlinkClick r:id="rId2" tooltip=""/>
+            <a:hlinkClick r:id="rId2"/>
           </p:cNvPr>
           <p:cNvPicPr>
             <a:picLocks noChangeAspect="1"/>
@@ -5303,7 +5087,7 @@
           <p:nvPr/>
         </p:nvPicPr>
         <p:blipFill>
-          <a:blip r:embed="rId1"/>
+          <a:blip r:embed="rId3"/>
           <a:stretch>
             <a:fillRect/>
           </a:stretch>
@@ -5334,6 +5118,7 @@
         <a:solidFill>
           <a:srgbClr val="000000"/>
         </a:solidFill>
+        <a:effectLst/>
       </p:bgPr>
     </p:bg>
     <p:spTree>
@@ -5393,7 +5178,7 @@
       <p:pic>
         <p:nvPicPr>
           <p:cNvPr id="4" name="Image 0" descr="preencoded.png">
-            <a:hlinkClick r:id="rId2" tooltip=""/>
+            <a:hlinkClick r:id="rId2"/>
           </p:cNvPr>
           <p:cNvPicPr>
             <a:picLocks noChangeAspect="1"/>
@@ -5401,7 +5186,7 @@
           <p:nvPr/>
         </p:nvPicPr>
         <p:blipFill>
-          <a:blip r:embed="rId1"/>
+          <a:blip r:embed="rId3"/>
           <a:stretch>
             <a:fillRect/>
           </a:stretch>
@@ -5432,6 +5217,7 @@
         <a:solidFill>
           <a:srgbClr val="000000"/>
         </a:solidFill>
+        <a:effectLst/>
       </p:bgPr>
     </p:bg>
     <p:spTree>
@@ -5491,7 +5277,7 @@
       <p:pic>
         <p:nvPicPr>
           <p:cNvPr id="4" name="Image 0" descr="preencoded.png">
-            <a:hlinkClick r:id="rId2" tooltip=""/>
+            <a:hlinkClick r:id="rId2"/>
           </p:cNvPr>
           <p:cNvPicPr>
             <a:picLocks noChangeAspect="1"/>
@@ -5499,7 +5285,7 @@
           <p:nvPr/>
         </p:nvPicPr>
         <p:blipFill>
-          <a:blip r:embed="rId1"/>
+          <a:blip r:embed="rId3"/>
           <a:stretch>
             <a:fillRect/>
           </a:stretch>
@@ -5530,6 +5316,7 @@
         <a:solidFill>
           <a:srgbClr val="000000"/>
         </a:solidFill>
+        <a:effectLst/>
       </p:bgPr>
     </p:bg>
     <p:spTree>
@@ -5589,7 +5376,7 @@
       <p:pic>
         <p:nvPicPr>
           <p:cNvPr id="4" name="Image 0" descr="preencoded.png">
-            <a:hlinkClick r:id="rId2" tooltip=""/>
+            <a:hlinkClick r:id="rId2"/>
           </p:cNvPr>
           <p:cNvPicPr>
             <a:picLocks noChangeAspect="1"/>
@@ -5597,7 +5384,7 @@
           <p:nvPr/>
         </p:nvPicPr>
         <p:blipFill>
-          <a:blip r:embed="rId1"/>
+          <a:blip r:embed="rId3"/>
           <a:stretch>
             <a:fillRect/>
           </a:stretch>
@@ -5628,6 +5415,7 @@
         <a:solidFill>
           <a:srgbClr val="000000"/>
         </a:solidFill>
+        <a:effectLst/>
       </p:bgPr>
     </p:bg>
     <p:spTree>
@@ -5687,7 +5475,7 @@
       <p:pic>
         <p:nvPicPr>
           <p:cNvPr id="4" name="Image 0" descr="preencoded.png">
-            <a:hlinkClick r:id="rId2" tooltip=""/>
+            <a:hlinkClick r:id="rId2"/>
           </p:cNvPr>
           <p:cNvPicPr>
             <a:picLocks noChangeAspect="1"/>
@@ -5695,7 +5483,7 @@
           <p:nvPr/>
         </p:nvPicPr>
         <p:blipFill>
-          <a:blip r:embed="rId1"/>
+          <a:blip r:embed="rId3"/>
           <a:stretch>
             <a:fillRect/>
           </a:stretch>
@@ -5726,6 +5514,7 @@
         <a:solidFill>
           <a:srgbClr val="000000"/>
         </a:solidFill>
+        <a:effectLst/>
       </p:bgPr>
     </p:bg>
     <p:spTree>
@@ -5785,7 +5574,7 @@
       <p:pic>
         <p:nvPicPr>
           <p:cNvPr id="4" name="Image 0" descr="preencoded.png">
-            <a:hlinkClick r:id="rId2" tooltip=""/>
+            <a:hlinkClick r:id="rId2"/>
           </p:cNvPr>
           <p:cNvPicPr>
             <a:picLocks noChangeAspect="1"/>
@@ -5793,7 +5582,7 @@
           <p:nvPr/>
         </p:nvPicPr>
         <p:blipFill>
-          <a:blip r:embed="rId1"/>
+          <a:blip r:embed="rId3"/>
           <a:stretch>
             <a:fillRect/>
           </a:stretch>
@@ -5819,6 +5608,11 @@
 <file path=ppt/slideMasters/slideMaster1.xml><?xml version="1.0" encoding="utf-8"?>
 <p:sldMaster xmlns:a="http://schemas.openxmlformats.org/drawingml/2006/main" xmlns:r="http://schemas.openxmlformats.org/officeDocument/2006/relationships" xmlns:p="http://schemas.openxmlformats.org/presentationml/2006/main">
   <p:cSld>
+    <p:bg>
+      <p:bgRef idx="1001">
+        <a:schemeClr val="bg1"/>
+      </p:bgRef>
+    </p:bg>
     <p:spTree>
       <p:nvGrpSpPr>
         <p:cNvPr id="1" name=""/>
@@ -6160,7 +5954,7 @@
           <a:bodyPr wrap="none" lIns="0" tIns="0" rIns="0" bIns="0" rtlCol="0" anchor="t"/>
           <a:lstStyle/>
           <a:p>
-            <a:pPr algn="l" indent="0" marL="0">
+            <a:pPr marL="0" indent="0" algn="l">
               <a:lnSpc>
                 <a:spcPts val="5550"/>
               </a:lnSpc>
@@ -6202,7 +5996,7 @@
           <a:bodyPr wrap="none" lIns="0" tIns="0" rIns="0" bIns="0" rtlCol="0" anchor="t"/>
           <a:lstStyle/>
           <a:p>
-            <a:pPr algn="l" indent="0" marL="0">
+            <a:pPr marL="0" indent="0" algn="l">
               <a:lnSpc>
                 <a:spcPts val="5550"/>
               </a:lnSpc>
@@ -6269,7 +6063,7 @@
           <a:bodyPr wrap="none" lIns="0" tIns="0" rIns="0" bIns="0" rtlCol="0" anchor="t"/>
           <a:lstStyle/>
           <a:p>
-            <a:pPr algn="l" indent="0" marL="0">
+            <a:pPr marL="0" indent="0" algn="l">
               <a:lnSpc>
                 <a:spcPts val="4450"/>
               </a:lnSpc>
@@ -6311,7 +6105,7 @@
           <a:bodyPr wrap="square" lIns="0" tIns="0" rIns="0" bIns="0" rtlCol="0" anchor="t"/>
           <a:lstStyle/>
           <a:p>
-            <a:pPr algn="l" indent="0" marL="0">
+            <a:pPr marL="0" indent="0" algn="l">
               <a:lnSpc>
                 <a:spcPts val="2850"/>
               </a:lnSpc>
@@ -6328,12 +6122,6 @@
               </a:rPr>
               <a:t>3. </a:t>
             </a:r>
-            <a:pPr algn="l" indent="0" marL="0">
-              <a:lnSpc>
-                <a:spcPts val="2850"/>
-              </a:lnSpc>
-              <a:buNone/>
-            </a:pPr>
             <a:r>
               <a:rPr lang="en-US" sz="1750" b="1" dirty="0">
                 <a:solidFill>
@@ -6345,12 +6133,6 @@
               </a:rPr>
               <a:t>Maintenance Process</a:t>
             </a:r>
-            <a:pPr algn="l" indent="0" marL="0">
-              <a:lnSpc>
-                <a:spcPts val="2850"/>
-              </a:lnSpc>
-              <a:buNone/>
-            </a:pPr>
             <a:r>
               <a:rPr lang="en-US" sz="1750" dirty="0">
                 <a:solidFill>
@@ -6387,7 +6169,7 @@
           <a:bodyPr wrap="square" lIns="0" tIns="0" rIns="0" bIns="0" rtlCol="0" anchor="t"/>
           <a:lstStyle/>
           <a:p>
-            <a:pPr algn="l" marL="342900" indent="-342900">
+            <a:pPr marL="342900" indent="-342900" algn="l">
               <a:lnSpc>
                 <a:spcPts val="2850"/>
               </a:lnSpc>
@@ -6405,12 +6187,6 @@
               </a:rPr>
               <a:t>Capturing change requirements</a:t>
             </a:r>
-            <a:pPr algn="l" indent="0" marL="0">
-              <a:lnSpc>
-                <a:spcPts val="2850"/>
-              </a:lnSpc>
-              <a:buNone/>
-            </a:pPr>
             <a:r>
               <a:rPr lang="en-US" sz="1750" dirty="0">
                 <a:solidFill>
@@ -6447,7 +6223,7 @@
           <a:bodyPr wrap="square" lIns="0" tIns="0" rIns="0" bIns="0" rtlCol="0" anchor="t"/>
           <a:lstStyle/>
           <a:p>
-            <a:pPr algn="l" marL="342900" indent="-342900">
+            <a:pPr marL="342900" indent="-342900" algn="l">
               <a:lnSpc>
                 <a:spcPts val="2850"/>
               </a:lnSpc>
@@ -6465,12 +6241,6 @@
               </a:rPr>
               <a:t>Variation in programming practice</a:t>
             </a:r>
-            <a:pPr algn="l" indent="0" marL="0">
-              <a:lnSpc>
-                <a:spcPts val="2850"/>
-              </a:lnSpc>
-              <a:buNone/>
-            </a:pPr>
             <a:r>
               <a:rPr lang="en-US" sz="1750" dirty="0">
                 <a:solidFill>
@@ -6532,7 +6302,7 @@
           <a:bodyPr wrap="none" lIns="0" tIns="0" rIns="0" bIns="0" rtlCol="0" anchor="t"/>
           <a:lstStyle/>
           <a:p>
-            <a:pPr algn="l" indent="0" marL="0">
+            <a:pPr marL="0" indent="0" algn="l">
               <a:lnSpc>
                 <a:spcPts val="4450"/>
               </a:lnSpc>
@@ -6574,7 +6344,7 @@
           <a:bodyPr wrap="square" lIns="0" tIns="0" rIns="0" bIns="0" rtlCol="0" anchor="t"/>
           <a:lstStyle/>
           <a:p>
-            <a:pPr algn="l" marL="342900" indent="-342900">
+            <a:pPr marL="342900" indent="-342900" algn="l">
               <a:lnSpc>
                 <a:spcPts val="2850"/>
               </a:lnSpc>
@@ -6592,12 +6362,6 @@
               </a:rPr>
               <a:t>Paradigm shift:</a:t>
             </a:r>
-            <a:pPr algn="l" indent="0" marL="0">
-              <a:lnSpc>
-                <a:spcPts val="2850"/>
-              </a:lnSpc>
-              <a:buNone/>
-            </a:pPr>
             <a:r>
               <a:rPr lang="en-US" sz="1750" dirty="0">
                 <a:solidFill>
@@ -6634,7 +6398,7 @@
           <a:bodyPr wrap="square" lIns="0" tIns="0" rIns="0" bIns="0" rtlCol="0" anchor="t"/>
           <a:lstStyle/>
           <a:p>
-            <a:pPr algn="l" marL="342900" indent="-342900">
+            <a:pPr marL="342900" indent="-342900" algn="l">
               <a:lnSpc>
                 <a:spcPts val="2850"/>
               </a:lnSpc>
@@ -6652,12 +6416,6 @@
               </a:rPr>
               <a:t>Dead' paradigms for 'living' systems:</a:t>
             </a:r>
-            <a:pPr algn="l" indent="0" marL="0">
-              <a:lnSpc>
-                <a:spcPts val="2850"/>
-              </a:lnSpc>
-              <a:buNone/>
-            </a:pPr>
             <a:r>
               <a:rPr lang="en-US" sz="1750" dirty="0">
                 <a:solidFill>
@@ -6694,7 +6452,7 @@
           <a:bodyPr wrap="square" lIns="0" tIns="0" rIns="0" bIns="0" rtlCol="0" anchor="t"/>
           <a:lstStyle/>
           <a:p>
-            <a:pPr algn="l" marL="342900" indent="-342900">
+            <a:pPr marL="342900" indent="-342900" algn="l">
               <a:lnSpc>
                 <a:spcPts val="2850"/>
               </a:lnSpc>
@@ -6712,12 +6470,6 @@
               </a:rPr>
               <a:t>Error detection and correction:</a:t>
             </a:r>
-            <a:pPr algn="l" indent="0" marL="0">
-              <a:lnSpc>
-                <a:spcPts val="2850"/>
-              </a:lnSpc>
-              <a:buNone/>
-            </a:pPr>
             <a:r>
               <a:rPr lang="en-US" sz="1750" dirty="0">
                 <a:solidFill>
@@ -6760,14 +6512,14 @@
       </p:grpSpPr>
       <p:pic>
         <p:nvPicPr>
-          <p:cNvPr id="2" name="Image 0" descr="preencoded.png">    </p:cNvPr>
+          <p:cNvPr id="2" name="Image 0" descr="preencoded.png"/>
           <p:cNvPicPr>
             <a:picLocks noChangeAspect="1"/>
           </p:cNvPicPr>
           <p:nvPr/>
         </p:nvPicPr>
         <p:blipFill>
-          <a:blip r:embed="rId1"/>
+          <a:blip r:embed="rId3"/>
           <a:stretch>
             <a:fillRect/>
           </a:stretch>
@@ -6828,7 +6580,7 @@
           <a:bodyPr wrap="none" lIns="0" tIns="0" rIns="0" bIns="0" rtlCol="0" anchor="t"/>
           <a:lstStyle/>
           <a:p>
-            <a:pPr algn="l" indent="0" marL="0">
+            <a:pPr marL="0" indent="0" algn="l">
               <a:lnSpc>
                 <a:spcPts val="4450"/>
               </a:lnSpc>
@@ -6870,7 +6622,7 @@
           <a:bodyPr wrap="square" lIns="0" tIns="0" rIns="0" bIns="0" rtlCol="0" anchor="t"/>
           <a:lstStyle/>
           <a:p>
-            <a:pPr algn="l" indent="0" marL="0">
+            <a:pPr marL="0" indent="0" algn="l">
               <a:lnSpc>
                 <a:spcPts val="2850"/>
               </a:lnSpc>
@@ -6887,12 +6639,6 @@
               </a:rPr>
               <a:t>4. </a:t>
             </a:r>
-            <a:pPr algn="l" indent="0" marL="0">
-              <a:lnSpc>
-                <a:spcPts val="2850"/>
-              </a:lnSpc>
-              <a:buNone/>
-            </a:pPr>
             <a:r>
               <a:rPr lang="en-US" sz="1750" b="1" dirty="0">
                 <a:solidFill>
@@ -6904,12 +6650,6 @@
               </a:rPr>
               <a:t>Software Product</a:t>
             </a:r>
-            <a:pPr algn="l" indent="0" marL="0">
-              <a:lnSpc>
-                <a:spcPts val="2850"/>
-              </a:lnSpc>
-              <a:buNone/>
-            </a:pPr>
             <a:r>
               <a:rPr lang="en-US" sz="1750" dirty="0">
                 <a:solidFill>
@@ -6946,7 +6686,7 @@
           <a:bodyPr wrap="square" lIns="0" tIns="0" rIns="0" bIns="0" rtlCol="0" anchor="t"/>
           <a:lstStyle/>
           <a:p>
-            <a:pPr algn="l" indent="0" marL="0">
+            <a:pPr marL="0" indent="0" algn="l">
               <a:lnSpc>
                 <a:spcPts val="3300"/>
               </a:lnSpc>
@@ -6988,7 +6728,7 @@
           <a:bodyPr wrap="square" lIns="0" tIns="0" rIns="0" bIns="0" rtlCol="0" anchor="t"/>
           <a:lstStyle/>
           <a:p>
-            <a:pPr algn="l" marL="342900" indent="-342900">
+            <a:pPr marL="342900" indent="-342900" algn="l">
               <a:lnSpc>
                 <a:spcPts val="2850"/>
               </a:lnSpc>
@@ -7006,12 +6746,6 @@
               </a:rPr>
               <a:t>Maturity and difficulty of the application domain</a:t>
             </a:r>
-            <a:pPr algn="l" indent="0" marL="0">
-              <a:lnSpc>
-                <a:spcPts val="2850"/>
-              </a:lnSpc>
-              <a:buNone/>
-            </a:pPr>
             <a:r>
               <a:rPr lang="en-US" sz="1750" dirty="0">
                 <a:solidFill>
@@ -7048,7 +6782,7 @@
           <a:bodyPr wrap="square" lIns="0" tIns="0" rIns="0" bIns="0" rtlCol="0" anchor="t"/>
           <a:lstStyle/>
           <a:p>
-            <a:pPr algn="l" indent="0" marL="0">
+            <a:pPr marL="0" indent="0" algn="l">
               <a:lnSpc>
                 <a:spcPts val="3300"/>
               </a:lnSpc>
@@ -7115,7 +6849,7 @@
           <a:bodyPr wrap="none" lIns="0" tIns="0" rIns="0" bIns="0" rtlCol="0" anchor="t"/>
           <a:lstStyle/>
           <a:p>
-            <a:pPr algn="l" indent="0" marL="0">
+            <a:pPr marL="0" indent="0" algn="l">
               <a:lnSpc>
                 <a:spcPts val="4450"/>
               </a:lnSpc>
@@ -7157,7 +6891,7 @@
           <a:bodyPr wrap="square" lIns="0" tIns="0" rIns="0" bIns="0" rtlCol="0" anchor="t"/>
           <a:lstStyle/>
           <a:p>
-            <a:pPr algn="l" marL="342900" indent="-342900">
+            <a:pPr marL="342900" indent="-342900" algn="l">
               <a:lnSpc>
                 <a:spcPts val="2850"/>
               </a:lnSpc>
@@ -7175,12 +6909,6 @@
               </a:rPr>
               <a:t>Quality of the documentation</a:t>
             </a:r>
-            <a:pPr algn="l" indent="0" marL="0">
-              <a:lnSpc>
-                <a:spcPts val="2850"/>
-              </a:lnSpc>
-              <a:buNone/>
-            </a:pPr>
             <a:r>
               <a:rPr lang="en-US" sz="1750" dirty="0">
                 <a:solidFill>
@@ -7217,7 +6945,7 @@
           <a:bodyPr wrap="square" lIns="0" tIns="0" rIns="0" bIns="0" rtlCol="0" anchor="t"/>
           <a:lstStyle/>
           <a:p>
-            <a:pPr algn="l" marL="342900" indent="-342900">
+            <a:pPr marL="342900" indent="-342900" algn="l">
               <a:lnSpc>
                 <a:spcPts val="2850"/>
               </a:lnSpc>
@@ -7235,12 +6963,6 @@
               </a:rPr>
               <a:t>Malleability of the programs:</a:t>
             </a:r>
-            <a:pPr algn="l" indent="0" marL="0">
-              <a:lnSpc>
-                <a:spcPts val="2850"/>
-              </a:lnSpc>
-              <a:buNone/>
-            </a:pPr>
             <a:r>
               <a:rPr lang="en-US" sz="1750" dirty="0">
                 <a:solidFill>
@@ -7277,7 +6999,7 @@
           <a:bodyPr wrap="square" lIns="0" tIns="0" rIns="0" bIns="0" rtlCol="0" anchor="t"/>
           <a:lstStyle/>
           <a:p>
-            <a:pPr algn="l" marL="342900" indent="-342900">
+            <a:pPr marL="342900" indent="-342900" algn="l">
               <a:lnSpc>
                 <a:spcPts val="2850"/>
               </a:lnSpc>
@@ -7295,12 +7017,6 @@
               </a:rPr>
               <a:t>Inherent quality:</a:t>
             </a:r>
-            <a:pPr algn="l" indent="0" marL="0">
-              <a:lnSpc>
-                <a:spcPts val="2850"/>
-              </a:lnSpc>
-              <a:buNone/>
-            </a:pPr>
             <a:r>
               <a:rPr lang="en-US" sz="1750" dirty="0">
                 <a:solidFill>
@@ -7362,7 +7078,7 @@
           <a:bodyPr wrap="none" lIns="0" tIns="0" rIns="0" bIns="0" rtlCol="0" anchor="t"/>
           <a:lstStyle/>
           <a:p>
-            <a:pPr algn="l" indent="0" marL="0">
+            <a:pPr marL="0" indent="0" algn="l">
               <a:lnSpc>
                 <a:spcPts val="4450"/>
               </a:lnSpc>
@@ -7404,7 +7120,7 @@
           <a:bodyPr wrap="square" lIns="0" tIns="0" rIns="0" bIns="0" rtlCol="0" anchor="t"/>
           <a:lstStyle/>
           <a:p>
-            <a:pPr algn="l" indent="0" marL="0">
+            <a:pPr marL="0" indent="0" algn="l">
               <a:lnSpc>
                 <a:spcPts val="2850"/>
               </a:lnSpc>
@@ -7421,12 +7137,6 @@
               </a:rPr>
               <a:t>5. </a:t>
             </a:r>
-            <a:pPr algn="l" indent="0" marL="0">
-              <a:lnSpc>
-                <a:spcPts val="2850"/>
-              </a:lnSpc>
-              <a:buNone/>
-            </a:pPr>
             <a:r>
               <a:rPr lang="en-US" sz="1750" b="1" dirty="0">
                 <a:solidFill>
@@ -7438,12 +7148,6 @@
               </a:rPr>
               <a:t>Maintenance Personnel:</a:t>
             </a:r>
-            <a:pPr algn="l" indent="0" marL="0">
-              <a:lnSpc>
-                <a:spcPts val="2850"/>
-              </a:lnSpc>
-              <a:buNone/>
-            </a:pPr>
             <a:r>
               <a:rPr lang="en-US" sz="1750" dirty="0">
                 <a:solidFill>
@@ -7480,7 +7184,7 @@
           <a:bodyPr wrap="square" lIns="0" tIns="0" rIns="0" bIns="0" rtlCol="0" anchor="t"/>
           <a:lstStyle/>
           <a:p>
-            <a:pPr algn="l" marL="342900" indent="-342900">
+            <a:pPr marL="342900" indent="-342900" algn="l">
               <a:lnSpc>
                 <a:spcPts val="2850"/>
               </a:lnSpc>
@@ -7498,12 +7202,6 @@
               </a:rPr>
               <a:t>Staff turnover:</a:t>
             </a:r>
-            <a:pPr algn="l" indent="0" marL="0">
-              <a:lnSpc>
-                <a:spcPts val="2850"/>
-              </a:lnSpc>
-              <a:buNone/>
-            </a:pPr>
             <a:r>
               <a:rPr lang="en-US" sz="1750" dirty="0">
                 <a:solidFill>
@@ -7540,7 +7238,7 @@
           <a:bodyPr wrap="square" lIns="0" tIns="0" rIns="0" bIns="0" rtlCol="0" anchor="t"/>
           <a:lstStyle/>
           <a:p>
-            <a:pPr algn="l" marL="342900" indent="-342900">
+            <a:pPr marL="342900" indent="-342900" algn="l">
               <a:lnSpc>
                 <a:spcPts val="2850"/>
               </a:lnSpc>
@@ -7558,12 +7256,6 @@
               </a:rPr>
               <a:t>Domain expertise</a:t>
             </a:r>
-            <a:pPr algn="l" indent="0" marL="0">
-              <a:lnSpc>
-                <a:spcPts val="2850"/>
-              </a:lnSpc>
-              <a:buNone/>
-            </a:pPr>
             <a:r>
               <a:rPr lang="en-US" sz="1750" dirty="0">
                 <a:solidFill>
@@ -7625,7 +7317,7 @@
           <a:bodyPr wrap="none" lIns="0" tIns="0" rIns="0" bIns="0" rtlCol="0" anchor="t"/>
           <a:lstStyle/>
           <a:p>
-            <a:pPr algn="l" indent="0" marL="0">
+            <a:pPr marL="0" indent="0" algn="l">
               <a:lnSpc>
                 <a:spcPts val="4450"/>
               </a:lnSpc>
@@ -7667,7 +7359,7 @@
           <a:bodyPr wrap="square" lIns="0" tIns="0" rIns="0" bIns="0" rtlCol="0" anchor="t"/>
           <a:lstStyle/>
           <a:p>
-            <a:pPr algn="l" marL="342900" indent="-342900">
+            <a:pPr marL="342900" indent="-342900" algn="l">
               <a:lnSpc>
                 <a:spcPts val="2850"/>
               </a:lnSpc>
@@ -7685,12 +7377,6 @@
               </a:rPr>
               <a:t>Working practices</a:t>
             </a:r>
-            <a:pPr algn="l" indent="0" marL="0">
-              <a:lnSpc>
-                <a:spcPts val="2850"/>
-              </a:lnSpc>
-              <a:buNone/>
-            </a:pPr>
             <a:r>
               <a:rPr lang="en-US" sz="1750" dirty="0">
                 <a:solidFill>
@@ -7727,7 +7413,7 @@
           <a:bodyPr wrap="square" lIns="0" tIns="0" rIns="0" bIns="0" rtlCol="0" anchor="t"/>
           <a:lstStyle/>
           <a:p>
-            <a:pPr algn="l" indent="0" marL="0">
+            <a:pPr marL="0" indent="0" algn="l">
               <a:lnSpc>
                 <a:spcPts val="3300"/>
               </a:lnSpc>
@@ -7794,7 +7480,7 @@
           <a:bodyPr wrap="none" lIns="0" tIns="0" rIns="0" bIns="0" rtlCol="0" anchor="t"/>
           <a:lstStyle/>
           <a:p>
-            <a:pPr algn="l" indent="0" marL="0">
+            <a:pPr marL="0" indent="0" algn="l">
               <a:lnSpc>
                 <a:spcPts val="4450"/>
               </a:lnSpc>
@@ -7836,7 +7522,7 @@
           <a:bodyPr wrap="square" lIns="0" tIns="0" rIns="0" bIns="0" rtlCol="0" anchor="t"/>
           <a:lstStyle/>
           <a:p>
-            <a:pPr algn="l" indent="0" marL="0">
+            <a:pPr marL="0" indent="0" algn="l">
               <a:lnSpc>
                 <a:spcPts val="2850"/>
               </a:lnSpc>
@@ -7853,13 +7539,60 @@
               </a:rPr>
               <a:t>Relations Between Product and Environment: </a:t>
             </a:r>
-            <a:pPr algn="l" indent="0" marL="0">
+            <a:r>
+              <a:rPr lang="en-US" sz="1750" dirty="0">
+                <a:solidFill>
+                  <a:srgbClr val="272525"/>
+                </a:solidFill>
+                <a:latin typeface="Inter" pitchFamily="34" charset="0"/>
+                <a:ea typeface="Inter" pitchFamily="34" charset="-122"/>
+                <a:cs typeface="Inter" pitchFamily="34" charset="-120"/>
+              </a:rPr>
+              <a:t>A software product does not exist in a vacuum, rather it can be seen as an entity which is hosted by its organisational and operational environments.</a:t>
+            </a:r>
+            <a:endParaRPr lang="en-US" sz="1750" dirty="0"/>
+          </a:p>
+        </p:txBody>
+      </p:sp>
+      <p:sp>
+        <p:nvSpPr>
+          <p:cNvPr id="4" name="Text 2"/>
+          <p:cNvSpPr/>
+          <p:nvPr/>
+        </p:nvSpPr>
+        <p:spPr>
+          <a:xfrm>
+            <a:off x="793790" y="4080748"/>
+            <a:ext cx="13042821" cy="725805"/>
+          </a:xfrm>
+          <a:prstGeom prst="rect">
+            <a:avLst/>
+          </a:prstGeom>
+          <a:noFill/>
+          <a:ln/>
+        </p:spPr>
+        <p:txBody>
+          <a:bodyPr wrap="square" lIns="0" tIns="0" rIns="0" bIns="0" rtlCol="0" anchor="t"/>
+          <a:lstStyle/>
+          <a:p>
+            <a:pPr marL="0" indent="0" algn="l">
               <a:lnSpc>
                 <a:spcPts val="2850"/>
               </a:lnSpc>
               <a:buNone/>
             </a:pPr>
             <a:r>
+              <a:rPr lang="en-US" sz="1750" b="1" dirty="0">
+                <a:solidFill>
+                  <a:srgbClr val="272525"/>
+                </a:solidFill>
+                <a:latin typeface="Inter" pitchFamily="34" charset="0"/>
+                <a:ea typeface="Inter" pitchFamily="34" charset="-122"/>
+                <a:cs typeface="Inter" pitchFamily="34" charset="-120"/>
+              </a:rPr>
+              <a:t>Relation between product and user:</a:t>
+            </a:r>
+            <a:r>
               <a:rPr lang="en-US" sz="1750" dirty="0">
                 <a:solidFill>
                   <a:srgbClr val="272525"/>
@@ -7868,7 +7601,7 @@
                 <a:ea typeface="Inter" pitchFamily="34" charset="-122"/>
                 <a:cs typeface="Inter" pitchFamily="34" charset="-120"/>
               </a:rPr>
-              <a:t>A software product does not exist in a vacuum, rather it can be seen as an entity which is hosted by its organisational and operational environments.</a:t>
+              <a:t> One of the objectives of a software product is to serve the needs of its users. The needs of the users change all the time and thus the product needs to adapt.</a:t>
             </a:r>
             <a:endParaRPr lang="en-US" sz="1750" dirty="0"/>
           </a:p>
@@ -7876,14 +7609,14 @@
       </p:sp>
       <p:sp>
         <p:nvSpPr>
-          <p:cNvPr id="4" name="Text 2"/>
-          <p:cNvSpPr/>
-          <p:nvPr/>
-        </p:nvSpPr>
-        <p:spPr>
-          <a:xfrm>
-            <a:off x="793790" y="4080748"/>
-            <a:ext cx="13042821" cy="725805"/>
+          <p:cNvPr id="5" name="Text 3"/>
+          <p:cNvSpPr/>
+          <p:nvPr/>
+        </p:nvSpPr>
+        <p:spPr>
+          <a:xfrm>
+            <a:off x="793790" y="5061704"/>
+            <a:ext cx="13042821" cy="1088708"/>
           </a:xfrm>
           <a:prstGeom prst="rect">
             <a:avLst/>
@@ -7895,7 +7628,7 @@
           <a:bodyPr wrap="square" lIns="0" tIns="0" rIns="0" bIns="0" rtlCol="0" anchor="t"/>
           <a:lstStyle/>
           <a:p>
-            <a:pPr algn="l" indent="0" marL="0">
+            <a:pPr marL="0" indent="0" algn="l">
               <a:lnSpc>
                 <a:spcPts val="2850"/>
               </a:lnSpc>
@@ -7910,73 +7643,8 @@
                 <a:ea typeface="Inter" pitchFamily="34" charset="-122"/>
                 <a:cs typeface="Inter" pitchFamily="34" charset="-120"/>
               </a:rPr>
-              <a:t>Relation between product and user:</a:t>
-            </a:r>
-            <a:pPr algn="l" indent="0" marL="0">
-              <a:lnSpc>
-                <a:spcPts val="2850"/>
-              </a:lnSpc>
-              <a:buNone/>
-            </a:pPr>
-            <a:r>
-              <a:rPr lang="en-US" sz="1750" dirty="0">
-                <a:solidFill>
-                  <a:srgbClr val="272525"/>
-                </a:solidFill>
-                <a:latin typeface="Inter" pitchFamily="34" charset="0"/>
-                <a:ea typeface="Inter" pitchFamily="34" charset="-122"/>
-                <a:cs typeface="Inter" pitchFamily="34" charset="-120"/>
-              </a:rPr>
-              <a:t> One of the objectives of a software product is to serve the needs of its users. The needs of the users change all the time and thus the product needs to adapt.</a:t>
-            </a:r>
-            <a:endParaRPr lang="en-US" sz="1750" dirty="0"/>
-          </a:p>
-        </p:txBody>
-      </p:sp>
-      <p:sp>
-        <p:nvSpPr>
-          <p:cNvPr id="5" name="Text 3"/>
-          <p:cNvSpPr/>
-          <p:nvPr/>
-        </p:nvSpPr>
-        <p:spPr>
-          <a:xfrm>
-            <a:off x="793790" y="5061704"/>
-            <a:ext cx="13042821" cy="1088708"/>
-          </a:xfrm>
-          <a:prstGeom prst="rect">
-            <a:avLst/>
-          </a:prstGeom>
-          <a:noFill/>
-          <a:ln/>
-        </p:spPr>
-        <p:txBody>
-          <a:bodyPr wrap="square" lIns="0" tIns="0" rIns="0" bIns="0" rtlCol="0" anchor="t"/>
-          <a:lstStyle/>
-          <a:p>
-            <a:pPr algn="l" indent="0" marL="0">
-              <a:lnSpc>
-                <a:spcPts val="2850"/>
-              </a:lnSpc>
-              <a:buNone/>
-            </a:pPr>
-            <a:r>
-              <a:rPr lang="en-US" sz="1750" b="1" dirty="0">
-                <a:solidFill>
-                  <a:srgbClr val="272525"/>
-                </a:solidFill>
-                <a:latin typeface="Inter" pitchFamily="34" charset="0"/>
-                <a:ea typeface="Inter" pitchFamily="34" charset="-122"/>
-                <a:cs typeface="Inter" pitchFamily="34" charset="-120"/>
-              </a:rPr>
               <a:t>Interaction between personnel and product:</a:t>
             </a:r>
-            <a:pPr algn="l" indent="0" marL="0">
-              <a:lnSpc>
-                <a:spcPts val="2850"/>
-              </a:lnSpc>
-              <a:buNone/>
-            </a:pPr>
             <a:r>
               <a:rPr lang="en-US" sz="1750" dirty="0">
                 <a:solidFill>
@@ -8019,14 +7687,14 @@
       </p:grpSpPr>
       <p:pic>
         <p:nvPicPr>
-          <p:cNvPr id="2" name="Image 0" descr="preencoded.png">    </p:cNvPr>
+          <p:cNvPr id="2" name="Image 0" descr="preencoded.png"/>
           <p:cNvPicPr>
             <a:picLocks noChangeAspect="1"/>
           </p:cNvPicPr>
           <p:nvPr/>
         </p:nvPicPr>
         <p:blipFill>
-          <a:blip r:embed="rId1"/>
+          <a:blip r:embed="rId3"/>
           <a:stretch>
             <a:fillRect/>
           </a:stretch>
@@ -8068,14 +7736,14 @@
       </p:grpSpPr>
       <p:pic>
         <p:nvPicPr>
-          <p:cNvPr id="2" name="Image 0" descr="preencoded.png">    </p:cNvPr>
+          <p:cNvPr id="2" name="Image 0" descr="preencoded.png"/>
           <p:cNvPicPr>
             <a:picLocks noChangeAspect="1"/>
           </p:cNvPicPr>
           <p:nvPr/>
         </p:nvPicPr>
         <p:blipFill>
-          <a:blip r:embed="rId1"/>
+          <a:blip r:embed="rId3"/>
           <a:stretch>
             <a:fillRect/>
           </a:stretch>
@@ -8133,7 +7801,7 @@
           <a:bodyPr wrap="none" lIns="0" tIns="0" rIns="0" bIns="0" rtlCol="0" anchor="t"/>
           <a:lstStyle/>
           <a:p>
-            <a:pPr algn="l" indent="0" marL="0">
+            <a:pPr marL="0" indent="0" algn="l">
               <a:lnSpc>
                 <a:spcPts val="5550"/>
               </a:lnSpc>
@@ -8200,7 +7868,7 @@
           <a:bodyPr wrap="none" lIns="0" tIns="0" rIns="0" bIns="0" rtlCol="0" anchor="t"/>
           <a:lstStyle/>
           <a:p>
-            <a:pPr algn="l" indent="0" marL="0">
+            <a:pPr marL="0" indent="0" algn="l">
               <a:lnSpc>
                 <a:spcPts val="4450"/>
               </a:lnSpc>
@@ -8242,7 +7910,7 @@
           <a:bodyPr wrap="none" lIns="0" tIns="0" rIns="0" bIns="0" rtlCol="0" anchor="t"/>
           <a:lstStyle/>
           <a:p>
-            <a:pPr algn="l" marL="342900" indent="-342900">
+            <a:pPr marL="342900" indent="-342900" algn="l">
               <a:lnSpc>
                 <a:spcPts val="2850"/>
               </a:lnSpc>
@@ -8285,7 +7953,7 @@
           <a:bodyPr wrap="none" lIns="0" tIns="0" rIns="0" bIns="0" rtlCol="0" anchor="t"/>
           <a:lstStyle/>
           <a:p>
-            <a:pPr algn="l" marL="342900" indent="-342900">
+            <a:pPr marL="342900" indent="-342900" algn="l">
               <a:lnSpc>
                 <a:spcPts val="2850"/>
               </a:lnSpc>
@@ -8328,7 +7996,7 @@
           <a:bodyPr wrap="none" lIns="0" tIns="0" rIns="0" bIns="0" rtlCol="0" anchor="t"/>
           <a:lstStyle/>
           <a:p>
-            <a:pPr algn="l" lvl="1" marL="685800" indent="-342900">
+            <a:pPr marL="685800" lvl="1" indent="-342900" algn="l">
               <a:lnSpc>
                 <a:spcPts val="2850"/>
               </a:lnSpc>
@@ -8371,7 +8039,7 @@
           <a:bodyPr wrap="none" lIns="0" tIns="0" rIns="0" bIns="0" rtlCol="0" anchor="t"/>
           <a:lstStyle/>
           <a:p>
-            <a:pPr algn="l" lvl="1" marL="685800" indent="-342900">
+            <a:pPr marL="685800" lvl="1" indent="-342900" algn="l">
               <a:lnSpc>
                 <a:spcPts val="2850"/>
               </a:lnSpc>
@@ -8414,7 +8082,7 @@
           <a:bodyPr wrap="none" lIns="0" tIns="0" rIns="0" bIns="0" rtlCol="0" anchor="t"/>
           <a:lstStyle/>
           <a:p>
-            <a:pPr algn="l" lvl="2" marL="1028700" indent="-342900">
+            <a:pPr marL="1028700" lvl="2" indent="-342900" algn="l">
               <a:lnSpc>
                 <a:spcPts val="2850"/>
               </a:lnSpc>
@@ -8457,7 +8125,7 @@
           <a:bodyPr wrap="none" lIns="0" tIns="0" rIns="0" bIns="0" rtlCol="0" anchor="t"/>
           <a:lstStyle/>
           <a:p>
-            <a:pPr algn="l" lvl="1" marL="685800" indent="-342900">
+            <a:pPr marL="685800" lvl="1" indent="-342900" algn="l">
               <a:lnSpc>
                 <a:spcPts val="2850"/>
               </a:lnSpc>
@@ -8500,7 +8168,7 @@
           <a:bodyPr wrap="none" lIns="0" tIns="0" rIns="0" bIns="0" rtlCol="0" anchor="t"/>
           <a:lstStyle/>
           <a:p>
-            <a:pPr algn="l" lvl="2" marL="1028700" indent="-342900">
+            <a:pPr marL="1028700" lvl="2" indent="-342900" algn="l">
               <a:lnSpc>
                 <a:spcPts val="2850"/>
               </a:lnSpc>
@@ -8543,7 +8211,7 @@
           <a:bodyPr wrap="none" lIns="0" tIns="0" rIns="0" bIns="0" rtlCol="0" anchor="t"/>
           <a:lstStyle/>
           <a:p>
-            <a:pPr algn="l" lvl="1" marL="685800" indent="-342900">
+            <a:pPr marL="685800" lvl="1" indent="-342900" algn="l">
               <a:lnSpc>
                 <a:spcPts val="2850"/>
               </a:lnSpc>
@@ -8586,7 +8254,7 @@
           <a:bodyPr wrap="square" lIns="0" tIns="0" rIns="0" bIns="0" rtlCol="0" anchor="t"/>
           <a:lstStyle/>
           <a:p>
-            <a:pPr algn="l" lvl="2" marL="1028700" indent="-342900">
+            <a:pPr marL="1028700" lvl="2" indent="-342900" algn="l">
               <a:lnSpc>
                 <a:spcPts val="2850"/>
               </a:lnSpc>
@@ -8654,7 +8322,7 @@
           <a:bodyPr wrap="none" lIns="0" tIns="0" rIns="0" bIns="0" rtlCol="0" anchor="t"/>
           <a:lstStyle/>
           <a:p>
-            <a:pPr algn="l" indent="0" marL="0">
+            <a:pPr marL="0" indent="0" algn="l">
               <a:lnSpc>
                 <a:spcPts val="5550"/>
               </a:lnSpc>
@@ -8696,7 +8364,7 @@
           <a:bodyPr wrap="square" lIns="0" tIns="0" rIns="0" bIns="0" rtlCol="0" anchor="t"/>
           <a:lstStyle/>
           <a:p>
-            <a:pPr algn="l" indent="0" marL="0">
+            <a:pPr marL="0" indent="0" algn="l">
               <a:lnSpc>
                 <a:spcPts val="2850"/>
               </a:lnSpc>
@@ -8713,13 +8381,71 @@
               </a:rPr>
               <a:t>The </a:t>
             </a:r>
-            <a:pPr algn="l" indent="0" marL="0">
+            <a:r>
+              <a:rPr lang="en-US" sz="1750" b="1" dirty="0">
+                <a:solidFill>
+                  <a:srgbClr val="272525"/>
+                </a:solidFill>
+                <a:latin typeface="Inter" pitchFamily="34" charset="0"/>
+                <a:ea typeface="Inter" pitchFamily="34" charset="-122"/>
+                <a:cs typeface="Inter" pitchFamily="34" charset="-120"/>
+              </a:rPr>
+              <a:t>Software Life Cycle</a:t>
+            </a:r>
+            <a:r>
+              <a:rPr lang="en-US" sz="1750" dirty="0">
+                <a:solidFill>
+                  <a:srgbClr val="272525"/>
+                </a:solidFill>
+                <a:latin typeface="Inter" pitchFamily="34" charset="0"/>
+                <a:ea typeface="Inter" pitchFamily="34" charset="-122"/>
+                <a:cs typeface="Inter" pitchFamily="34" charset="-120"/>
+              </a:rPr>
+              <a:t> refers to the stages a software product goes through from its initial conception to its final retirement. These stages typically include requirements analysis, design, implementation, testing, deployment, and maintenance.</a:t>
+            </a:r>
+            <a:endParaRPr lang="en-US" sz="1750" dirty="0"/>
+          </a:p>
+        </p:txBody>
+      </p:sp>
+      <p:sp>
+        <p:nvSpPr>
+          <p:cNvPr id="4" name="Text 2"/>
+          <p:cNvSpPr/>
+          <p:nvPr/>
+        </p:nvSpPr>
+        <p:spPr>
+          <a:xfrm>
+            <a:off x="793790" y="4514493"/>
+            <a:ext cx="13042821" cy="725805"/>
+          </a:xfrm>
+          <a:prstGeom prst="rect">
+            <a:avLst/>
+          </a:prstGeom>
+          <a:noFill/>
+          <a:ln/>
+        </p:spPr>
+        <p:txBody>
+          <a:bodyPr wrap="square" lIns="0" tIns="0" rIns="0" bIns="0" rtlCol="0" anchor="t"/>
+          <a:lstStyle/>
+          <a:p>
+            <a:pPr marL="0" indent="0" algn="l">
               <a:lnSpc>
                 <a:spcPts val="2850"/>
               </a:lnSpc>
               <a:buNone/>
             </a:pPr>
             <a:r>
+              <a:rPr lang="en-US" sz="1750" dirty="0">
+                <a:solidFill>
+                  <a:srgbClr val="272525"/>
+                </a:solidFill>
+                <a:latin typeface="Inter" pitchFamily="34" charset="0"/>
+                <a:ea typeface="Inter" pitchFamily="34" charset="-122"/>
+                <a:cs typeface="Inter" pitchFamily="34" charset="-120"/>
+              </a:rPr>
+              <a:t>The </a:t>
+            </a:r>
+            <a:r>
               <a:rPr lang="en-US" sz="1750" b="1" dirty="0">
                 <a:solidFill>
                   <a:srgbClr val="272525"/>
@@ -8728,9 +8454,45 @@
                 <a:ea typeface="Inter" pitchFamily="34" charset="-122"/>
                 <a:cs typeface="Inter" pitchFamily="34" charset="-120"/>
               </a:rPr>
-              <a:t>Software Life Cycle</a:t>
-            </a:r>
-            <a:pPr algn="l" indent="0" marL="0">
+              <a:t>Software Process</a:t>
+            </a:r>
+            <a:r>
+              <a:rPr lang="en-US" sz="1750" dirty="0">
+                <a:solidFill>
+                  <a:srgbClr val="272525"/>
+                </a:solidFill>
+                <a:latin typeface="Inter" pitchFamily="34" charset="0"/>
+                <a:ea typeface="Inter" pitchFamily="34" charset="-122"/>
+                <a:cs typeface="Inter" pitchFamily="34" charset="-120"/>
+              </a:rPr>
+              <a:t> is the set of activities, methods, and practices used to develop and maintain software. It defines how the software life cycle stages are executed and managed to ensure quality and efficiency.</a:t>
+            </a:r>
+            <a:endParaRPr lang="en-US" sz="1750" dirty="0"/>
+          </a:p>
+        </p:txBody>
+      </p:sp>
+      <p:sp>
+        <p:nvSpPr>
+          <p:cNvPr id="5" name="Text 3"/>
+          <p:cNvSpPr/>
+          <p:nvPr/>
+        </p:nvSpPr>
+        <p:spPr>
+          <a:xfrm>
+            <a:off x="793790" y="5495449"/>
+            <a:ext cx="13042821" cy="725805"/>
+          </a:xfrm>
+          <a:prstGeom prst="rect">
+            <a:avLst/>
+          </a:prstGeom>
+          <a:noFill/>
+          <a:ln/>
+        </p:spPr>
+        <p:txBody>
+          <a:bodyPr wrap="square" lIns="0" tIns="0" rIns="0" bIns="0" rtlCol="0" anchor="t"/>
+          <a:lstStyle/>
+          <a:p>
+            <a:pPr marL="0" indent="0" algn="l">
               <a:lnSpc>
                 <a:spcPts val="2850"/>
               </a:lnSpc>
@@ -8745,39 +8507,19 @@
                 <a:ea typeface="Inter" pitchFamily="34" charset="-122"/>
                 <a:cs typeface="Inter" pitchFamily="34" charset="-120"/>
               </a:rPr>
-              <a:t> refers to the stages a software product goes through from its initial conception to its final retirement. These stages typically include requirements analysis, design, implementation, testing, deployment, and maintenance.</a:t>
-            </a:r>
-            <a:endParaRPr lang="en-US" sz="1750" dirty="0"/>
-          </a:p>
-        </p:txBody>
-      </p:sp>
-      <p:sp>
-        <p:nvSpPr>
-          <p:cNvPr id="4" name="Text 2"/>
-          <p:cNvSpPr/>
-          <p:nvPr/>
-        </p:nvSpPr>
-        <p:spPr>
-          <a:xfrm>
-            <a:off x="793790" y="4514493"/>
-            <a:ext cx="13042821" cy="725805"/>
-          </a:xfrm>
-          <a:prstGeom prst="rect">
-            <a:avLst/>
-          </a:prstGeom>
-          <a:noFill/>
-          <a:ln/>
-        </p:spPr>
-        <p:txBody>
-          <a:bodyPr wrap="square" lIns="0" tIns="0" rIns="0" bIns="0" rtlCol="0" anchor="t"/>
-          <a:lstStyle/>
-          <a:p>
-            <a:pPr algn="l" indent="0" marL="0">
-              <a:lnSpc>
-                <a:spcPts val="2850"/>
-              </a:lnSpc>
-              <a:buNone/>
-            </a:pPr>
+              <a:t>While the software life cycle describes </a:t>
+            </a:r>
+            <a:r>
+              <a:rPr lang="en-US" sz="1750" i="1" dirty="0">
+                <a:solidFill>
+                  <a:srgbClr val="272525"/>
+                </a:solidFill>
+                <a:latin typeface="Inter" pitchFamily="34" charset="0"/>
+                <a:ea typeface="Inter" pitchFamily="34" charset="-122"/>
+                <a:cs typeface="Inter" pitchFamily="34" charset="-120"/>
+              </a:rPr>
+              <a:t>what</a:t>
+            </a:r>
             <a:r>
               <a:rPr lang="en-US" sz="1750" dirty="0">
                 <a:solidFill>
@@ -8787,90 +8529,8 @@
                 <a:ea typeface="Inter" pitchFamily="34" charset="-122"/>
                 <a:cs typeface="Inter" pitchFamily="34" charset="-120"/>
               </a:rPr>
-              <a:t>The </a:t>
-            </a:r>
-            <a:pPr algn="l" indent="0" marL="0">
-              <a:lnSpc>
-                <a:spcPts val="2850"/>
-              </a:lnSpc>
-              <a:buNone/>
-            </a:pPr>
-            <a:r>
-              <a:rPr lang="en-US" sz="1750" b="1" dirty="0">
-                <a:solidFill>
-                  <a:srgbClr val="272525"/>
-                </a:solidFill>
-                <a:latin typeface="Inter" pitchFamily="34" charset="0"/>
-                <a:ea typeface="Inter" pitchFamily="34" charset="-122"/>
-                <a:cs typeface="Inter" pitchFamily="34" charset="-120"/>
-              </a:rPr>
-              <a:t>Software Process</a:t>
-            </a:r>
-            <a:pPr algn="l" indent="0" marL="0">
-              <a:lnSpc>
-                <a:spcPts val="2850"/>
-              </a:lnSpc>
-              <a:buNone/>
-            </a:pPr>
-            <a:r>
-              <a:rPr lang="en-US" sz="1750" dirty="0">
-                <a:solidFill>
-                  <a:srgbClr val="272525"/>
-                </a:solidFill>
-                <a:latin typeface="Inter" pitchFamily="34" charset="0"/>
-                <a:ea typeface="Inter" pitchFamily="34" charset="-122"/>
-                <a:cs typeface="Inter" pitchFamily="34" charset="-120"/>
-              </a:rPr>
-              <a:t> is the set of activities, methods, and practices used to develop and maintain software. It defines how the software life cycle stages are executed and managed to ensure quality and efficiency.</a:t>
-            </a:r>
-            <a:endParaRPr lang="en-US" sz="1750" dirty="0"/>
-          </a:p>
-        </p:txBody>
-      </p:sp>
-      <p:sp>
-        <p:nvSpPr>
-          <p:cNvPr id="5" name="Text 3"/>
-          <p:cNvSpPr/>
-          <p:nvPr/>
-        </p:nvSpPr>
-        <p:spPr>
-          <a:xfrm>
-            <a:off x="793790" y="5495449"/>
-            <a:ext cx="13042821" cy="725805"/>
-          </a:xfrm>
-          <a:prstGeom prst="rect">
-            <a:avLst/>
-          </a:prstGeom>
-          <a:noFill/>
-          <a:ln/>
-        </p:spPr>
-        <p:txBody>
-          <a:bodyPr wrap="square" lIns="0" tIns="0" rIns="0" bIns="0" rtlCol="0" anchor="t"/>
-          <a:lstStyle/>
-          <a:p>
-            <a:pPr algn="l" indent="0" marL="0">
-              <a:lnSpc>
-                <a:spcPts val="2850"/>
-              </a:lnSpc>
-              <a:buNone/>
-            </a:pPr>
-            <a:r>
-              <a:rPr lang="en-US" sz="1750" dirty="0">
-                <a:solidFill>
-                  <a:srgbClr val="272525"/>
-                </a:solidFill>
-                <a:latin typeface="Inter" pitchFamily="34" charset="0"/>
-                <a:ea typeface="Inter" pitchFamily="34" charset="-122"/>
-                <a:cs typeface="Inter" pitchFamily="34" charset="-120"/>
-              </a:rPr>
-              <a:t>While the software life cycle describes </a:t>
-            </a:r>
-            <a:pPr algn="l" indent="0" marL="0">
-              <a:lnSpc>
-                <a:spcPts val="2850"/>
-              </a:lnSpc>
-              <a:buNone/>
-            </a:pPr>
+              <a:t> phases a software product experiences, the software process specifies </a:t>
+            </a:r>
             <a:r>
               <a:rPr lang="en-US" sz="1750" i="1" dirty="0">
                 <a:solidFill>
@@ -8880,48 +8540,8 @@
                 <a:ea typeface="Inter" pitchFamily="34" charset="-122"/>
                 <a:cs typeface="Inter" pitchFamily="34" charset="-120"/>
               </a:rPr>
-              <a:t>what</a:t>
-            </a:r>
-            <a:pPr algn="l" indent="0" marL="0">
-              <a:lnSpc>
-                <a:spcPts val="2850"/>
-              </a:lnSpc>
-              <a:buNone/>
-            </a:pPr>
-            <a:r>
-              <a:rPr lang="en-US" sz="1750" dirty="0">
-                <a:solidFill>
-                  <a:srgbClr val="272525"/>
-                </a:solidFill>
-                <a:latin typeface="Inter" pitchFamily="34" charset="0"/>
-                <a:ea typeface="Inter" pitchFamily="34" charset="-122"/>
-                <a:cs typeface="Inter" pitchFamily="34" charset="-120"/>
-              </a:rPr>
-              <a:t> phases a software product experiences, the software process specifies </a:t>
-            </a:r>
-            <a:pPr algn="l" indent="0" marL="0">
-              <a:lnSpc>
-                <a:spcPts val="2850"/>
-              </a:lnSpc>
-              <a:buNone/>
-            </a:pPr>
-            <a:r>
-              <a:rPr lang="en-US" sz="1750" i="1" dirty="0">
-                <a:solidFill>
-                  <a:srgbClr val="272525"/>
-                </a:solidFill>
-                <a:latin typeface="Inter" pitchFamily="34" charset="0"/>
-                <a:ea typeface="Inter" pitchFamily="34" charset="-122"/>
-                <a:cs typeface="Inter" pitchFamily="34" charset="-120"/>
-              </a:rPr>
               <a:t>how</a:t>
             </a:r>
-            <a:pPr algn="l" indent="0" marL="0">
-              <a:lnSpc>
-                <a:spcPts val="2850"/>
-              </a:lnSpc>
-              <a:buNone/>
-            </a:pPr>
             <a:r>
               <a:rPr lang="en-US" sz="1750" dirty="0">
                 <a:solidFill>
@@ -8983,7 +8603,7 @@
           <a:bodyPr wrap="none" lIns="0" tIns="0" rIns="0" bIns="0" rtlCol="0" anchor="t"/>
           <a:lstStyle/>
           <a:p>
-            <a:pPr algn="l" indent="0" marL="0">
+            <a:pPr marL="0" indent="0" algn="l">
               <a:lnSpc>
                 <a:spcPts val="5550"/>
               </a:lnSpc>
@@ -9025,7 +8645,7 @@
           <a:bodyPr wrap="square" lIns="0" tIns="0" rIns="0" bIns="0" rtlCol="0" anchor="t"/>
           <a:lstStyle/>
           <a:p>
-            <a:pPr algn="l" indent="0" marL="0">
+            <a:pPr marL="0" indent="0" algn="l">
               <a:lnSpc>
                 <a:spcPts val="2850"/>
               </a:lnSpc>
@@ -9067,7 +8687,7 @@
           <a:bodyPr wrap="square" lIns="0" tIns="0" rIns="0" bIns="0" rtlCol="0" anchor="t"/>
           <a:lstStyle/>
           <a:p>
-            <a:pPr algn="l" indent="0" marL="0">
+            <a:pPr marL="0" indent="0" algn="l">
               <a:lnSpc>
                 <a:spcPts val="2850"/>
               </a:lnSpc>
@@ -9134,7 +8754,7 @@
           <a:bodyPr wrap="none" lIns="0" tIns="0" rIns="0" bIns="0" rtlCol="0" anchor="t"/>
           <a:lstStyle/>
           <a:p>
-            <a:pPr algn="l" indent="0" marL="0">
+            <a:pPr marL="0" indent="0" algn="l">
               <a:lnSpc>
                 <a:spcPts val="3950"/>
               </a:lnSpc>
@@ -9176,7 +8796,7 @@
           <a:bodyPr wrap="square" lIns="0" tIns="0" rIns="0" bIns="0" rtlCol="0" anchor="t"/>
           <a:lstStyle/>
           <a:p>
-            <a:pPr algn="l" indent="0" marL="0">
+            <a:pPr marL="0" indent="0" algn="l">
               <a:lnSpc>
                 <a:spcPts val="2000"/>
               </a:lnSpc>
@@ -9193,12 +8813,6 @@
               </a:rPr>
               <a:t>Software Maintenance is an important phase of Software Development Life Cycle (SDLC), and it is implemented in the system through a proper software maintenance process, known as </a:t>
             </a:r>
-            <a:pPr algn="l" indent="0" marL="0">
-              <a:lnSpc>
-                <a:spcPts val="2000"/>
-              </a:lnSpc>
-              <a:buNone/>
-            </a:pPr>
             <a:r>
               <a:rPr lang="en-US" sz="1250" b="1" dirty="0">
                 <a:solidFill>
@@ -9210,12 +8824,6 @@
               </a:rPr>
               <a:t>Software Maintenance Life Cycle (SMLC)</a:t>
             </a:r>
-            <a:pPr algn="l" indent="0" marL="0">
-              <a:lnSpc>
-                <a:spcPts val="2000"/>
-              </a:lnSpc>
-              <a:buNone/>
-            </a:pPr>
             <a:r>
               <a:rPr lang="en-US" sz="1250" dirty="0">
                 <a:solidFill>
@@ -9252,13 +8860,13 @@
           <a:bodyPr wrap="square" lIns="0" tIns="0" rIns="0" bIns="0" rtlCol="0" anchor="t"/>
           <a:lstStyle/>
           <a:p>
-            <a:pPr algn="l" marL="342900" indent="-342900">
+            <a:pPr marL="342900" indent="-342900" algn="l">
               <a:lnSpc>
                 <a:spcPts val="2000"/>
               </a:lnSpc>
               <a:buSzPct val="100000"/>
               <a:buFont typeface="+mj-lt"/>
-              <a:buAutoNum type="arabicPeriod" startAt="1"/>
+              <a:buAutoNum type="arabicPeriod"/>
             </a:pPr>
             <a:r>
               <a:rPr lang="en-US" sz="1250" b="1" dirty="0">
@@ -9271,12 +8879,6 @@
               </a:rPr>
               <a:t>Identification Phase: </a:t>
             </a:r>
-            <a:pPr algn="l" indent="0" marL="0">
-              <a:lnSpc>
-                <a:spcPts val="2000"/>
-              </a:lnSpc>
-              <a:buNone/>
-            </a:pPr>
             <a:r>
               <a:rPr lang="en-US" sz="1250" dirty="0">
                 <a:solidFill>
@@ -9313,7 +8915,7 @@
           <a:bodyPr wrap="square" lIns="0" tIns="0" rIns="0" bIns="0" rtlCol="0" anchor="t"/>
           <a:lstStyle/>
           <a:p>
-            <a:pPr algn="l" marL="342900" indent="-342900">
+            <a:pPr marL="342900" indent="-342900" algn="l">
               <a:lnSpc>
                 <a:spcPts val="2000"/>
               </a:lnSpc>
@@ -9332,12 +8934,6 @@
               </a:rPr>
               <a:t> </a:t>
             </a:r>
-            <a:pPr algn="l" indent="0" marL="0">
-              <a:lnSpc>
-                <a:spcPts val="2000"/>
-              </a:lnSpc>
-              <a:buNone/>
-            </a:pPr>
             <a:r>
               <a:rPr lang="en-US" sz="1250" b="1" dirty="0">
                 <a:solidFill>
@@ -9349,12 +8945,6 @@
               </a:rPr>
               <a:t>Analysis Phase: </a:t>
             </a:r>
-            <a:pPr algn="l" indent="0" marL="0">
-              <a:lnSpc>
-                <a:spcPts val="2000"/>
-              </a:lnSpc>
-              <a:buNone/>
-            </a:pPr>
             <a:r>
               <a:rPr lang="en-US" sz="1250" dirty="0">
                 <a:solidFill>
@@ -9391,7 +8981,7 @@
           <a:bodyPr wrap="square" lIns="0" tIns="0" rIns="0" bIns="0" rtlCol="0" anchor="t"/>
           <a:lstStyle/>
           <a:p>
-            <a:pPr algn="l" marL="342900" indent="-342900">
+            <a:pPr marL="342900" indent="-342900" algn="l">
               <a:lnSpc>
                 <a:spcPts val="2000"/>
               </a:lnSpc>
@@ -9410,12 +9000,6 @@
               </a:rPr>
               <a:t>Design Phase: </a:t>
             </a:r>
-            <a:pPr algn="l" indent="0" marL="0">
-              <a:lnSpc>
-                <a:spcPts val="2000"/>
-              </a:lnSpc>
-              <a:buNone/>
-            </a:pPr>
             <a:r>
               <a:rPr lang="en-US" sz="1250" dirty="0">
                 <a:solidFill>
@@ -9452,7 +9036,7 @@
           <a:bodyPr wrap="square" lIns="0" tIns="0" rIns="0" bIns="0" rtlCol="0" anchor="t"/>
           <a:lstStyle/>
           <a:p>
-            <a:pPr algn="l" marL="342900" indent="-342900">
+            <a:pPr marL="342900" indent="-342900" algn="l">
               <a:lnSpc>
                 <a:spcPts val="2000"/>
               </a:lnSpc>
@@ -9471,12 +9055,6 @@
               </a:rPr>
               <a:t>Implementation Phase: </a:t>
             </a:r>
-            <a:pPr algn="l" indent="0" marL="0">
-              <a:lnSpc>
-                <a:spcPts val="2000"/>
-              </a:lnSpc>
-              <a:buNone/>
-            </a:pPr>
             <a:r>
               <a:rPr lang="en-US" sz="1250" dirty="0">
                 <a:solidFill>
@@ -9513,7 +9091,7 @@
           <a:bodyPr wrap="square" lIns="0" tIns="0" rIns="0" bIns="0" rtlCol="0" anchor="t"/>
           <a:lstStyle/>
           <a:p>
-            <a:pPr algn="l" marL="342900" indent="-342900">
+            <a:pPr marL="342900" indent="-342900" algn="l">
               <a:lnSpc>
                 <a:spcPts val="2000"/>
               </a:lnSpc>
@@ -9532,12 +9110,6 @@
               </a:rPr>
               <a:t>System Testing Phase:  </a:t>
             </a:r>
-            <a:pPr algn="l" indent="0" marL="0">
-              <a:lnSpc>
-                <a:spcPts val="2000"/>
-              </a:lnSpc>
-              <a:buNone/>
-            </a:pPr>
             <a:r>
               <a:rPr lang="en-US" sz="1250" u="sng" dirty="0">
                 <a:solidFill>
@@ -9546,7 +9118,7 @@
                 <a:latin typeface="Inter" pitchFamily="34" charset="0"/>
                 <a:ea typeface="Inter" pitchFamily="34" charset="-122"/>
                 <a:cs typeface="Inter" pitchFamily="34" charset="-120"/>
-                <a:hlinkClick r:id="rId1" invalidUrl="" action="" tgtFrame="" tooltip="" history="1" highlightClick="0" endSnd="0">
+                <a:hlinkClick r:id="rId3">
                   <a:extLst>
                     <a:ext uri="{A12FA001-AC4F-418D-AE19-62706E023703}">
                       <ahyp:hlinkClr xmlns:ahyp="http://schemas.microsoft.com/office/drawing/2018/hyperlinkcolor" val="tx"/>
@@ -9556,12 +9128,6 @@
               </a:rPr>
               <a:t>​</a:t>
             </a:r>
-            <a:pPr algn="l" indent="0" marL="0">
-              <a:lnSpc>
-                <a:spcPts val="2000"/>
-              </a:lnSpc>
-              <a:buNone/>
-            </a:pPr>
             <a:r>
               <a:rPr lang="en-US" sz="1250" dirty="0">
                 <a:solidFill>
@@ -9573,12 +9139,6 @@
               </a:rPr>
               <a:t>Regression testing is performed on the modified system to ensure that no defect, error or bug is left undetected. Furthermore, it validates that no new faults are introduced in the software as a result of maintenance activity. Integration testing</a:t>
             </a:r>
-            <a:pPr algn="l" indent="0" marL="0">
-              <a:lnSpc>
-                <a:spcPts val="2000"/>
-              </a:lnSpc>
-              <a:buNone/>
-            </a:pPr>
             <a:r>
               <a:rPr lang="en-US" sz="1250" u="sng" dirty="0">
                 <a:solidFill>
@@ -9587,7 +9147,7 @@
                 <a:latin typeface="Inter" pitchFamily="34" charset="0"/>
                 <a:ea typeface="Inter" pitchFamily="34" charset="-122"/>
                 <a:cs typeface="Inter" pitchFamily="34" charset="-120"/>
-                <a:hlinkClick r:id="rId2" invalidUrl="" action="" tgtFrame="" tooltip="" history="1" highlightClick="0" endSnd="0">
+                <a:hlinkClick r:id="rId4">
                   <a:extLst>
                     <a:ext uri="{A12FA001-AC4F-418D-AE19-62706E023703}">
                       <ahyp:hlinkClr xmlns:ahyp="http://schemas.microsoft.com/office/drawing/2018/hyperlinkcolor" val="tx"/>
@@ -9597,12 +9157,6 @@
               </a:rPr>
               <a:t>​</a:t>
             </a:r>
-            <a:pPr algn="l" indent="0" marL="0">
-              <a:lnSpc>
-                <a:spcPts val="2000"/>
-              </a:lnSpc>
-              <a:buNone/>
-            </a:pPr>
             <a:r>
               <a:rPr lang="en-US" sz="1250" dirty="0">
                 <a:solidFill>
@@ -9639,7 +9193,7 @@
           <a:bodyPr wrap="square" lIns="0" tIns="0" rIns="0" bIns="0" rtlCol="0" anchor="t"/>
           <a:lstStyle/>
           <a:p>
-            <a:pPr algn="l" marL="342900" indent="-342900">
+            <a:pPr marL="342900" indent="-342900" algn="l">
               <a:lnSpc>
                 <a:spcPts val="2000"/>
               </a:lnSpc>
@@ -9658,12 +9212,6 @@
               </a:rPr>
               <a:t>Acceptance Testing Phase: </a:t>
             </a:r>
-            <a:pPr algn="l" indent="0" marL="0">
-              <a:lnSpc>
-                <a:spcPts val="2000"/>
-              </a:lnSpc>
-              <a:buNone/>
-            </a:pPr>
             <a:r>
               <a:rPr lang="en-US" sz="1250" b="1" u="sng" dirty="0">
                 <a:solidFill>
@@ -9672,7 +9220,7 @@
                 <a:latin typeface="Inter" pitchFamily="34" charset="0"/>
                 <a:ea typeface="Inter" pitchFamily="34" charset="-122"/>
                 <a:cs typeface="Inter" pitchFamily="34" charset="-120"/>
-                <a:hlinkClick r:id="rId3" invalidUrl="" action="" tgtFrame="" tooltip="" history="1" highlightClick="0" endSnd="0">
+                <a:hlinkClick r:id="rId5">
                   <a:extLst>
                     <a:ext uri="{A12FA001-AC4F-418D-AE19-62706E023703}">
                       <ahyp:hlinkClr xmlns:ahyp="http://schemas.microsoft.com/office/drawing/2018/hyperlinkcolor" val="tx"/>
@@ -9682,12 +9230,6 @@
               </a:rPr>
               <a:t>A</a:t>
             </a:r>
-            <a:pPr algn="l" indent="0" marL="0">
-              <a:lnSpc>
-                <a:spcPts val="2000"/>
-              </a:lnSpc>
-              <a:buNone/>
-            </a:pPr>
             <a:r>
               <a:rPr lang="en-US" sz="1250" dirty="0">
                 <a:solidFill>
@@ -9724,7 +9266,7 @@
           <a:bodyPr wrap="square" lIns="0" tIns="0" rIns="0" bIns="0" rtlCol="0" anchor="t"/>
           <a:lstStyle/>
           <a:p>
-            <a:pPr algn="l" marL="342900" indent="-342900">
+            <a:pPr marL="342900" indent="-342900" algn="l">
               <a:lnSpc>
                 <a:spcPts val="2000"/>
               </a:lnSpc>
@@ -9743,12 +9285,6 @@
               </a:rPr>
               <a:t>Delivery Phase: </a:t>
             </a:r>
-            <a:pPr algn="l" indent="0" marL="0">
-              <a:lnSpc>
-                <a:spcPts val="2000"/>
-              </a:lnSpc>
-              <a:buNone/>
-            </a:pPr>
             <a:r>
               <a:rPr lang="en-US" sz="1250" dirty="0">
                 <a:solidFill>
@@ -9810,7 +9346,7 @@
           <a:bodyPr wrap="none" lIns="0" tIns="0" rIns="0" bIns="0" rtlCol="0" anchor="t"/>
           <a:lstStyle/>
           <a:p>
-            <a:pPr algn="l" indent="0" marL="0">
+            <a:pPr marL="0" indent="0" algn="l">
               <a:lnSpc>
                 <a:spcPts val="5550"/>
               </a:lnSpc>
@@ -9852,7 +9388,7 @@
           <a:bodyPr wrap="square" lIns="0" tIns="0" rIns="0" bIns="0" rtlCol="0" anchor="t"/>
           <a:lstStyle/>
           <a:p>
-            <a:pPr algn="l" indent="0" marL="0">
+            <a:pPr marL="0" indent="0" algn="l">
               <a:lnSpc>
                 <a:spcPts val="2850"/>
               </a:lnSpc>
@@ -9900,14 +9436,14 @@
       </p:grpSpPr>
       <p:pic>
         <p:nvPicPr>
-          <p:cNvPr id="2" name="Image 0" descr="preencoded.png">    </p:cNvPr>
+          <p:cNvPr id="2" name="Image 0" descr="preencoded.png"/>
           <p:cNvPicPr>
             <a:picLocks noChangeAspect="1"/>
           </p:cNvPicPr>
           <p:nvPr/>
         </p:nvPicPr>
         <p:blipFill>
-          <a:blip r:embed="rId1"/>
+          <a:blip r:embed="rId3"/>
           <a:stretch>
             <a:fillRect/>
           </a:stretch>
@@ -9924,14 +9460,14 @@
       </p:pic>
       <p:pic>
         <p:nvPicPr>
-          <p:cNvPr id="3" name="Image 1" descr="preencoded.png">    </p:cNvPr>
+          <p:cNvPr id="3" name="Image 1" descr="preencoded.png"/>
           <p:cNvPicPr>
             <a:picLocks noChangeAspect="1"/>
           </p:cNvPicPr>
           <p:nvPr/>
         </p:nvPicPr>
         <p:blipFill>
-          <a:blip r:embed="rId2"/>
+          <a:blip r:embed="rId4"/>
           <a:stretch>
             <a:fillRect/>
           </a:stretch>
@@ -9967,7 +9503,7 @@
           <a:bodyPr wrap="none" lIns="0" tIns="0" rIns="0" bIns="0" rtlCol="0" anchor="t"/>
           <a:lstStyle/>
           <a:p>
-            <a:pPr algn="l" indent="0" marL="0">
+            <a:pPr marL="0" indent="0" algn="l">
               <a:lnSpc>
                 <a:spcPts val="5550"/>
               </a:lnSpc>
@@ -10009,7 +9545,7 @@
           <a:bodyPr wrap="square" lIns="0" tIns="0" rIns="0" bIns="0" rtlCol="0" anchor="t"/>
           <a:lstStyle/>
           <a:p>
-            <a:pPr algn="l" indent="0" marL="0">
+            <a:pPr marL="0" indent="0" algn="l">
               <a:lnSpc>
                 <a:spcPts val="2850"/>
               </a:lnSpc>
@@ -10057,14 +9593,14 @@
       </p:grpSpPr>
       <p:pic>
         <p:nvPicPr>
-          <p:cNvPr id="2" name="Image 0" descr="preencoded.png">    </p:cNvPr>
+          <p:cNvPr id="2" name="Image 0" descr="preencoded.png"/>
           <p:cNvPicPr>
             <a:picLocks noChangeAspect="1"/>
           </p:cNvPicPr>
           <p:nvPr/>
         </p:nvPicPr>
         <p:blipFill>
-          <a:blip r:embed="rId1"/>
+          <a:blip r:embed="rId3"/>
           <a:stretch>
             <a:fillRect/>
           </a:stretch>
@@ -10081,14 +9617,14 @@
       </p:pic>
       <p:pic>
         <p:nvPicPr>
-          <p:cNvPr id="3" name="Image 1" descr="preencoded.png">    </p:cNvPr>
+          <p:cNvPr id="3" name="Image 1" descr="preencoded.png"/>
           <p:cNvPicPr>
             <a:picLocks noChangeAspect="1"/>
           </p:cNvPicPr>
           <p:nvPr/>
         </p:nvPicPr>
         <p:blipFill>
-          <a:blip r:embed="rId2"/>
+          <a:blip r:embed="rId4"/>
           <a:stretch>
             <a:fillRect/>
           </a:stretch>
@@ -10124,7 +9660,7 @@
           <a:bodyPr wrap="square" lIns="0" tIns="0" rIns="0" bIns="0" rtlCol="0" anchor="t"/>
           <a:lstStyle/>
           <a:p>
-            <a:pPr algn="l" indent="0" marL="0">
+            <a:pPr marL="0" indent="0" algn="l">
               <a:lnSpc>
                 <a:spcPts val="5550"/>
               </a:lnSpc>
@@ -10166,7 +9702,7 @@
           <a:bodyPr wrap="square" lIns="0" tIns="0" rIns="0" bIns="0" rtlCol="0" anchor="t"/>
           <a:lstStyle/>
           <a:p>
-            <a:pPr algn="l" indent="0" marL="0">
+            <a:pPr marL="0" indent="0" algn="l">
               <a:lnSpc>
                 <a:spcPts val="2850"/>
               </a:lnSpc>
@@ -10208,7 +9744,7 @@
           <a:bodyPr wrap="none" lIns="0" tIns="0" rIns="0" bIns="0" rtlCol="0" anchor="t"/>
           <a:lstStyle/>
           <a:p>
-            <a:pPr algn="l" indent="0" marL="0">
+            <a:pPr marL="0" indent="0" algn="l">
               <a:lnSpc>
                 <a:spcPts val="2850"/>
               </a:lnSpc>
@@ -10250,13 +9786,13 @@
           <a:bodyPr wrap="none" lIns="0" tIns="0" rIns="0" bIns="0" rtlCol="0" anchor="t"/>
           <a:lstStyle/>
           <a:p>
-            <a:pPr algn="l" marL="342900" indent="-342900">
+            <a:pPr marL="342900" indent="-342900" algn="l">
               <a:lnSpc>
                 <a:spcPts val="2850"/>
               </a:lnSpc>
               <a:buSzPct val="100000"/>
               <a:buFont typeface="+mj-lt"/>
-              <a:buAutoNum type="arabicPeriod" startAt="1"/>
+              <a:buAutoNum type="arabicPeriod"/>
             </a:pPr>
             <a:r>
               <a:rPr lang="en-US" sz="1750" dirty="0">
@@ -10294,7 +9830,7 @@
           <a:bodyPr wrap="none" lIns="0" tIns="0" rIns="0" bIns="0" rtlCol="0" anchor="t"/>
           <a:lstStyle/>
           <a:p>
-            <a:pPr algn="l" marL="342900" indent="-342900">
+            <a:pPr marL="342900" indent="-342900" algn="l">
               <a:lnSpc>
                 <a:spcPts val="2850"/>
               </a:lnSpc>
@@ -10338,7 +9874,7 @@
           <a:bodyPr wrap="none" lIns="0" tIns="0" rIns="0" bIns="0" rtlCol="0" anchor="t"/>
           <a:lstStyle/>
           <a:p>
-            <a:pPr algn="l" marL="342900" indent="-342900">
+            <a:pPr marL="342900" indent="-342900" algn="l">
               <a:lnSpc>
                 <a:spcPts val="2850"/>
               </a:lnSpc>
@@ -10388,14 +9924,14 @@
       </p:grpSpPr>
       <p:pic>
         <p:nvPicPr>
-          <p:cNvPr id="2" name="Image 0" descr="preencoded.png">    </p:cNvPr>
+          <p:cNvPr id="2" name="Image 0" descr="preencoded.png"/>
           <p:cNvPicPr>
             <a:picLocks noChangeAspect="1"/>
           </p:cNvPicPr>
           <p:nvPr/>
         </p:nvPicPr>
         <p:blipFill>
-          <a:blip r:embed="rId1"/>
+          <a:blip r:embed="rId3"/>
           <a:stretch>
             <a:fillRect/>
           </a:stretch>
@@ -10412,14 +9948,14 @@
       </p:pic>
       <p:pic>
         <p:nvPicPr>
-          <p:cNvPr id="3" name="Image 1" descr="preencoded.png">    </p:cNvPr>
+          <p:cNvPr id="3" name="Image 1" descr="preencoded.png"/>
           <p:cNvPicPr>
             <a:picLocks noChangeAspect="1"/>
           </p:cNvPicPr>
           <p:nvPr/>
         </p:nvPicPr>
         <p:blipFill>
-          <a:blip r:embed="rId2"/>
+          <a:blip r:embed="rId4"/>
           <a:stretch>
             <a:fillRect/>
           </a:stretch>
@@ -10455,7 +9991,7 @@
           <a:bodyPr wrap="none" lIns="0" tIns="0" rIns="0" bIns="0" rtlCol="0" anchor="t"/>
           <a:lstStyle/>
           <a:p>
-            <a:pPr algn="l" indent="0" marL="0">
+            <a:pPr marL="0" indent="0" algn="l">
               <a:lnSpc>
                 <a:spcPts val="5550"/>
               </a:lnSpc>
@@ -10497,7 +10033,7 @@
           <a:bodyPr wrap="square" lIns="0" tIns="0" rIns="0" bIns="0" rtlCol="0" anchor="t"/>
           <a:lstStyle/>
           <a:p>
-            <a:pPr algn="l" indent="0" marL="0">
+            <a:pPr marL="0" indent="0" algn="l">
               <a:lnSpc>
                 <a:spcPts val="2850"/>
               </a:lnSpc>
@@ -10545,14 +10081,14 @@
       </p:grpSpPr>
       <p:pic>
         <p:nvPicPr>
-          <p:cNvPr id="2" name="Image 0" descr="preencoded.png">    </p:cNvPr>
+          <p:cNvPr id="2" name="Image 0" descr="preencoded.png"/>
           <p:cNvPicPr>
             <a:picLocks noChangeAspect="1"/>
           </p:cNvPicPr>
           <p:nvPr/>
         </p:nvPicPr>
         <p:blipFill>
-          <a:blip r:embed="rId1"/>
+          <a:blip r:embed="rId3"/>
           <a:stretch>
             <a:fillRect/>
           </a:stretch>
@@ -10569,14 +10105,14 @@
       </p:pic>
       <p:pic>
         <p:nvPicPr>
-          <p:cNvPr id="3" name="Image 1" descr="preencoded.png">    </p:cNvPr>
+          <p:cNvPr id="3" name="Image 1" descr="preencoded.png"/>
           <p:cNvPicPr>
             <a:picLocks noChangeAspect="1"/>
           </p:cNvPicPr>
           <p:nvPr/>
         </p:nvPicPr>
         <p:blipFill>
-          <a:blip r:embed="rId2"/>
+          <a:blip r:embed="rId4"/>
           <a:stretch>
             <a:fillRect/>
           </a:stretch>
@@ -10612,7 +10148,7 @@
           <a:bodyPr wrap="none" lIns="0" tIns="0" rIns="0" bIns="0" rtlCol="0" anchor="t"/>
           <a:lstStyle/>
           <a:p>
-            <a:pPr algn="l" indent="0" marL="0">
+            <a:pPr marL="0" indent="0" algn="l">
               <a:lnSpc>
                 <a:spcPts val="5550"/>
               </a:lnSpc>
@@ -10654,7 +10190,7 @@
           <a:bodyPr wrap="square" lIns="0" tIns="0" rIns="0" bIns="0" rtlCol="0" anchor="t"/>
           <a:lstStyle/>
           <a:p>
-            <a:pPr algn="l" indent="0" marL="0">
+            <a:pPr marL="0" indent="0" algn="l">
               <a:lnSpc>
                 <a:spcPts val="2850"/>
               </a:lnSpc>
@@ -10668,7 +10204,7 @@
                 <a:latin typeface="Inter" pitchFamily="34" charset="0"/>
                 <a:ea typeface="Inter" pitchFamily="34" charset="-122"/>
                 <a:cs typeface="Inter" pitchFamily="34" charset="-120"/>
-                <a:hlinkClick r:id="rId3" invalidUrl="" action="" tgtFrame="" tooltip="" history="1" highlightClick="0" endSnd="0">
+                <a:hlinkClick r:id="rId5">
                   <a:extLst>
                     <a:ext uri="{A12FA001-AC4F-418D-AE19-62706E023703}">
                       <ahyp:hlinkClr xmlns:ahyp="http://schemas.microsoft.com/office/drawing/2018/hyperlinkcolor" val="tx"/>
@@ -10678,12 +10214,6 @@
               </a:rPr>
               <a:t>Boehm’s Model</a:t>
             </a:r>
-            <a:pPr algn="l" indent="0" marL="0">
-              <a:lnSpc>
-                <a:spcPts val="2850"/>
-              </a:lnSpc>
-              <a:buNone/>
-            </a:pPr>
             <a:r>
               <a:rPr lang="en-US" sz="1750" dirty="0">
                 <a:solidFill>
@@ -10726,14 +10256,14 @@
       </p:grpSpPr>
       <p:pic>
         <p:nvPicPr>
-          <p:cNvPr id="2" name="Image 0" descr="preencoded.png">    </p:cNvPr>
+          <p:cNvPr id="2" name="Image 0" descr="preencoded.png"/>
           <p:cNvPicPr>
             <a:picLocks noChangeAspect="1"/>
           </p:cNvPicPr>
           <p:nvPr/>
         </p:nvPicPr>
         <p:blipFill>
-          <a:blip r:embed="rId1"/>
+          <a:blip r:embed="rId3"/>
           <a:stretch>
             <a:fillRect/>
           </a:stretch>
@@ -10750,14 +10280,14 @@
       </p:pic>
       <p:pic>
         <p:nvPicPr>
-          <p:cNvPr id="3" name="Image 1" descr="preencoded.png">    </p:cNvPr>
+          <p:cNvPr id="3" name="Image 1" descr="preencoded.png"/>
           <p:cNvPicPr>
             <a:picLocks noChangeAspect="1"/>
           </p:cNvPicPr>
           <p:nvPr/>
         </p:nvPicPr>
         <p:blipFill>
-          <a:blip r:embed="rId2"/>
+          <a:blip r:embed="rId4"/>
           <a:stretch>
             <a:fillRect/>
           </a:stretch>
@@ -10793,7 +10323,7 @@
           <a:bodyPr wrap="none" lIns="0" tIns="0" rIns="0" bIns="0" rtlCol="0" anchor="t"/>
           <a:lstStyle/>
           <a:p>
-            <a:pPr algn="l" indent="0" marL="0">
+            <a:pPr marL="0" indent="0" algn="l">
               <a:lnSpc>
                 <a:spcPts val="5550"/>
               </a:lnSpc>
@@ -10835,7 +10365,7 @@
           <a:bodyPr wrap="square" lIns="0" tIns="0" rIns="0" bIns="0" rtlCol="0" anchor="t"/>
           <a:lstStyle/>
           <a:p>
-            <a:pPr algn="l" indent="0" marL="0">
+            <a:pPr marL="0" indent="0" algn="l">
               <a:lnSpc>
                 <a:spcPts val="2850"/>
               </a:lnSpc>
@@ -10902,7 +10432,7 @@
           <a:bodyPr wrap="none" lIns="0" tIns="0" rIns="0" bIns="0" rtlCol="0" anchor="t"/>
           <a:lstStyle/>
           <a:p>
-            <a:pPr algn="l" indent="0" marL="0">
+            <a:pPr marL="0" indent="0" algn="l">
               <a:lnSpc>
                 <a:spcPts val="5550"/>
               </a:lnSpc>
@@ -10944,7 +10474,7 @@
           <a:bodyPr wrap="square" lIns="0" tIns="0" rIns="0" bIns="0" rtlCol="0" anchor="t"/>
           <a:lstStyle/>
           <a:p>
-            <a:pPr algn="l" indent="0" marL="0">
+            <a:pPr marL="0" indent="0" algn="l">
               <a:lnSpc>
                 <a:spcPts val="2850"/>
               </a:lnSpc>
@@ -10986,7 +10516,7 @@
           <a:bodyPr wrap="none" lIns="0" tIns="0" rIns="0" bIns="0" rtlCol="0" anchor="t"/>
           <a:lstStyle/>
           <a:p>
-            <a:pPr algn="l" indent="0" marL="0">
+            <a:pPr marL="0" indent="0" algn="l">
               <a:lnSpc>
                 <a:spcPts val="2850"/>
               </a:lnSpc>
@@ -11028,7 +10558,7 @@
           <a:bodyPr wrap="none" lIns="0" tIns="0" rIns="0" bIns="0" rtlCol="0" anchor="t"/>
           <a:lstStyle/>
           <a:p>
-            <a:pPr algn="l" marL="342900" indent="-342900">
+            <a:pPr marL="342900" indent="-342900" algn="l">
               <a:lnSpc>
                 <a:spcPts val="2850"/>
               </a:lnSpc>
@@ -11071,7 +10601,7 @@
           <a:bodyPr wrap="none" lIns="0" tIns="0" rIns="0" bIns="0" rtlCol="0" anchor="t"/>
           <a:lstStyle/>
           <a:p>
-            <a:pPr algn="l" marL="342900" indent="-342900">
+            <a:pPr marL="342900" indent="-342900" algn="l">
               <a:lnSpc>
                 <a:spcPts val="2850"/>
               </a:lnSpc>
@@ -11139,7 +10669,7 @@
           <a:bodyPr wrap="none" lIns="0" tIns="0" rIns="0" bIns="0" rtlCol="0" anchor="t"/>
           <a:lstStyle/>
           <a:p>
-            <a:pPr algn="l" indent="0" marL="0">
+            <a:pPr marL="0" indent="0" algn="l">
               <a:lnSpc>
                 <a:spcPts val="4450"/>
               </a:lnSpc>
@@ -11181,7 +10711,7 @@
           <a:bodyPr wrap="none" lIns="0" tIns="0" rIns="0" bIns="0" rtlCol="0" anchor="t"/>
           <a:lstStyle/>
           <a:p>
-            <a:pPr algn="l" marL="342900" indent="-342900">
+            <a:pPr marL="342900" indent="-342900" algn="l">
               <a:lnSpc>
                 <a:spcPts val="2850"/>
               </a:lnSpc>
@@ -11224,7 +10754,7 @@
           <a:bodyPr wrap="none" lIns="0" tIns="0" rIns="0" bIns="0" rtlCol="0" anchor="t"/>
           <a:lstStyle/>
           <a:p>
-            <a:pPr algn="l" lvl="1" marL="685800" indent="-342900">
+            <a:pPr marL="685800" lvl="1" indent="-342900" algn="l">
               <a:lnSpc>
                 <a:spcPts val="2850"/>
               </a:lnSpc>
@@ -11267,7 +10797,7 @@
           <a:bodyPr wrap="none" lIns="0" tIns="0" rIns="0" bIns="0" rtlCol="0" anchor="t"/>
           <a:lstStyle/>
           <a:p>
-            <a:pPr algn="l" lvl="2" marL="1028700" indent="-342900">
+            <a:pPr marL="1028700" lvl="2" indent="-342900" algn="l">
               <a:lnSpc>
                 <a:spcPts val="2850"/>
               </a:lnSpc>
@@ -11310,7 +10840,7 @@
           <a:bodyPr wrap="none" lIns="0" tIns="0" rIns="0" bIns="0" rtlCol="0" anchor="t"/>
           <a:lstStyle/>
           <a:p>
-            <a:pPr algn="l" lvl="1" marL="685800" indent="-342900">
+            <a:pPr marL="685800" lvl="1" indent="-342900" algn="l">
               <a:lnSpc>
                 <a:spcPts val="2850"/>
               </a:lnSpc>
@@ -11353,7 +10883,7 @@
           <a:bodyPr wrap="none" lIns="0" tIns="0" rIns="0" bIns="0" rtlCol="0" anchor="t"/>
           <a:lstStyle/>
           <a:p>
-            <a:pPr algn="l" lvl="2" marL="1028700" indent="-342900">
+            <a:pPr marL="1028700" lvl="2" indent="-342900" algn="l">
               <a:lnSpc>
                 <a:spcPts val="2850"/>
               </a:lnSpc>
@@ -11396,7 +10926,7 @@
           <a:bodyPr wrap="none" lIns="0" tIns="0" rIns="0" bIns="0" rtlCol="0" anchor="t"/>
           <a:lstStyle/>
           <a:p>
-            <a:pPr algn="l" marL="342900" indent="-342900">
+            <a:pPr marL="342900" indent="-342900" algn="l">
               <a:lnSpc>
                 <a:spcPts val="2850"/>
               </a:lnSpc>
@@ -11439,7 +10969,7 @@
           <a:bodyPr wrap="none" lIns="0" tIns="0" rIns="0" bIns="0" rtlCol="0" anchor="t"/>
           <a:lstStyle/>
           <a:p>
-            <a:pPr algn="l" marL="342900" indent="-342900">
+            <a:pPr marL="342900" indent="-342900" algn="l">
               <a:lnSpc>
                 <a:spcPts val="2850"/>
               </a:lnSpc>
@@ -11482,7 +11012,7 @@
           <a:bodyPr wrap="none" lIns="0" tIns="0" rIns="0" bIns="0" rtlCol="0" anchor="t"/>
           <a:lstStyle/>
           <a:p>
-            <a:pPr algn="l" lvl="1" marL="685800" indent="-342900">
+            <a:pPr marL="685800" lvl="1" indent="-342900" algn="l">
               <a:lnSpc>
                 <a:spcPts val="2850"/>
               </a:lnSpc>
@@ -11550,7 +11080,7 @@
           <a:bodyPr wrap="none" lIns="0" tIns="0" rIns="0" bIns="0" rtlCol="0" anchor="t"/>
           <a:lstStyle/>
           <a:p>
-            <a:pPr algn="l" indent="0" marL="0">
+            <a:pPr marL="0" indent="0" algn="l">
               <a:lnSpc>
                 <a:spcPts val="4450"/>
               </a:lnSpc>
@@ -11592,7 +11122,7 @@
           <a:bodyPr wrap="square" lIns="0" tIns="0" rIns="0" bIns="0" rtlCol="0" anchor="t"/>
           <a:lstStyle/>
           <a:p>
-            <a:pPr algn="l" indent="0" marL="0">
+            <a:pPr marL="0" indent="0" algn="l">
               <a:lnSpc>
                 <a:spcPts val="2850"/>
               </a:lnSpc>
@@ -11609,55 +11139,49 @@
               </a:rPr>
               <a:t>Framework</a:t>
             </a:r>
-            <a:pPr algn="l" indent="0" marL="0">
+            <a:r>
+              <a:rPr lang="en-US" sz="1750" dirty="0">
+                <a:solidFill>
+                  <a:srgbClr val="272525"/>
+                </a:solidFill>
+                <a:latin typeface="Inter" pitchFamily="34" charset="0"/>
+                <a:ea typeface="Inter" pitchFamily="34" charset="-122"/>
+                <a:cs typeface="Inter" pitchFamily="34" charset="-120"/>
+              </a:rPr>
+              <a:t> - a set of ideas, conditions, or assumptions that determine how something will be approached, perceived, or understood.</a:t>
+            </a:r>
+            <a:endParaRPr lang="en-US" sz="1750" dirty="0"/>
+          </a:p>
+        </p:txBody>
+      </p:sp>
+      <p:sp>
+        <p:nvSpPr>
+          <p:cNvPr id="4" name="Text 2"/>
+          <p:cNvSpPr/>
+          <p:nvPr/>
+        </p:nvSpPr>
+        <p:spPr>
+          <a:xfrm>
+            <a:off x="793790" y="4752618"/>
+            <a:ext cx="13042821" cy="725805"/>
+          </a:xfrm>
+          <a:prstGeom prst="rect">
+            <a:avLst/>
+          </a:prstGeom>
+          <a:noFill/>
+          <a:ln/>
+        </p:spPr>
+        <p:txBody>
+          <a:bodyPr wrap="square" lIns="0" tIns="0" rIns="0" bIns="0" rtlCol="0" anchor="t"/>
+          <a:lstStyle/>
+          <a:p>
+            <a:pPr marL="0" indent="0" algn="l">
               <a:lnSpc>
                 <a:spcPts val="2850"/>
               </a:lnSpc>
               <a:buNone/>
             </a:pPr>
             <a:r>
-              <a:rPr lang="en-US" sz="1750" dirty="0">
-                <a:solidFill>
-                  <a:srgbClr val="272525"/>
-                </a:solidFill>
-                <a:latin typeface="Inter" pitchFamily="34" charset="0"/>
-                <a:ea typeface="Inter" pitchFamily="34" charset="-122"/>
-                <a:cs typeface="Inter" pitchFamily="34" charset="-120"/>
-              </a:rPr>
-              <a:t> - a set of ideas, conditions, or assumptions that determine how something will be approached, perceived, or understood.</a:t>
-            </a:r>
-            <a:endParaRPr lang="en-US" sz="1750" dirty="0"/>
-          </a:p>
-        </p:txBody>
-      </p:sp>
-      <p:sp>
-        <p:nvSpPr>
-          <p:cNvPr id="4" name="Text 2"/>
-          <p:cNvSpPr/>
-          <p:nvPr/>
-        </p:nvSpPr>
-        <p:spPr>
-          <a:xfrm>
-            <a:off x="793790" y="4752618"/>
-            <a:ext cx="13042821" cy="725805"/>
-          </a:xfrm>
-          <a:prstGeom prst="rect">
-            <a:avLst/>
-          </a:prstGeom>
-          <a:noFill/>
-          <a:ln/>
-        </p:spPr>
-        <p:txBody>
-          <a:bodyPr wrap="square" lIns="0" tIns="0" rIns="0" bIns="0" rtlCol="0" anchor="t"/>
-          <a:lstStyle/>
-          <a:p>
-            <a:pPr algn="l" indent="0" marL="0">
-              <a:lnSpc>
-                <a:spcPts val="2850"/>
-              </a:lnSpc>
-              <a:buNone/>
-            </a:pPr>
-            <a:r>
               <a:rPr lang="en-US" sz="1750" b="1" dirty="0">
                 <a:solidFill>
                   <a:srgbClr val="272525"/>
@@ -11668,12 +11192,6 @@
               </a:rPr>
               <a:t>Safety-critical</a:t>
             </a:r>
-            <a:pPr algn="l" indent="0" marL="0">
-              <a:lnSpc>
-                <a:spcPts val="2850"/>
-              </a:lnSpc>
-              <a:buNone/>
-            </a:pPr>
             <a:r>
               <a:rPr lang="en-US" sz="1750" dirty="0">
                 <a:solidFill>
@@ -11735,7 +11253,7 @@
           <a:bodyPr wrap="none" lIns="0" tIns="0" rIns="0" bIns="0" rtlCol="0" anchor="t"/>
           <a:lstStyle/>
           <a:p>
-            <a:pPr algn="l" indent="0" marL="0">
+            <a:pPr marL="0" indent="0" algn="l">
               <a:lnSpc>
                 <a:spcPts val="4450"/>
               </a:lnSpc>
@@ -11777,7 +11295,7 @@
           <a:bodyPr wrap="square" lIns="0" tIns="0" rIns="0" bIns="0" rtlCol="0" anchor="t"/>
           <a:lstStyle/>
           <a:p>
-            <a:pPr algn="l" indent="0" marL="0">
+            <a:pPr marL="0" indent="0" algn="l">
               <a:lnSpc>
                 <a:spcPts val="2850"/>
               </a:lnSpc>
@@ -11794,29 +11312,30 @@
               </a:rPr>
               <a:t>Def: The </a:t>
             </a:r>
-            <a:pPr algn="l" indent="0" marL="0">
-              <a:lnSpc>
-                <a:spcPts val="2850"/>
-              </a:lnSpc>
-              <a:buNone/>
-            </a:pPr>
             <a:r>
               <a:rPr lang="en-US" sz="1750" dirty="0">
                 <a:solidFill>
+                  <a:schemeClr val="accent5">
+                    <a:lumMod val="75000"/>
+                  </a:schemeClr>
+                </a:solidFill>
+                <a:latin typeface="Inter" pitchFamily="34" charset="0"/>
+                <a:ea typeface="Inter" pitchFamily="34" charset="-122"/>
+                <a:cs typeface="Inter" pitchFamily="34" charset="-120"/>
+              </a:rPr>
+              <a:t>context</a:t>
+            </a:r>
+            <a:r>
+              <a:rPr lang="en-US" sz="1750" dirty="0">
+                <a:solidFill>
                   <a:srgbClr val="F9D933"/>
                 </a:solidFill>
                 <a:latin typeface="Inter" pitchFamily="34" charset="0"/>
                 <a:ea typeface="Inter" pitchFamily="34" charset="-122"/>
                 <a:cs typeface="Inter" pitchFamily="34" charset="-120"/>
               </a:rPr>
-              <a:t>context </a:t>
-            </a:r>
-            <a:pPr algn="l" indent="0" marL="0">
-              <a:lnSpc>
-                <a:spcPts val="2850"/>
-              </a:lnSpc>
-              <a:buNone/>
-            </a:pPr>
+              <a:t> </a:t>
+            </a:r>
             <a:r>
               <a:rPr lang="en-US" sz="1750" dirty="0">
                 <a:solidFill>
@@ -11828,16 +11347,12 @@
               </a:rPr>
               <a:t>and </a:t>
             </a:r>
-            <a:pPr algn="l" indent="0" marL="0">
-              <a:lnSpc>
-                <a:spcPts val="2850"/>
-              </a:lnSpc>
-              <a:buNone/>
-            </a:pPr>
             <a:r>
               <a:rPr lang="en-US" sz="1750" dirty="0">
                 <a:solidFill>
-                  <a:srgbClr val="F9D933"/>
+                  <a:schemeClr val="accent5">
+                    <a:lumMod val="75000"/>
+                  </a:schemeClr>
                 </a:solidFill>
                 <a:latin typeface="Inter" pitchFamily="34" charset="0"/>
                 <a:ea typeface="Inter" pitchFamily="34" charset="-122"/>
@@ -11845,12 +11360,6 @@
               </a:rPr>
               <a:t>environment</a:t>
             </a:r>
-            <a:pPr algn="l" indent="0" marL="0">
-              <a:lnSpc>
-                <a:spcPts val="2850"/>
-              </a:lnSpc>
-              <a:buNone/>
-            </a:pPr>
             <a:r>
               <a:rPr lang="en-US" sz="1750" dirty="0">
                 <a:solidFill>
@@ -11887,7 +11396,7 @@
           <a:bodyPr wrap="none" lIns="0" tIns="0" rIns="0" bIns="0" rtlCol="0" anchor="t"/>
           <a:lstStyle/>
           <a:p>
-            <a:pPr algn="l" indent="0" marL="0">
+            <a:pPr marL="0" indent="0" algn="l">
               <a:lnSpc>
                 <a:spcPts val="3300"/>
               </a:lnSpc>
@@ -11929,7 +11438,7 @@
           <a:bodyPr wrap="none" lIns="0" tIns="0" rIns="0" bIns="0" rtlCol="0" anchor="t"/>
           <a:lstStyle/>
           <a:p>
-            <a:pPr algn="l" marL="342900" indent="-342900">
+            <a:pPr marL="342900" indent="-342900" algn="l">
               <a:lnSpc>
                 <a:spcPts val="2850"/>
               </a:lnSpc>
@@ -11972,7 +11481,7 @@
           <a:bodyPr wrap="none" lIns="0" tIns="0" rIns="0" bIns="0" rtlCol="0" anchor="t"/>
           <a:lstStyle/>
           <a:p>
-            <a:pPr algn="l" marL="342900" indent="-342900">
+            <a:pPr marL="342900" indent="-342900" algn="l">
               <a:lnSpc>
                 <a:spcPts val="2850"/>
               </a:lnSpc>
@@ -12015,7 +11524,7 @@
           <a:bodyPr wrap="none" lIns="0" tIns="0" rIns="0" bIns="0" rtlCol="0" anchor="t"/>
           <a:lstStyle/>
           <a:p>
-            <a:pPr algn="l" marL="342900" indent="-342900">
+            <a:pPr marL="342900" indent="-342900" algn="l">
               <a:lnSpc>
                 <a:spcPts val="2850"/>
               </a:lnSpc>
@@ -12058,7 +11567,7 @@
           <a:bodyPr wrap="none" lIns="0" tIns="0" rIns="0" bIns="0" rtlCol="0" anchor="t"/>
           <a:lstStyle/>
           <a:p>
-            <a:pPr algn="l" marL="342900" indent="-342900">
+            <a:pPr marL="342900" indent="-342900" algn="l">
               <a:lnSpc>
                 <a:spcPts val="2850"/>
               </a:lnSpc>
@@ -12101,7 +11610,7 @@
           <a:bodyPr wrap="none" lIns="0" tIns="0" rIns="0" bIns="0" rtlCol="0" anchor="t"/>
           <a:lstStyle/>
           <a:p>
-            <a:pPr algn="l" marL="342900" indent="-342900">
+            <a:pPr marL="342900" indent="-342900" algn="l">
               <a:lnSpc>
                 <a:spcPts val="2850"/>
               </a:lnSpc>
@@ -12144,7 +11653,7 @@
           <a:bodyPr wrap="none" lIns="0" tIns="0" rIns="0" bIns="0" rtlCol="0" anchor="t"/>
           <a:lstStyle/>
           <a:p>
-            <a:pPr algn="l" marL="342900" indent="-342900">
+            <a:pPr marL="342900" indent="-342900" algn="l">
               <a:lnSpc>
                 <a:spcPts val="2850"/>
               </a:lnSpc>
@@ -12212,7 +11721,7 @@
           <a:bodyPr wrap="none" lIns="0" tIns="0" rIns="0" bIns="0" rtlCol="0" anchor="t"/>
           <a:lstStyle/>
           <a:p>
-            <a:pPr algn="l" indent="0" marL="0">
+            <a:pPr marL="0" indent="0" algn="l">
               <a:lnSpc>
                 <a:spcPts val="4450"/>
               </a:lnSpc>
@@ -12254,13 +11763,13 @@
           <a:bodyPr wrap="square" lIns="0" tIns="0" rIns="0" bIns="0" rtlCol="0" anchor="t"/>
           <a:lstStyle/>
           <a:p>
-            <a:pPr algn="l" marL="342900" indent="-342900">
+            <a:pPr marL="342900" indent="-342900" algn="l">
               <a:lnSpc>
                 <a:spcPts val="2850"/>
               </a:lnSpc>
               <a:buSzPct val="100000"/>
               <a:buFont typeface="+mj-lt"/>
-              <a:buAutoNum type="arabicPeriod" startAt="1"/>
+              <a:buAutoNum type="arabicPeriod"/>
             </a:pPr>
             <a:r>
               <a:rPr lang="en-US" sz="1750" b="1" dirty="0">
@@ -12273,12 +11782,6 @@
               </a:rPr>
               <a:t>User requirements: </a:t>
             </a:r>
-            <a:pPr algn="l" indent="0" marL="0">
-              <a:lnSpc>
-                <a:spcPts val="2850"/>
-              </a:lnSpc>
-              <a:buNone/>
-            </a:pPr>
             <a:r>
               <a:rPr lang="en-US" sz="1750" dirty="0">
                 <a:solidFill>
@@ -12315,13 +11818,13 @@
           <a:bodyPr wrap="none" lIns="0" tIns="0" rIns="0" bIns="0" rtlCol="0" anchor="t"/>
           <a:lstStyle/>
           <a:p>
-            <a:pPr algn="l" lvl="1" marL="685800" indent="-342900">
+            <a:pPr marL="685800" lvl="1" indent="-342900" algn="l">
               <a:lnSpc>
                 <a:spcPts val="2850"/>
               </a:lnSpc>
               <a:buSzPct val="100000"/>
               <a:buFont typeface="+mj-lt"/>
-              <a:buAutoNum type="arabicPeriod" startAt="1"/>
+              <a:buAutoNum type="arabicPeriod"/>
             </a:pPr>
             <a:r>
               <a:rPr lang="en-US" sz="1750" dirty="0">
@@ -12359,7 +11862,7 @@
           <a:bodyPr wrap="square" lIns="0" tIns="0" rIns="0" bIns="0" rtlCol="0" anchor="t"/>
           <a:lstStyle/>
           <a:p>
-            <a:pPr algn="l" lvl="1" marL="685800" indent="-342900">
+            <a:pPr marL="685800" lvl="1" indent="-342900" algn="l">
               <a:lnSpc>
                 <a:spcPts val="2850"/>
               </a:lnSpc>
@@ -12428,7 +11931,7 @@
           <a:bodyPr wrap="none" lIns="0" tIns="0" rIns="0" bIns="0" rtlCol="0" anchor="t"/>
           <a:lstStyle/>
           <a:p>
-            <a:pPr algn="l" indent="0" marL="0">
+            <a:pPr marL="0" indent="0" algn="l">
               <a:lnSpc>
                 <a:spcPts val="4450"/>
               </a:lnSpc>
@@ -12470,7 +11973,7 @@
           <a:bodyPr wrap="none" lIns="0" tIns="0" rIns="0" bIns="0" rtlCol="0" anchor="t"/>
           <a:lstStyle/>
           <a:p>
-            <a:pPr algn="l" indent="0" marL="0">
+            <a:pPr marL="0" indent="0" algn="l">
               <a:lnSpc>
                 <a:spcPts val="2850"/>
               </a:lnSpc>
@@ -12487,12 +11990,6 @@
               </a:rPr>
               <a:t>2.  Environment: </a:t>
             </a:r>
-            <a:pPr algn="l" indent="0" marL="0">
-              <a:lnSpc>
-                <a:spcPts val="2850"/>
-              </a:lnSpc>
-              <a:buNone/>
-            </a:pPr>
             <a:r>
               <a:rPr lang="en-US" sz="1750" dirty="0">
                 <a:solidFill>
@@ -12529,7 +12026,7 @@
           <a:bodyPr wrap="none" lIns="0" tIns="0" rIns="0" bIns="0" rtlCol="0" anchor="t"/>
           <a:lstStyle/>
           <a:p>
-            <a:pPr algn="l" indent="0" marL="0">
+            <a:pPr marL="0" indent="0" algn="l">
               <a:lnSpc>
                 <a:spcPts val="3300"/>
               </a:lnSpc>
@@ -12571,7 +12068,7 @@
           <a:bodyPr wrap="none" lIns="0" tIns="0" rIns="0" bIns="0" rtlCol="0" anchor="t"/>
           <a:lstStyle/>
           <a:p>
-            <a:pPr algn="l" marL="342900" indent="-342900">
+            <a:pPr marL="342900" indent="-342900" algn="l">
               <a:lnSpc>
                 <a:spcPts val="2850"/>
               </a:lnSpc>
@@ -12614,7 +12111,7 @@
           <a:bodyPr wrap="none" lIns="0" tIns="0" rIns="0" bIns="0" rtlCol="0" anchor="t"/>
           <a:lstStyle/>
           <a:p>
-            <a:pPr algn="l" marL="342900" indent="-342900">
+            <a:pPr marL="342900" indent="-342900" algn="l">
               <a:lnSpc>
                 <a:spcPts val="2850"/>
               </a:lnSpc>
@@ -12657,7 +12154,7 @@
           <a:bodyPr wrap="none" lIns="0" tIns="0" rIns="0" bIns="0" rtlCol="0" anchor="t"/>
           <a:lstStyle/>
           <a:p>
-            <a:pPr algn="l" indent="0" marL="0">
+            <a:pPr marL="0" indent="0" algn="l">
               <a:lnSpc>
                 <a:spcPts val="3300"/>
               </a:lnSpc>
@@ -12699,7 +12196,7 @@
           <a:bodyPr wrap="square" lIns="0" tIns="0" rIns="0" bIns="0" rtlCol="0" anchor="t"/>
           <a:lstStyle/>
           <a:p>
-            <a:pPr algn="l" indent="0" marL="0">
+            <a:pPr marL="0" indent="0" algn="l">
               <a:lnSpc>
                 <a:spcPts val="2850"/>
               </a:lnSpc>
@@ -12766,7 +12263,7 @@
           <a:bodyPr wrap="none" lIns="0" tIns="0" rIns="0" bIns="0" rtlCol="0" anchor="t"/>
           <a:lstStyle/>
           <a:p>
-            <a:pPr algn="l" indent="0" marL="0">
+            <a:pPr marL="0" indent="0" algn="l">
               <a:lnSpc>
                 <a:spcPts val="4450"/>
               </a:lnSpc>
@@ -12808,7 +12305,7 @@
           <a:bodyPr wrap="square" lIns="0" tIns="0" rIns="0" bIns="0" rtlCol="0" anchor="t"/>
           <a:lstStyle/>
           <a:p>
-            <a:pPr algn="l" indent="0" marL="0">
+            <a:pPr marL="0" indent="0" algn="l">
               <a:lnSpc>
                 <a:spcPts val="2850"/>
               </a:lnSpc>
@@ -12850,7 +12347,7 @@
           <a:bodyPr wrap="square" lIns="0" tIns="0" rIns="0" bIns="0" rtlCol="0" anchor="t"/>
           <a:lstStyle/>
           <a:p>
-            <a:pPr algn="l" indent="0" marL="0">
+            <a:pPr marL="0" indent="0" algn="l">
               <a:lnSpc>
                 <a:spcPts val="2850"/>
               </a:lnSpc>
@@ -12867,12 +12364,6 @@
               </a:rPr>
               <a:t>Real world Case:</a:t>
             </a:r>
-            <a:pPr algn="l" indent="0" marL="0">
-              <a:lnSpc>
-                <a:spcPts val="2850"/>
-              </a:lnSpc>
-              <a:buNone/>
-            </a:pPr>
             <a:r>
               <a:rPr lang="en-US" sz="1750" b="1" dirty="0">
                 <a:solidFill>
@@ -12884,12 +12375,6 @@
               </a:rPr>
               <a:t> Solaris 1.x was upgraded to Solaris 2.x . </a:t>
             </a:r>
-            <a:pPr algn="l" indent="0" marL="0">
-              <a:lnSpc>
-                <a:spcPts val="2850"/>
-              </a:lnSpc>
-              <a:buNone/>
-            </a:pPr>
             <a:r>
               <a:rPr lang="en-US" sz="1750" dirty="0">
                 <a:solidFill>
@@ -12951,7 +12436,7 @@
           <a:bodyPr wrap="none" lIns="0" tIns="0" rIns="0" bIns="0" rtlCol="0" anchor="t"/>
           <a:lstStyle/>
           <a:p>
-            <a:pPr algn="l" indent="0" marL="0">
+            <a:pPr marL="0" indent="0" algn="l">
               <a:lnSpc>
                 <a:spcPts val="4450"/>
               </a:lnSpc>
@@ -12993,7 +12478,7 @@
           <a:bodyPr wrap="square" lIns="0" tIns="0" rIns="0" bIns="0" rtlCol="0" anchor="t"/>
           <a:lstStyle/>
           <a:p>
-            <a:pPr algn="l" indent="0" marL="0">
+            <a:pPr marL="0" indent="0" algn="l">
               <a:lnSpc>
                 <a:spcPts val="2850"/>
               </a:lnSpc>
@@ -13010,7 +12495,43 @@
               </a:rPr>
               <a:t>b) Organizational Environment: </a:t>
             </a:r>
-            <a:pPr algn="l" indent="0" marL="0">
+            <a:r>
+              <a:rPr lang="en-US" sz="1750" dirty="0">
+                <a:solidFill>
+                  <a:srgbClr val="272525"/>
+                </a:solidFill>
+                <a:latin typeface="Inter" pitchFamily="34" charset="0"/>
+                <a:ea typeface="Inter" pitchFamily="34" charset="-122"/>
+                <a:cs typeface="Inter" pitchFamily="34" charset="-120"/>
+              </a:rPr>
+              <a:t>Entities of the organizational environment are policies and imposed factors of business and taxation, and also competition in the marketplace.</a:t>
+            </a:r>
+            <a:endParaRPr lang="en-US" sz="1750" dirty="0"/>
+          </a:p>
+        </p:txBody>
+      </p:sp>
+      <p:sp>
+        <p:nvSpPr>
+          <p:cNvPr id="4" name="Text 2"/>
+          <p:cNvSpPr/>
+          <p:nvPr/>
+        </p:nvSpPr>
+        <p:spPr>
+          <a:xfrm>
+            <a:off x="793790" y="4262199"/>
+            <a:ext cx="13042821" cy="725805"/>
+          </a:xfrm>
+          <a:prstGeom prst="rect">
+            <a:avLst/>
+          </a:prstGeom>
+          <a:noFill/>
+          <a:ln/>
+        </p:spPr>
+        <p:txBody>
+          <a:bodyPr wrap="square" lIns="0" tIns="0" rIns="0" bIns="0" rtlCol="0" anchor="t"/>
+          <a:lstStyle/>
+          <a:p>
+            <a:pPr marL="0" indent="0" algn="l">
               <a:lnSpc>
                 <a:spcPts val="2850"/>
               </a:lnSpc>
@@ -13025,7 +12546,29 @@
                 <a:ea typeface="Inter" pitchFamily="34" charset="-122"/>
                 <a:cs typeface="Inter" pitchFamily="34" charset="-120"/>
               </a:rPr>
-              <a:t>Entities of the organizational environment are policies and imposed factors of business and taxation, and also competition in the marketplace.</a:t>
+              <a:t> i) </a:t>
+            </a:r>
+            <a:r>
+              <a:rPr lang="en-US" sz="1750" b="1" dirty="0">
+                <a:solidFill>
+                  <a:srgbClr val="272525"/>
+                </a:solidFill>
+                <a:latin typeface="Inter" pitchFamily="34" charset="0"/>
+                <a:ea typeface="Inter" pitchFamily="34" charset="-122"/>
+                <a:cs typeface="Inter" pitchFamily="34" charset="-120"/>
+              </a:rPr>
+              <a:t>Change in policies</a:t>
+            </a:r>
+            <a:r>
+              <a:rPr lang="en-US" sz="1750" dirty="0">
+                <a:solidFill>
+                  <a:srgbClr val="272525"/>
+                </a:solidFill>
+                <a:latin typeface="Inter" pitchFamily="34" charset="0"/>
+                <a:ea typeface="Inter" pitchFamily="34" charset="-122"/>
+                <a:cs typeface="Inter" pitchFamily="34" charset="-120"/>
+              </a:rPr>
+              <a:t>: Any change in business rules and taxation policies which are incorporated into programs leads to theirs corresponding modification. Example : Value Added Tax (VAT)</a:t>
             </a:r>
             <a:endParaRPr lang="en-US" sz="1750" dirty="0"/>
           </a:p>
@@ -13033,13 +12576,13 @@
       </p:sp>
       <p:sp>
         <p:nvSpPr>
-          <p:cNvPr id="4" name="Text 2"/>
-          <p:cNvSpPr/>
-          <p:nvPr/>
-        </p:nvSpPr>
-        <p:spPr>
-          <a:xfrm>
-            <a:off x="793790" y="4262199"/>
+          <p:cNvPr id="5" name="Text 3"/>
+          <p:cNvSpPr/>
+          <p:nvPr/>
+        </p:nvSpPr>
+        <p:spPr>
+          <a:xfrm>
+            <a:off x="793790" y="5243155"/>
             <a:ext cx="13042821" cy="725805"/>
           </a:xfrm>
           <a:prstGeom prst="rect">
@@ -13052,7 +12595,7 @@
           <a:bodyPr wrap="square" lIns="0" tIns="0" rIns="0" bIns="0" rtlCol="0" anchor="t"/>
           <a:lstStyle/>
           <a:p>
-            <a:pPr algn="l" indent="0" marL="0">
+            <a:pPr marL="0" indent="0" algn="l">
               <a:lnSpc>
                 <a:spcPts val="2850"/>
               </a:lnSpc>
@@ -13067,14 +12610,8 @@
                 <a:ea typeface="Inter" pitchFamily="34" charset="-122"/>
                 <a:cs typeface="Inter" pitchFamily="34" charset="-120"/>
               </a:rPr>
-              <a:t> i) </a:t>
-            </a:r>
-            <a:pPr algn="l" indent="0" marL="0">
-              <a:lnSpc>
-                <a:spcPts val="2850"/>
-              </a:lnSpc>
-              <a:buNone/>
-            </a:pPr>
+              <a:t> ii) </a:t>
+            </a:r>
             <a:r>
               <a:rPr lang="en-US" sz="1750" b="1" dirty="0">
                 <a:solidFill>
@@ -13084,90 +12621,8 @@
                 <a:ea typeface="Inter" pitchFamily="34" charset="-122"/>
                 <a:cs typeface="Inter" pitchFamily="34" charset="-120"/>
               </a:rPr>
-              <a:t>Change in policies</a:t>
-            </a:r>
-            <a:pPr algn="l" indent="0" marL="0">
-              <a:lnSpc>
-                <a:spcPts val="2850"/>
-              </a:lnSpc>
-              <a:buNone/>
-            </a:pPr>
-            <a:r>
-              <a:rPr lang="en-US" sz="1750" dirty="0">
-                <a:solidFill>
-                  <a:srgbClr val="272525"/>
-                </a:solidFill>
-                <a:latin typeface="Inter" pitchFamily="34" charset="0"/>
-                <a:ea typeface="Inter" pitchFamily="34" charset="-122"/>
-                <a:cs typeface="Inter" pitchFamily="34" charset="-120"/>
-              </a:rPr>
-              <a:t>: Any change in business rules and taxation policies which are incorporated into programs leads to theirs corresponding modification. Example : Value Added Tax (VAT)</a:t>
-            </a:r>
-            <a:endParaRPr lang="en-US" sz="1750" dirty="0"/>
-          </a:p>
-        </p:txBody>
-      </p:sp>
-      <p:sp>
-        <p:nvSpPr>
-          <p:cNvPr id="5" name="Text 3"/>
-          <p:cNvSpPr/>
-          <p:nvPr/>
-        </p:nvSpPr>
-        <p:spPr>
-          <a:xfrm>
-            <a:off x="793790" y="5243155"/>
-            <a:ext cx="13042821" cy="725805"/>
-          </a:xfrm>
-          <a:prstGeom prst="rect">
-            <a:avLst/>
-          </a:prstGeom>
-          <a:noFill/>
-          <a:ln/>
-        </p:spPr>
-        <p:txBody>
-          <a:bodyPr wrap="square" lIns="0" tIns="0" rIns="0" bIns="0" rtlCol="0" anchor="t"/>
-          <a:lstStyle/>
-          <a:p>
-            <a:pPr algn="l" indent="0" marL="0">
-              <a:lnSpc>
-                <a:spcPts val="2850"/>
-              </a:lnSpc>
-              <a:buNone/>
-            </a:pPr>
-            <a:r>
-              <a:rPr lang="en-US" sz="1750" dirty="0">
-                <a:solidFill>
-                  <a:srgbClr val="272525"/>
-                </a:solidFill>
-                <a:latin typeface="Inter" pitchFamily="34" charset="0"/>
-                <a:ea typeface="Inter" pitchFamily="34" charset="-122"/>
-                <a:cs typeface="Inter" pitchFamily="34" charset="-120"/>
-              </a:rPr>
-              <a:t> ii) </a:t>
-            </a:r>
-            <a:pPr algn="l" indent="0" marL="0">
-              <a:lnSpc>
-                <a:spcPts val="2850"/>
-              </a:lnSpc>
-              <a:buNone/>
-            </a:pPr>
-            <a:r>
-              <a:rPr lang="en-US" sz="1750" b="1" dirty="0">
-                <a:solidFill>
-                  <a:srgbClr val="272525"/>
-                </a:solidFill>
-                <a:latin typeface="Inter" pitchFamily="34" charset="0"/>
-                <a:ea typeface="Inter" pitchFamily="34" charset="-122"/>
-                <a:cs typeface="Inter" pitchFamily="34" charset="-120"/>
-              </a:rPr>
               <a:t>Competition in the marketplace:</a:t>
             </a:r>
-            <a:pPr algn="l" indent="0" marL="0">
-              <a:lnSpc>
-                <a:spcPts val="2850"/>
-              </a:lnSpc>
-              <a:buNone/>
-            </a:pPr>
             <a:r>
               <a:rPr lang="en-US" sz="1750" dirty="0">
                 <a:solidFill>
@@ -13484,4 +12939,299 @@
     </a:ext>
   </a:extLst>
 </a:theme>
+</file>
+
+<file path=ppt/theme/theme2.xml><?xml version="1.0" encoding="utf-8"?>
+<a:theme xmlns:a="http://schemas.openxmlformats.org/drawingml/2006/main" name="Office Theme">
+  <a:themeElements>
+    <a:clrScheme name="Office">
+      <a:dk1>
+        <a:sysClr val="windowText" lastClr="000000"/>
+      </a:dk1>
+      <a:lt1>
+        <a:sysClr val="window" lastClr="FFFFFF"/>
+      </a:lt1>
+      <a:dk2>
+        <a:srgbClr val="44546A"/>
+      </a:dk2>
+      <a:lt2>
+        <a:srgbClr val="E7E6E6"/>
+      </a:lt2>
+      <a:accent1>
+        <a:srgbClr val="4472C4"/>
+      </a:accent1>
+      <a:accent2>
+        <a:srgbClr val="ED7D31"/>
+      </a:accent2>
+      <a:accent3>
+        <a:srgbClr val="A5A5A5"/>
+      </a:accent3>
+      <a:accent4>
+        <a:srgbClr val="FFC000"/>
+      </a:accent4>
+      <a:accent5>
+        <a:srgbClr val="5B9BD5"/>
+      </a:accent5>
+      <a:accent6>
+        <a:srgbClr val="70AD47"/>
+      </a:accent6>
+      <a:hlink>
+        <a:srgbClr val="0563C1"/>
+      </a:hlink>
+      <a:folHlink>
+        <a:srgbClr val="954F72"/>
+      </a:folHlink>
+    </a:clrScheme>
+    <a:fontScheme name="Office">
+      <a:majorFont>
+        <a:latin typeface="Calibri Light" panose="020F0302020204030204"/>
+        <a:ea typeface=""/>
+        <a:cs typeface=""/>
+        <a:font script="Jpan" typeface="游ゴシック Light"/>
+        <a:font script="Hang" typeface="맑은 고딕"/>
+        <a:font script="Hans" typeface="等线 Light"/>
+        <a:font script="Hant" typeface="新細明體"/>
+        <a:font script="Arab" typeface="Times New Roman"/>
+        <a:font script="Hebr" typeface="Times New Roman"/>
+        <a:font script="Thai" typeface="Angsana New"/>
+        <a:font script="Ethi" typeface="Nyala"/>
+        <a:font script="Beng" typeface="Vrinda"/>
+        <a:font script="Gujr" typeface="Shruti"/>
+        <a:font script="Khmr" typeface="MoolBoran"/>
+        <a:font script="Knda" typeface="Tunga"/>
+        <a:font script="Guru" typeface="Raavi"/>
+        <a:font script="Cans" typeface="Euphemia"/>
+        <a:font script="Cher" typeface="Plantagenet Cherokee"/>
+        <a:font script="Yiii" typeface="Microsoft Yi Baiti"/>
+        <a:font script="Tibt" typeface="Microsoft Himalaya"/>
+        <a:font script="Thaa" typeface="MV Boli"/>
+        <a:font script="Deva" typeface="Mangal"/>
+        <a:font script="Telu" typeface="Gautami"/>
+        <a:font script="Taml" typeface="Latha"/>
+        <a:font script="Syrc" typeface="Estrangelo Edessa"/>
+        <a:font script="Orya" typeface="Kalinga"/>
+        <a:font script="Mlym" typeface="Kartika"/>
+        <a:font script="Laoo" typeface="DokChampa"/>
+        <a:font script="Sinh" typeface="Iskoola Pota"/>
+        <a:font script="Mong" typeface="Mongolian Baiti"/>
+        <a:font script="Viet" typeface="Times New Roman"/>
+        <a:font script="Uigh" typeface="Microsoft Uighur"/>
+        <a:font script="Geor" typeface="Sylfaen"/>
+        <a:font script="Armn" typeface="Arial"/>
+        <a:font script="Bugi" typeface="Leelawadee UI"/>
+        <a:font script="Bopo" typeface="Microsoft JhengHei"/>
+        <a:font script="Java" typeface="Javanese Text"/>
+        <a:font script="Lisu" typeface="Segoe UI"/>
+        <a:font script="Mymr" typeface="Myanmar Text"/>
+        <a:font script="Nkoo" typeface="Ebrima"/>
+        <a:font script="Olck" typeface="Nirmala UI"/>
+        <a:font script="Osma" typeface="Ebrima"/>
+        <a:font script="Phag" typeface="Phagspa"/>
+        <a:font script="Syrn" typeface="Estrangelo Edessa"/>
+        <a:font script="Syrj" typeface="Estrangelo Edessa"/>
+        <a:font script="Syre" typeface="Estrangelo Edessa"/>
+        <a:font script="Sora" typeface="Nirmala UI"/>
+        <a:font script="Tale" typeface="Microsoft Tai Le"/>
+        <a:font script="Talu" typeface="Microsoft New Tai Lue"/>
+        <a:font script="Tfng" typeface="Ebrima"/>
+      </a:majorFont>
+      <a:minorFont>
+        <a:latin typeface="Calibri" panose="020F0502020204030204"/>
+        <a:ea typeface=""/>
+        <a:cs typeface=""/>
+        <a:font script="Jpan" typeface="游ゴシック"/>
+        <a:font script="Hang" typeface="맑은 고딕"/>
+        <a:font script="Hans" typeface="等线"/>
+        <a:font script="Hant" typeface="新細明體"/>
+        <a:font script="Arab" typeface="Arial"/>
+        <a:font script="Hebr" typeface="Arial"/>
+        <a:font script="Thai" typeface="Cordia New"/>
+        <a:font script="Ethi" typeface="Nyala"/>
+        <a:font script="Beng" typeface="Vrinda"/>
+        <a:font script="Gujr" typeface="Shruti"/>
+        <a:font script="Khmr" typeface="DaunPenh"/>
+        <a:font script="Knda" typeface="Tunga"/>
+        <a:font script="Guru" typeface="Raavi"/>
+        <a:font script="Cans" typeface="Euphemia"/>
+        <a:font script="Cher" typeface="Plantagenet Cherokee"/>
+        <a:font script="Yiii" typeface="Microsoft Yi Baiti"/>
+        <a:font script="Tibt" typeface="Microsoft Himalaya"/>
+        <a:font script="Thaa" typeface="MV Boli"/>
+        <a:font script="Deva" typeface="Mangal"/>
+        <a:font script="Telu" typeface="Gautami"/>
+        <a:font script="Taml" typeface="Latha"/>
+        <a:font script="Syrc" typeface="Estrangelo Edessa"/>
+        <a:font script="Orya" typeface="Kalinga"/>
+        <a:font script="Mlym" typeface="Kartika"/>
+        <a:font script="Laoo" typeface="DokChampa"/>
+        <a:font script="Sinh" typeface="Iskoola Pota"/>
+        <a:font script="Mong" typeface="Mongolian Baiti"/>
+        <a:font script="Viet" typeface="Arial"/>
+        <a:font script="Uigh" typeface="Microsoft Uighur"/>
+        <a:font script="Geor" typeface="Sylfaen"/>
+        <a:font script="Armn" typeface="Arial"/>
+        <a:font script="Bugi" typeface="Leelawadee UI"/>
+        <a:font script="Bopo" typeface="Microsoft JhengHei"/>
+        <a:font script="Java" typeface="Javanese Text"/>
+        <a:font script="Lisu" typeface="Segoe UI"/>
+        <a:font script="Mymr" typeface="Myanmar Text"/>
+        <a:font script="Nkoo" typeface="Ebrima"/>
+        <a:font script="Olck" typeface="Nirmala UI"/>
+        <a:font script="Osma" typeface="Ebrima"/>
+        <a:font script="Phag" typeface="Phagspa"/>
+        <a:font script="Syrn" typeface="Estrangelo Edessa"/>
+        <a:font script="Syrj" typeface="Estrangelo Edessa"/>
+        <a:font script="Syre" typeface="Estrangelo Edessa"/>
+        <a:font script="Sora" typeface="Nirmala UI"/>
+        <a:font script="Tale" typeface="Microsoft Tai Le"/>
+        <a:font script="Talu" typeface="Microsoft New Tai Lue"/>
+        <a:font script="Tfng" typeface="Ebrima"/>
+      </a:minorFont>
+    </a:fontScheme>
+    <a:fmtScheme name="Office">
+      <a:fillStyleLst>
+        <a:solidFill>
+          <a:schemeClr val="phClr"/>
+        </a:solidFill>
+        <a:gradFill rotWithShape="1">
+          <a:gsLst>
+            <a:gs pos="0">
+              <a:schemeClr val="phClr">
+                <a:lumMod val="110000"/>
+                <a:satMod val="105000"/>
+                <a:tint val="67000"/>
+              </a:schemeClr>
+            </a:gs>
+            <a:gs pos="50000">
+              <a:schemeClr val="phClr">
+                <a:lumMod val="105000"/>
+                <a:satMod val="103000"/>
+                <a:tint val="73000"/>
+              </a:schemeClr>
+            </a:gs>
+            <a:gs pos="100000">
+              <a:schemeClr val="phClr">
+                <a:lumMod val="105000"/>
+                <a:satMod val="109000"/>
+                <a:tint val="81000"/>
+              </a:schemeClr>
+            </a:gs>
+          </a:gsLst>
+          <a:lin ang="5400000" scaled="0"/>
+        </a:gradFill>
+        <a:gradFill rotWithShape="1">
+          <a:gsLst>
+            <a:gs pos="0">
+              <a:schemeClr val="phClr">
+                <a:satMod val="103000"/>
+                <a:lumMod val="102000"/>
+                <a:tint val="94000"/>
+              </a:schemeClr>
+            </a:gs>
+            <a:gs pos="50000">
+              <a:schemeClr val="phClr">
+                <a:satMod val="110000"/>
+                <a:lumMod val="100000"/>
+                <a:shade val="100000"/>
+              </a:schemeClr>
+            </a:gs>
+            <a:gs pos="100000">
+              <a:schemeClr val="phClr">
+                <a:lumMod val="99000"/>
+                <a:satMod val="120000"/>
+                <a:shade val="78000"/>
+              </a:schemeClr>
+            </a:gs>
+          </a:gsLst>
+          <a:lin ang="5400000" scaled="0"/>
+        </a:gradFill>
+      </a:fillStyleLst>
+      <a:lnStyleLst>
+        <a:ln w="6350" cap="flat" cmpd="sng" algn="ctr">
+          <a:solidFill>
+            <a:schemeClr val="phClr"/>
+          </a:solidFill>
+          <a:prstDash val="solid"/>
+          <a:miter lim="800000"/>
+        </a:ln>
+        <a:ln w="12700" cap="flat" cmpd="sng" algn="ctr">
+          <a:solidFill>
+            <a:schemeClr val="phClr"/>
+          </a:solidFill>
+          <a:prstDash val="solid"/>
+          <a:miter lim="800000"/>
+        </a:ln>
+        <a:ln w="19050" cap="flat" cmpd="sng" algn="ctr">
+          <a:solidFill>
+            <a:schemeClr val="phClr"/>
+          </a:solidFill>
+          <a:prstDash val="solid"/>
+          <a:miter lim="800000"/>
+        </a:ln>
+      </a:lnStyleLst>
+      <a:effectStyleLst>
+        <a:effectStyle>
+          <a:effectLst/>
+        </a:effectStyle>
+        <a:effectStyle>
+          <a:effectLst/>
+        </a:effectStyle>
+        <a:effectStyle>
+          <a:effectLst>
+            <a:outerShdw blurRad="57150" dist="19050" dir="5400000" algn="ctr" rotWithShape="0">
+              <a:srgbClr val="000000">
+                <a:alpha val="63000"/>
+              </a:srgbClr>
+            </a:outerShdw>
+          </a:effectLst>
+        </a:effectStyle>
+      </a:effectStyleLst>
+      <a:bgFillStyleLst>
+        <a:solidFill>
+          <a:schemeClr val="phClr"/>
+        </a:solidFill>
+        <a:solidFill>
+          <a:schemeClr val="phClr">
+            <a:tint val="95000"/>
+            <a:satMod val="170000"/>
+          </a:schemeClr>
+        </a:solidFill>
+        <a:gradFill rotWithShape="1">
+          <a:gsLst>
+            <a:gs pos="0">
+              <a:schemeClr val="phClr">
+                <a:tint val="93000"/>
+                <a:satMod val="150000"/>
+                <a:shade val="98000"/>
+                <a:lumMod val="102000"/>
+              </a:schemeClr>
+            </a:gs>
+            <a:gs pos="50000">
+              <a:schemeClr val="phClr">
+                <a:tint val="98000"/>
+                <a:satMod val="130000"/>
+                <a:shade val="90000"/>
+                <a:lumMod val="103000"/>
+              </a:schemeClr>
+            </a:gs>
+            <a:gs pos="100000">
+              <a:schemeClr val="phClr">
+                <a:shade val="63000"/>
+                <a:satMod val="120000"/>
+              </a:schemeClr>
+            </a:gs>
+          </a:gsLst>
+          <a:lin ang="5400000" scaled="0"/>
+        </a:gradFill>
+      </a:bgFillStyleLst>
+    </a:fmtScheme>
+  </a:themeElements>
+  <a:objectDefaults/>
+  <a:extraClrSchemeLst/>
+  <a:extLst>
+    <a:ext uri="{05A4C25C-085E-4340-85A3-A5531E510DB2}">
+      <thm15:themeFamily xmlns:thm15="http://schemas.microsoft.com/office/thememl/2012/main" name="Office Theme" id="{62F939B6-93AF-4DB8-9C6B-D6C7DFDC589F}" vid="{4A3C46E8-61CC-4603-A589-7422A47A8E4A}"/>
+    </a:ext>
+  </a:extLst>
+</a:theme>
 </file>
--- a/Chapter 2 & 5-Maint.framework&process.pptx
+++ b/Chapter 2 & 5-Maint.framework&process.pptx
@@ -6142,7 +6142,29 @@
                 <a:ea typeface="Inter" pitchFamily="34" charset="-122"/>
                 <a:cs typeface="Inter" pitchFamily="34" charset="-120"/>
               </a:rPr>
-              <a:t>: Important factors of software maintenance process are the capturing of change requirements, programming practice, 'dead' paradigms and error detection.</a:t>
+              <a:t>: Important factors of software maintenance process are the capturing of </a:t>
+            </a:r>
+            <a:r>
+              <a:rPr lang="en-US" sz="1750" dirty="0">
+                <a:solidFill>
+                  <a:srgbClr val="0070C0"/>
+                </a:solidFill>
+                <a:latin typeface="Inter" pitchFamily="34" charset="0"/>
+                <a:ea typeface="Inter" pitchFamily="34" charset="-122"/>
+                <a:cs typeface="Inter" pitchFamily="34" charset="-120"/>
+              </a:rPr>
+              <a:t>change requirements</a:t>
+            </a:r>
+            <a:r>
+              <a:rPr lang="en-US" sz="1750" dirty="0">
+                <a:solidFill>
+                  <a:srgbClr val="272525"/>
+                </a:solidFill>
+                <a:latin typeface="Inter" pitchFamily="34" charset="0"/>
+                <a:ea typeface="Inter" pitchFamily="34" charset="-122"/>
+                <a:cs typeface="Inter" pitchFamily="34" charset="-120"/>
+              </a:rPr>
+              <a:t>, programming practice, 'dead' paradigms and error detection.</a:t>
             </a:r>
             <a:endParaRPr lang="en-US" sz="1750" dirty="0"/>
           </a:p>
@@ -6185,7 +6207,18 @@
                 <a:ea typeface="Inter" pitchFamily="34" charset="-122"/>
                 <a:cs typeface="Inter" pitchFamily="34" charset="-120"/>
               </a:rPr>
-              <a:t>Capturing change requirements</a:t>
+              <a:t>Capturing </a:t>
+            </a:r>
+            <a:r>
+              <a:rPr lang="en-US" sz="1750" b="1" dirty="0">
+                <a:solidFill>
+                  <a:srgbClr val="0070C0"/>
+                </a:solidFill>
+                <a:latin typeface="Inter" pitchFamily="34" charset="0"/>
+                <a:ea typeface="Inter" pitchFamily="34" charset="-122"/>
+                <a:cs typeface="Inter" pitchFamily="34" charset="-120"/>
+              </a:rPr>
+              <a:t>change requirements</a:t>
             </a:r>
             <a:r>
               <a:rPr lang="en-US" sz="1750" dirty="0">
@@ -6239,7 +6272,18 @@
                 <a:ea typeface="Inter" pitchFamily="34" charset="-122"/>
                 <a:cs typeface="Inter" pitchFamily="34" charset="-120"/>
               </a:rPr>
-              <a:t>Variation in programming practice</a:t>
+              <a:t>Variation in </a:t>
+            </a:r>
+            <a:r>
+              <a:rPr lang="en-US" sz="1750" b="1" dirty="0">
+                <a:solidFill>
+                  <a:srgbClr val="0070C0"/>
+                </a:solidFill>
+                <a:latin typeface="Inter" pitchFamily="34" charset="0"/>
+                <a:ea typeface="Inter" pitchFamily="34" charset="-122"/>
+                <a:cs typeface="Inter" pitchFamily="34" charset="-120"/>
+              </a:rPr>
+              <a:t>programming practice</a:t>
             </a:r>
             <a:r>
               <a:rPr lang="en-US" sz="1750" dirty="0">
@@ -6354,13 +6398,24 @@
             <a:r>
               <a:rPr lang="en-US" sz="1750" b="1" dirty="0">
                 <a:solidFill>
-                  <a:srgbClr val="272525"/>
-                </a:solidFill>
-                <a:latin typeface="Inter" pitchFamily="34" charset="0"/>
-                <a:ea typeface="Inter" pitchFamily="34" charset="-122"/>
-                <a:cs typeface="Inter" pitchFamily="34" charset="-120"/>
-              </a:rPr>
-              <a:t>Paradigm shift:</a:t>
+                  <a:srgbClr val="0070C0"/>
+                </a:solidFill>
+                <a:latin typeface="Inter" pitchFamily="34" charset="0"/>
+                <a:ea typeface="Inter" pitchFamily="34" charset="-122"/>
+                <a:cs typeface="Inter" pitchFamily="34" charset="-120"/>
+              </a:rPr>
+              <a:t>Paradigm shift</a:t>
+            </a:r>
+            <a:r>
+              <a:rPr lang="en-US" sz="1750" b="1" dirty="0">
+                <a:solidFill>
+                  <a:srgbClr val="272525"/>
+                </a:solidFill>
+                <a:latin typeface="Inter" pitchFamily="34" charset="0"/>
+                <a:ea typeface="Inter" pitchFamily="34" charset="-122"/>
+                <a:cs typeface="Inter" pitchFamily="34" charset="-120"/>
+              </a:rPr>
+              <a:t>:</a:t>
             </a:r>
             <a:r>
               <a:rPr lang="en-US" sz="1750" dirty="0">
@@ -6462,13 +6517,46 @@
             <a:r>
               <a:rPr lang="en-US" sz="1750" b="1" dirty="0">
                 <a:solidFill>
-                  <a:srgbClr val="272525"/>
-                </a:solidFill>
-                <a:latin typeface="Inter" pitchFamily="34" charset="0"/>
-                <a:ea typeface="Inter" pitchFamily="34" charset="-122"/>
-                <a:cs typeface="Inter" pitchFamily="34" charset="-120"/>
-              </a:rPr>
-              <a:t>Error detection and correction:</a:t>
+                  <a:srgbClr val="0070C0"/>
+                </a:solidFill>
+                <a:latin typeface="Inter" pitchFamily="34" charset="0"/>
+                <a:ea typeface="Inter" pitchFamily="34" charset="-122"/>
+                <a:cs typeface="Inter" pitchFamily="34" charset="-120"/>
+              </a:rPr>
+              <a:t>Error detection </a:t>
+            </a:r>
+            <a:r>
+              <a:rPr lang="en-US" sz="1750" b="1" dirty="0">
+                <a:solidFill>
+                  <a:srgbClr val="272525"/>
+                </a:solidFill>
+                <a:latin typeface="Inter" pitchFamily="34" charset="0"/>
+                <a:ea typeface="Inter" pitchFamily="34" charset="-122"/>
+                <a:cs typeface="Inter" pitchFamily="34" charset="-120"/>
+              </a:rPr>
+              <a:t>and </a:t>
+            </a:r>
+            <a:r>
+              <a:rPr lang="en-US" sz="1750" b="1" dirty="0">
+                <a:solidFill>
+                  <a:srgbClr val="0070C0"/>
+                </a:solidFill>
+                <a:latin typeface="Inter" pitchFamily="34" charset="0"/>
+                <a:ea typeface="Inter" pitchFamily="34" charset="-122"/>
+                <a:cs typeface="Inter" pitchFamily="34" charset="-120"/>
+              </a:rPr>
+              <a:t>correction</a:t>
+            </a:r>
+            <a:r>
+              <a:rPr lang="en-US" sz="1750" b="1" dirty="0">
+                <a:solidFill>
+                  <a:srgbClr val="272525"/>
+                </a:solidFill>
+                <a:latin typeface="Inter" pitchFamily="34" charset="0"/>
+                <a:ea typeface="Inter" pitchFamily="34" charset="-122"/>
+                <a:cs typeface="Inter" pitchFamily="34" charset="-120"/>
+              </a:rPr>
+              <a:t>:</a:t>
             </a:r>
             <a:r>
               <a:rPr lang="en-US" sz="1750" dirty="0">
@@ -6701,7 +6789,117 @@
                 <a:ea typeface="Inter Bold" pitchFamily="34" charset="-122"/>
                 <a:cs typeface="Inter Bold" pitchFamily="34" charset="-120"/>
               </a:rPr>
-              <a:t>it is not just the programs themselves but also the accompanying documentation and operating procedures that are subject to such changes.</a:t>
+              <a:t>it is not just the </a:t>
+            </a:r>
+            <a:r>
+              <a:rPr lang="en-US" sz="2650" b="1" dirty="0">
+                <a:solidFill>
+                  <a:srgbClr val="0070C0"/>
+                </a:solidFill>
+                <a:latin typeface="Inter Bold" pitchFamily="34" charset="0"/>
+                <a:ea typeface="Inter Bold" pitchFamily="34" charset="-122"/>
+                <a:cs typeface="Inter Bold" pitchFamily="34" charset="-120"/>
+              </a:rPr>
+              <a:t>programs</a:t>
+            </a:r>
+            <a:r>
+              <a:rPr lang="en-US" sz="2650" b="1" dirty="0">
+                <a:solidFill>
+                  <a:srgbClr val="000000"/>
+                </a:solidFill>
+                <a:latin typeface="Inter Bold" pitchFamily="34" charset="0"/>
+                <a:ea typeface="Inter Bold" pitchFamily="34" charset="-122"/>
+                <a:cs typeface="Inter Bold" pitchFamily="34" charset="-120"/>
+              </a:rPr>
+              <a:t> themselves but also the accompanying </a:t>
+            </a:r>
+            <a:r>
+              <a:rPr lang="en-US" sz="2650" b="1" dirty="0">
+                <a:solidFill>
+                  <a:srgbClr val="0070C0"/>
+                </a:solidFill>
+                <a:latin typeface="Inter Bold" pitchFamily="34" charset="0"/>
+                <a:ea typeface="Inter Bold" pitchFamily="34" charset="-122"/>
+                <a:cs typeface="Inter Bold" pitchFamily="34" charset="-120"/>
+              </a:rPr>
+              <a:t>documentation</a:t>
+            </a:r>
+            <a:r>
+              <a:rPr lang="en-US" sz="2650" b="1" dirty="0">
+                <a:solidFill>
+                  <a:srgbClr val="000000"/>
+                </a:solidFill>
+                <a:latin typeface="Inter Bold" pitchFamily="34" charset="0"/>
+                <a:ea typeface="Inter Bold" pitchFamily="34" charset="-122"/>
+                <a:cs typeface="Inter Bold" pitchFamily="34" charset="-120"/>
+              </a:rPr>
+              <a:t> and </a:t>
+            </a:r>
+            <a:r>
+              <a:rPr lang="en-US" sz="2650" b="1" dirty="0">
+                <a:solidFill>
+                  <a:srgbClr val="0070C0"/>
+                </a:solidFill>
+                <a:latin typeface="Inter Bold" pitchFamily="34" charset="0"/>
+                <a:ea typeface="Inter Bold" pitchFamily="34" charset="-122"/>
+                <a:cs typeface="Inter Bold" pitchFamily="34" charset="-120"/>
+              </a:rPr>
+              <a:t>operating procedures </a:t>
+            </a:r>
+            <a:r>
+              <a:rPr lang="en-US" sz="2650" b="1" dirty="0">
+                <a:solidFill>
+                  <a:srgbClr val="000000"/>
+                </a:solidFill>
+                <a:latin typeface="Inter Bold" pitchFamily="34" charset="0"/>
+                <a:ea typeface="Inter Bold" pitchFamily="34" charset="-122"/>
+                <a:cs typeface="Inter Bold" pitchFamily="34" charset="-120"/>
+              </a:rPr>
+              <a:t>that are </a:t>
+            </a:r>
+            <a:r>
+              <a:rPr lang="en-US" sz="2650" b="1" dirty="0">
+                <a:solidFill>
+                  <a:srgbClr val="0070C0"/>
+                </a:solidFill>
+                <a:latin typeface="Inter Bold" pitchFamily="34" charset="0"/>
+                <a:ea typeface="Inter Bold" pitchFamily="34" charset="-122"/>
+                <a:cs typeface="Inter Bold" pitchFamily="34" charset="-120"/>
+              </a:rPr>
+              <a:t>subject</a:t>
+            </a:r>
+            <a:r>
+              <a:rPr lang="en-US" sz="2650" b="1" dirty="0">
+                <a:solidFill>
+                  <a:srgbClr val="000000"/>
+                </a:solidFill>
+                <a:latin typeface="Inter Bold" pitchFamily="34" charset="0"/>
+                <a:ea typeface="Inter Bold" pitchFamily="34" charset="-122"/>
+                <a:cs typeface="Inter Bold" pitchFamily="34" charset="-120"/>
+              </a:rPr>
+              <a:t> to such </a:t>
+            </a:r>
+            <a:r>
+              <a:rPr lang="en-US" sz="2650" b="1" dirty="0">
+                <a:solidFill>
+                  <a:srgbClr val="0070C0"/>
+                </a:solidFill>
+                <a:latin typeface="Inter Bold" pitchFamily="34" charset="0"/>
+                <a:ea typeface="Inter Bold" pitchFamily="34" charset="-122"/>
+                <a:cs typeface="Inter Bold" pitchFamily="34" charset="-120"/>
+              </a:rPr>
+              <a:t>changes</a:t>
+            </a:r>
+            <a:r>
+              <a:rPr lang="en-US" sz="2650" b="1" dirty="0">
+                <a:solidFill>
+                  <a:srgbClr val="000000"/>
+                </a:solidFill>
+                <a:latin typeface="Inter Bold" pitchFamily="34" charset="0"/>
+                <a:ea typeface="Inter Bold" pitchFamily="34" charset="-122"/>
+                <a:cs typeface="Inter Bold" pitchFamily="34" charset="-120"/>
+              </a:rPr>
+              <a:t>.</a:t>
             </a:r>
             <a:endParaRPr lang="en-US" sz="2650" dirty="0"/>
           </a:p>
@@ -6907,7 +7105,18 @@
                 <a:ea typeface="Inter" pitchFamily="34" charset="-122"/>
                 <a:cs typeface="Inter" pitchFamily="34" charset="-120"/>
               </a:rPr>
-              <a:t>Quality of the documentation</a:t>
+              <a:t>Quality of the </a:t>
+            </a:r>
+            <a:r>
+              <a:rPr lang="en-US" sz="1750" b="1" dirty="0">
+                <a:solidFill>
+                  <a:srgbClr val="0070C0"/>
+                </a:solidFill>
+                <a:latin typeface="Inter" pitchFamily="34" charset="0"/>
+                <a:ea typeface="Inter" pitchFamily="34" charset="-122"/>
+                <a:cs typeface="Inter" pitchFamily="34" charset="-120"/>
+              </a:rPr>
+              <a:t>documentation</a:t>
             </a:r>
             <a:r>
               <a:rPr lang="en-US" sz="1750" dirty="0">
@@ -6955,24 +7164,79 @@
             <a:r>
               <a:rPr lang="en-US" sz="1750" b="1" dirty="0">
                 <a:solidFill>
-                  <a:srgbClr val="272525"/>
-                </a:solidFill>
-                <a:latin typeface="Inter" pitchFamily="34" charset="0"/>
-                <a:ea typeface="Inter" pitchFamily="34" charset="-122"/>
-                <a:cs typeface="Inter" pitchFamily="34" charset="-120"/>
-              </a:rPr>
-              <a:t>Malleability of the programs:</a:t>
-            </a:r>
-            <a:r>
-              <a:rPr lang="en-US" sz="1750" dirty="0">
-                <a:solidFill>
-                  <a:srgbClr val="272525"/>
-                </a:solidFill>
-                <a:latin typeface="Inter" pitchFamily="34" charset="0"/>
-                <a:ea typeface="Inter" pitchFamily="34" charset="-122"/>
-                <a:cs typeface="Inter" pitchFamily="34" charset="-120"/>
-              </a:rPr>
-              <a:t> The malleable or 'soft' nature of software products makes them more vulnerable to undesirable modification than hardware items. Ad hoc software changes may have unknown and even fatal repercussions. This is particularly true of safety-related or safety critical systems.</a:t>
+                  <a:srgbClr val="0070C0"/>
+                </a:solidFill>
+                <a:latin typeface="Inter" pitchFamily="34" charset="0"/>
+                <a:ea typeface="Inter" pitchFamily="34" charset="-122"/>
+                <a:cs typeface="Inter" pitchFamily="34" charset="-120"/>
+              </a:rPr>
+              <a:t>Changeability</a:t>
+            </a:r>
+            <a:r>
+              <a:rPr lang="en-US" sz="1750" b="1" dirty="0">
+                <a:solidFill>
+                  <a:srgbClr val="272525"/>
+                </a:solidFill>
+                <a:latin typeface="Inter" pitchFamily="34" charset="0"/>
+                <a:ea typeface="Inter" pitchFamily="34" charset="-122"/>
+                <a:cs typeface="Inter" pitchFamily="34" charset="-120"/>
+              </a:rPr>
+              <a:t> of the </a:t>
+            </a:r>
+            <a:r>
+              <a:rPr lang="en-US" sz="1750" b="1" dirty="0">
+                <a:solidFill>
+                  <a:srgbClr val="0070C0"/>
+                </a:solidFill>
+                <a:latin typeface="Inter" pitchFamily="34" charset="0"/>
+                <a:ea typeface="Inter" pitchFamily="34" charset="-122"/>
+                <a:cs typeface="Inter" pitchFamily="34" charset="-120"/>
+              </a:rPr>
+              <a:t>programs</a:t>
+            </a:r>
+            <a:r>
+              <a:rPr lang="en-US" sz="1750" b="1" dirty="0">
+                <a:solidFill>
+                  <a:srgbClr val="272525"/>
+                </a:solidFill>
+                <a:latin typeface="Inter" pitchFamily="34" charset="0"/>
+                <a:ea typeface="Inter" pitchFamily="34" charset="-122"/>
+                <a:cs typeface="Inter" pitchFamily="34" charset="-120"/>
+              </a:rPr>
+              <a:t>:</a:t>
+            </a:r>
+            <a:r>
+              <a:rPr lang="en-US" sz="1750" dirty="0">
+                <a:solidFill>
+                  <a:srgbClr val="272525"/>
+                </a:solidFill>
+                <a:latin typeface="Inter" pitchFamily="34" charset="0"/>
+                <a:ea typeface="Inter" pitchFamily="34" charset="-122"/>
+                <a:cs typeface="Inter" pitchFamily="34" charset="-120"/>
+              </a:rPr>
+              <a:t> The malleable or 'soft' nature of software products makes them more vulnerable to undesirable modification than hardware items. </a:t>
+            </a:r>
+            <a:r>
+              <a:rPr lang="en-US" sz="1750" dirty="0">
+                <a:solidFill>
+                  <a:srgbClr val="0070C0"/>
+                </a:solidFill>
+                <a:latin typeface="Inter" pitchFamily="34" charset="0"/>
+                <a:ea typeface="Inter" pitchFamily="34" charset="-122"/>
+                <a:cs typeface="Inter" pitchFamily="34" charset="-120"/>
+              </a:rPr>
+              <a:t>Ad hoc software changes </a:t>
+            </a:r>
+            <a:r>
+              <a:rPr lang="en-US" sz="1750" dirty="0">
+                <a:solidFill>
+                  <a:srgbClr val="272525"/>
+                </a:solidFill>
+                <a:latin typeface="Inter" pitchFamily="34" charset="0"/>
+                <a:ea typeface="Inter" pitchFamily="34" charset="-122"/>
+                <a:cs typeface="Inter" pitchFamily="34" charset="-120"/>
+              </a:rPr>
+              <a:t>may have unknown and even fatal repercussions. This is particularly true of safety-related or safety critical systems.</a:t>
             </a:r>
             <a:endParaRPr lang="en-US" sz="1750" dirty="0"/>
           </a:p>
@@ -7015,7 +7279,29 @@
                 <a:ea typeface="Inter" pitchFamily="34" charset="-122"/>
                 <a:cs typeface="Inter" pitchFamily="34" charset="-120"/>
               </a:rPr>
-              <a:t>Inherent quality:</a:t>
+              <a:t>Inherent </a:t>
+            </a:r>
+            <a:r>
+              <a:rPr lang="en-US" sz="1750" b="1" dirty="0">
+                <a:solidFill>
+                  <a:srgbClr val="0070C0"/>
+                </a:solidFill>
+                <a:latin typeface="Inter" pitchFamily="34" charset="0"/>
+                <a:ea typeface="Inter" pitchFamily="34" charset="-122"/>
+                <a:cs typeface="Inter" pitchFamily="34" charset="-120"/>
+              </a:rPr>
+              <a:t>quality</a:t>
+            </a:r>
+            <a:r>
+              <a:rPr lang="en-US" sz="1750" b="1" dirty="0">
+                <a:solidFill>
+                  <a:srgbClr val="272525"/>
+                </a:solidFill>
+                <a:latin typeface="Inter" pitchFamily="34" charset="0"/>
+                <a:ea typeface="Inter" pitchFamily="34" charset="-122"/>
+                <a:cs typeface="Inter" pitchFamily="34" charset="-120"/>
+              </a:rPr>
+              <a:t>:</a:t>
             </a:r>
             <a:r>
               <a:rPr lang="en-US" sz="1750" dirty="0">
@@ -7146,18 +7432,62 @@
                 <a:ea typeface="Inter" pitchFamily="34" charset="-122"/>
                 <a:cs typeface="Inter" pitchFamily="34" charset="-120"/>
               </a:rPr>
-              <a:t>Maintenance Personnel:</a:t>
-            </a:r>
-            <a:r>
-              <a:rPr lang="en-US" sz="1750" dirty="0">
-                <a:solidFill>
-                  <a:srgbClr val="272525"/>
-                </a:solidFill>
-                <a:latin typeface="Inter" pitchFamily="34" charset="0"/>
-                <a:ea typeface="Inter" pitchFamily="34" charset="-122"/>
-                <a:cs typeface="Inter" pitchFamily="34" charset="-120"/>
-              </a:rPr>
-              <a:t> People are involved at all stages of the maintenance process. Maintenance personnel include maintenance managers, analysts, designers, programmers and testers.</a:t>
+              <a:t>Maintenance </a:t>
+            </a:r>
+            <a:r>
+              <a:rPr lang="en-US" sz="1750" b="1" dirty="0">
+                <a:solidFill>
+                  <a:srgbClr val="0070C0"/>
+                </a:solidFill>
+                <a:latin typeface="Inter" pitchFamily="34" charset="0"/>
+                <a:ea typeface="Inter" pitchFamily="34" charset="-122"/>
+                <a:cs typeface="Inter" pitchFamily="34" charset="-120"/>
+              </a:rPr>
+              <a:t>Personnel</a:t>
+            </a:r>
+            <a:r>
+              <a:rPr lang="en-US" sz="1750" b="1" dirty="0">
+                <a:solidFill>
+                  <a:srgbClr val="272525"/>
+                </a:solidFill>
+                <a:latin typeface="Inter" pitchFamily="34" charset="0"/>
+                <a:ea typeface="Inter" pitchFamily="34" charset="-122"/>
+                <a:cs typeface="Inter" pitchFamily="34" charset="-120"/>
+              </a:rPr>
+              <a:t>:</a:t>
+            </a:r>
+            <a:r>
+              <a:rPr lang="en-US" sz="1750" dirty="0">
+                <a:solidFill>
+                  <a:srgbClr val="272525"/>
+                </a:solidFill>
+                <a:latin typeface="Inter" pitchFamily="34" charset="0"/>
+                <a:ea typeface="Inter" pitchFamily="34" charset="-122"/>
+                <a:cs typeface="Inter" pitchFamily="34" charset="-120"/>
+              </a:rPr>
+              <a:t> People are </a:t>
+            </a:r>
+            <a:r>
+              <a:rPr lang="en-US" sz="1750" dirty="0">
+                <a:solidFill>
+                  <a:srgbClr val="0070C0"/>
+                </a:solidFill>
+                <a:latin typeface="Inter" pitchFamily="34" charset="0"/>
+                <a:ea typeface="Inter" pitchFamily="34" charset="-122"/>
+                <a:cs typeface="Inter" pitchFamily="34" charset="-120"/>
+              </a:rPr>
+              <a:t>involved</a:t>
+            </a:r>
+            <a:r>
+              <a:rPr lang="en-US" sz="1750" dirty="0">
+                <a:solidFill>
+                  <a:srgbClr val="272525"/>
+                </a:solidFill>
+                <a:latin typeface="Inter" pitchFamily="34" charset="0"/>
+                <a:ea typeface="Inter" pitchFamily="34" charset="-122"/>
+                <a:cs typeface="Inter" pitchFamily="34" charset="-120"/>
+              </a:rPr>
+              <a:t> at all stages of the maintenance process. Maintenance personnel include maintenance managers, analysts, designers, programmers and testers.</a:t>
             </a:r>
             <a:endParaRPr lang="en-US" sz="1750" dirty="0"/>
           </a:p>
@@ -7194,13 +7524,24 @@
             <a:r>
               <a:rPr lang="en-US" sz="1750" b="1" dirty="0">
                 <a:solidFill>
-                  <a:srgbClr val="272525"/>
-                </a:solidFill>
-                <a:latin typeface="Inter" pitchFamily="34" charset="0"/>
-                <a:ea typeface="Inter" pitchFamily="34" charset="-122"/>
-                <a:cs typeface="Inter" pitchFamily="34" charset="-120"/>
-              </a:rPr>
-              <a:t>Staff turnover:</a:t>
+                  <a:srgbClr val="0070C0"/>
+                </a:solidFill>
+                <a:latin typeface="Inter" pitchFamily="34" charset="0"/>
+                <a:ea typeface="Inter" pitchFamily="34" charset="-122"/>
+                <a:cs typeface="Inter" pitchFamily="34" charset="-120"/>
+              </a:rPr>
+              <a:t>Staff turnover</a:t>
+            </a:r>
+            <a:r>
+              <a:rPr lang="en-US" sz="1750" b="1" dirty="0">
+                <a:solidFill>
+                  <a:srgbClr val="272525"/>
+                </a:solidFill>
+                <a:latin typeface="Inter" pitchFamily="34" charset="0"/>
+                <a:ea typeface="Inter" pitchFamily="34" charset="-122"/>
+                <a:cs typeface="Inter" pitchFamily="34" charset="-120"/>
+              </a:rPr>
+              <a:t>:</a:t>
             </a:r>
             <a:r>
               <a:rPr lang="en-US" sz="1750" dirty="0">
@@ -7225,7 +7566,7 @@
         </p:nvSpPr>
         <p:spPr>
           <a:xfrm>
-            <a:off x="793790" y="5155168"/>
+            <a:off x="793789" y="5155287"/>
             <a:ext cx="13042821" cy="1088708"/>
           </a:xfrm>
           <a:prstGeom prst="rect">
@@ -7248,7 +7589,7 @@
             <a:r>
               <a:rPr lang="en-US" sz="1750" b="1" dirty="0">
                 <a:solidFill>
-                  <a:srgbClr val="272525"/>
+                  <a:srgbClr val="0070C0"/>
                 </a:solidFill>
                 <a:latin typeface="Inter" pitchFamily="34" charset="0"/>
                 <a:ea typeface="Inter" pitchFamily="34" charset="-122"/>
@@ -7369,7 +7710,7 @@
             <a:r>
               <a:rPr lang="en-US" sz="1750" b="1" dirty="0">
                 <a:solidFill>
-                  <a:srgbClr val="272525"/>
+                  <a:srgbClr val="0070C0"/>
                 </a:solidFill>
                 <a:latin typeface="Inter" pitchFamily="34" charset="0"/>
                 <a:ea typeface="Inter" pitchFamily="34" charset="-122"/>
@@ -8401,7 +8742,29 @@
                 <a:ea typeface="Inter" pitchFamily="34" charset="-122"/>
                 <a:cs typeface="Inter" pitchFamily="34" charset="-120"/>
               </a:rPr>
-              <a:t> refers to the stages a software product goes through from its initial conception to its final retirement. These stages typically include requirements analysis, design, implementation, testing, deployment, and maintenance.</a:t>
+              <a:t> refers to the </a:t>
+            </a:r>
+            <a:r>
+              <a:rPr lang="en-US" sz="1750" dirty="0">
+                <a:solidFill>
+                  <a:srgbClr val="0070C0"/>
+                </a:solidFill>
+                <a:latin typeface="Inter" pitchFamily="34" charset="0"/>
+                <a:ea typeface="Inter" pitchFamily="34" charset="-122"/>
+                <a:cs typeface="Inter" pitchFamily="34" charset="-120"/>
+              </a:rPr>
+              <a:t>stages a software product goes through </a:t>
+            </a:r>
+            <a:r>
+              <a:rPr lang="en-US" sz="1750" dirty="0">
+                <a:solidFill>
+                  <a:srgbClr val="272525"/>
+                </a:solidFill>
+                <a:latin typeface="Inter" pitchFamily="34" charset="0"/>
+                <a:ea typeface="Inter" pitchFamily="34" charset="-122"/>
+                <a:cs typeface="Inter" pitchFamily="34" charset="-120"/>
+              </a:rPr>
+              <a:t>from its initial conception to its final retirement. These stages typically include requirements analysis, design, implementation, testing, deployment, and maintenance.</a:t>
             </a:r>
             <a:endParaRPr lang="en-US" sz="1750" dirty="0"/>
           </a:p>
@@ -8465,7 +8828,29 @@
                 <a:ea typeface="Inter" pitchFamily="34" charset="-122"/>
                 <a:cs typeface="Inter" pitchFamily="34" charset="-120"/>
               </a:rPr>
-              <a:t> is the set of activities, methods, and practices used to develop and maintain software. It defines how the software life cycle stages are executed and managed to ensure quality and efficiency.</a:t>
+              <a:t> is the set of activities, methods, and practices used to develop and maintain software. It </a:t>
+            </a:r>
+            <a:r>
+              <a:rPr lang="en-US" sz="1750" dirty="0">
+                <a:solidFill>
+                  <a:srgbClr val="0070C0"/>
+                </a:solidFill>
+                <a:latin typeface="Inter" pitchFamily="34" charset="0"/>
+                <a:ea typeface="Inter" pitchFamily="34" charset="-122"/>
+                <a:cs typeface="Inter" pitchFamily="34" charset="-120"/>
+              </a:rPr>
+              <a:t>defines how the software life cycle stages are executed</a:t>
+            </a:r>
+            <a:r>
+              <a:rPr lang="en-US" sz="1750" dirty="0">
+                <a:solidFill>
+                  <a:srgbClr val="272525"/>
+                </a:solidFill>
+                <a:latin typeface="Inter" pitchFamily="34" charset="0"/>
+                <a:ea typeface="Inter" pitchFamily="34" charset="-122"/>
+                <a:cs typeface="Inter" pitchFamily="34" charset="-120"/>
+              </a:rPr>
+              <a:t> and managed to ensure quality and efficiency.</a:t>
             </a:r>
             <a:endParaRPr lang="en-US" sz="1750" dirty="0"/>
           </a:p>
@@ -8507,12 +8892,34 @@
                 <a:ea typeface="Inter" pitchFamily="34" charset="-122"/>
                 <a:cs typeface="Inter" pitchFamily="34" charset="-120"/>
               </a:rPr>
-              <a:t>While the software life cycle describes </a:t>
+              <a:t>While the </a:t>
+            </a:r>
+            <a:r>
+              <a:rPr lang="en-US" sz="1750" dirty="0">
+                <a:solidFill>
+                  <a:srgbClr val="0070C0"/>
+                </a:solidFill>
+                <a:latin typeface="Inter" pitchFamily="34" charset="0"/>
+                <a:ea typeface="Inter" pitchFamily="34" charset="-122"/>
+                <a:cs typeface="Inter" pitchFamily="34" charset="-120"/>
+              </a:rPr>
+              <a:t>software life cycle </a:t>
+            </a:r>
+            <a:r>
+              <a:rPr lang="en-US" sz="1750" dirty="0">
+                <a:solidFill>
+                  <a:srgbClr val="272525"/>
+                </a:solidFill>
+                <a:latin typeface="Inter" pitchFamily="34" charset="0"/>
+                <a:ea typeface="Inter" pitchFamily="34" charset="-122"/>
+                <a:cs typeface="Inter" pitchFamily="34" charset="-120"/>
+              </a:rPr>
+              <a:t>describes </a:t>
             </a:r>
             <a:r>
               <a:rPr lang="en-US" sz="1750" i="1" dirty="0">
                 <a:solidFill>
-                  <a:srgbClr val="272525"/>
+                  <a:srgbClr val="0070C0"/>
                 </a:solidFill>
                 <a:latin typeface="Inter" pitchFamily="34" charset="0"/>
                 <a:ea typeface="Inter" pitchFamily="34" charset="-122"/>
@@ -8523,18 +8930,51 @@
             <a:r>
               <a:rPr lang="en-US" sz="1750" dirty="0">
                 <a:solidFill>
-                  <a:srgbClr val="272525"/>
-                </a:solidFill>
-                <a:latin typeface="Inter" pitchFamily="34" charset="0"/>
-                <a:ea typeface="Inter" pitchFamily="34" charset="-122"/>
-                <a:cs typeface="Inter" pitchFamily="34" charset="-120"/>
-              </a:rPr>
-              <a:t> phases a software product experiences, the software process specifies </a:t>
+                  <a:srgbClr val="0070C0"/>
+                </a:solidFill>
+                <a:latin typeface="Inter" pitchFamily="34" charset="0"/>
+                <a:ea typeface="Inter" pitchFamily="34" charset="-122"/>
+                <a:cs typeface="Inter" pitchFamily="34" charset="-120"/>
+              </a:rPr>
+              <a:t> phases </a:t>
+            </a:r>
+            <a:r>
+              <a:rPr lang="en-US" sz="1750" dirty="0">
+                <a:solidFill>
+                  <a:srgbClr val="272525"/>
+                </a:solidFill>
+                <a:latin typeface="Inter" pitchFamily="34" charset="0"/>
+                <a:ea typeface="Inter" pitchFamily="34" charset="-122"/>
+                <a:cs typeface="Inter" pitchFamily="34" charset="-120"/>
+              </a:rPr>
+              <a:t>a software product experiences, the </a:t>
+            </a:r>
+            <a:r>
+              <a:rPr lang="en-US" sz="1750" dirty="0">
+                <a:solidFill>
+                  <a:srgbClr val="0070C0"/>
+                </a:solidFill>
+                <a:latin typeface="Inter" pitchFamily="34" charset="0"/>
+                <a:ea typeface="Inter" pitchFamily="34" charset="-122"/>
+                <a:cs typeface="Inter" pitchFamily="34" charset="-120"/>
+              </a:rPr>
+              <a:t>software process </a:t>
+            </a:r>
+            <a:r>
+              <a:rPr lang="en-US" sz="1750" dirty="0">
+                <a:solidFill>
+                  <a:srgbClr val="272525"/>
+                </a:solidFill>
+                <a:latin typeface="Inter" pitchFamily="34" charset="0"/>
+                <a:ea typeface="Inter" pitchFamily="34" charset="-122"/>
+                <a:cs typeface="Inter" pitchFamily="34" charset="-120"/>
+              </a:rPr>
+              <a:t>specifies </a:t>
             </a:r>
             <a:r>
               <a:rPr lang="en-US" sz="1750" i="1" dirty="0">
                 <a:solidFill>
-                  <a:srgbClr val="272525"/>
+                  <a:srgbClr val="0070C0"/>
                 </a:solidFill>
                 <a:latin typeface="Inter" pitchFamily="34" charset="0"/>
                 <a:ea typeface="Inter" pitchFamily="34" charset="-122"/>
@@ -8551,9 +8991,24 @@
                 <a:ea typeface="Inter" pitchFamily="34" charset="-122"/>
                 <a:cs typeface="Inter" pitchFamily="34" charset="-120"/>
               </a:rPr>
-              <a:t> those phases are carried out.</a:t>
-            </a:r>
-            <a:endParaRPr lang="en-US" sz="1750" dirty="0"/>
+              <a:t> those phases are </a:t>
+            </a:r>
+            <a:r>
+              <a:rPr lang="en-US" sz="1750" dirty="0">
+                <a:solidFill>
+                  <a:srgbClr val="0070C0"/>
+                </a:solidFill>
+                <a:latin typeface="Inter" pitchFamily="34" charset="0"/>
+                <a:ea typeface="Inter" pitchFamily="34" charset="-122"/>
+                <a:cs typeface="Inter" pitchFamily="34" charset="-120"/>
+              </a:rPr>
+              <a:t>carried out.</a:t>
+            </a:r>
+            <a:endParaRPr lang="en-US" sz="1750" dirty="0">
+              <a:solidFill>
+                <a:srgbClr val="0070C0"/>
+              </a:solidFill>
+            </a:endParaRPr>
           </a:p>
         </p:txBody>
       </p:sp>
@@ -8660,7 +9115,29 @@
                 <a:ea typeface="Inter" pitchFamily="34" charset="-122"/>
                 <a:cs typeface="Inter" pitchFamily="34" charset="-120"/>
               </a:rPr>
-              <a:t>Def: In software terms the model is the abstract representation of the software production process, the series of changes through which a software product evolves from initial idea to the system in use.</a:t>
+              <a:t>Def: In software terms the model is the abstract representation of the </a:t>
+            </a:r>
+            <a:r>
+              <a:rPr lang="en-US" sz="1750" dirty="0">
+                <a:solidFill>
+                  <a:srgbClr val="0070C0"/>
+                </a:solidFill>
+                <a:latin typeface="Inter" pitchFamily="34" charset="0"/>
+                <a:ea typeface="Inter" pitchFamily="34" charset="-122"/>
+                <a:cs typeface="Inter" pitchFamily="34" charset="-120"/>
+              </a:rPr>
+              <a:t>software production process</a:t>
+            </a:r>
+            <a:r>
+              <a:rPr lang="en-US" sz="1750" dirty="0">
+                <a:solidFill>
+                  <a:srgbClr val="272525"/>
+                </a:solidFill>
+                <a:latin typeface="Inter" pitchFamily="34" charset="0"/>
+                <a:ea typeface="Inter" pitchFamily="34" charset="-122"/>
+                <a:cs typeface="Inter" pitchFamily="34" charset="-120"/>
+              </a:rPr>
+              <a:t>, the series of changes through which a software product evolves from initial idea to the system in use.</a:t>
             </a:r>
             <a:endParaRPr lang="en-US" sz="1750" dirty="0"/>
           </a:p>
@@ -8822,7 +9299,29 @@
                 <a:ea typeface="Inter" pitchFamily="34" charset="-122"/>
                 <a:cs typeface="Inter" pitchFamily="34" charset="-120"/>
               </a:rPr>
-              <a:t>Software Maintenance Life Cycle (SMLC)</a:t>
+              <a:t>Software Maintenance Life Cycle (</a:t>
+            </a:r>
+            <a:r>
+              <a:rPr lang="en-US" sz="1250" b="1" dirty="0">
+                <a:solidFill>
+                  <a:srgbClr val="0070C0"/>
+                </a:solidFill>
+                <a:latin typeface="Inter" pitchFamily="34" charset="0"/>
+                <a:ea typeface="Inter" pitchFamily="34" charset="-122"/>
+                <a:cs typeface="Inter" pitchFamily="34" charset="-120"/>
+              </a:rPr>
+              <a:t>SMLC</a:t>
+            </a:r>
+            <a:r>
+              <a:rPr lang="en-US" sz="1250" b="1" dirty="0">
+                <a:solidFill>
+                  <a:srgbClr val="272525"/>
+                </a:solidFill>
+                <a:latin typeface="Inter" pitchFamily="34" charset="0"/>
+                <a:ea typeface="Inter" pitchFamily="34" charset="-122"/>
+                <a:cs typeface="Inter" pitchFamily="34" charset="-120"/>
+              </a:rPr>
+              <a:t>)</a:t>
             </a:r>
             <a:r>
               <a:rPr lang="en-US" sz="1250" dirty="0">
@@ -9474,8 +9973,8 @@
         </p:blipFill>
         <p:spPr>
           <a:xfrm>
-            <a:off x="10138410" y="2712720"/>
-            <a:ext cx="3497580" cy="2804160"/>
+            <a:off x="9790560" y="2229493"/>
+            <a:ext cx="4369412" cy="3503145"/>
           </a:xfrm>
           <a:prstGeom prst="rect">
             <a:avLst/>
@@ -9533,7 +10032,7 @@
         <p:spPr>
           <a:xfrm>
             <a:off x="793790" y="3550563"/>
-            <a:ext cx="7556421" cy="2177415"/>
+            <a:ext cx="7556421" cy="3456412"/>
           </a:xfrm>
           <a:prstGeom prst="rect">
             <a:avLst/>
@@ -9560,7 +10059,218 @@
                 <a:ea typeface="Inter" pitchFamily="34" charset="-122"/>
                 <a:cs typeface="Inter" pitchFamily="34" charset="-120"/>
               </a:rPr>
-              <a:t>This is an ad hoc approach used for maintaining the software system. The objective of this model is to identify the problem and then fix it as quickly as possible. The advantage is that it performs its work quickly and at a low cost. This model is an approach to modify the software code with little consideration for its impact on the overall structure of the software system.</a:t>
+              <a:t>This is an </a:t>
+            </a:r>
+            <a:r>
+              <a:rPr lang="en-US" sz="1750" dirty="0">
+                <a:solidFill>
+                  <a:srgbClr val="0070C0"/>
+                </a:solidFill>
+                <a:latin typeface="Inter" pitchFamily="34" charset="0"/>
+                <a:ea typeface="Inter" pitchFamily="34" charset="-122"/>
+                <a:cs typeface="Inter" pitchFamily="34" charset="-120"/>
+              </a:rPr>
+              <a:t>ad hoc approach </a:t>
+            </a:r>
+            <a:r>
+              <a:rPr lang="en-US" sz="1750" dirty="0">
+                <a:solidFill>
+                  <a:srgbClr val="272525"/>
+                </a:solidFill>
+                <a:latin typeface="Inter" pitchFamily="34" charset="0"/>
+                <a:ea typeface="Inter" pitchFamily="34" charset="-122"/>
+                <a:cs typeface="Inter" pitchFamily="34" charset="-120"/>
+              </a:rPr>
+              <a:t>used for maintaining the software system. The objective of this model is to </a:t>
+            </a:r>
+            <a:r>
+              <a:rPr lang="en-US" sz="1750" dirty="0">
+                <a:solidFill>
+                  <a:srgbClr val="0070C0"/>
+                </a:solidFill>
+                <a:latin typeface="Inter" pitchFamily="34" charset="0"/>
+                <a:ea typeface="Inter" pitchFamily="34" charset="-122"/>
+                <a:cs typeface="Inter" pitchFamily="34" charset="-120"/>
+              </a:rPr>
+              <a:t>identify the problem </a:t>
+            </a:r>
+            <a:r>
+              <a:rPr lang="en-US" sz="1750" dirty="0">
+                <a:solidFill>
+                  <a:srgbClr val="272525"/>
+                </a:solidFill>
+                <a:latin typeface="Inter" pitchFamily="34" charset="0"/>
+                <a:ea typeface="Inter" pitchFamily="34" charset="-122"/>
+                <a:cs typeface="Inter" pitchFamily="34" charset="-120"/>
+              </a:rPr>
+              <a:t>and then fix it as </a:t>
+            </a:r>
+            <a:r>
+              <a:rPr lang="en-US" sz="1750" dirty="0">
+                <a:solidFill>
+                  <a:srgbClr val="0070C0"/>
+                </a:solidFill>
+                <a:latin typeface="Inter" pitchFamily="34" charset="0"/>
+                <a:ea typeface="Inter" pitchFamily="34" charset="-122"/>
+                <a:cs typeface="Inter" pitchFamily="34" charset="-120"/>
+              </a:rPr>
+              <a:t>quickly as possible</a:t>
+            </a:r>
+            <a:r>
+              <a:rPr lang="en-US" sz="1750" dirty="0">
+                <a:solidFill>
+                  <a:srgbClr val="272525"/>
+                </a:solidFill>
+                <a:latin typeface="Inter" pitchFamily="34" charset="0"/>
+                <a:ea typeface="Inter" pitchFamily="34" charset="-122"/>
+                <a:cs typeface="Inter" pitchFamily="34" charset="-120"/>
+              </a:rPr>
+              <a:t>. </a:t>
+            </a:r>
+          </a:p>
+          <a:p>
+            <a:pPr marL="0" indent="0" algn="l">
+              <a:lnSpc>
+                <a:spcPts val="2850"/>
+              </a:lnSpc>
+              <a:buNone/>
+            </a:pPr>
+            <a:endParaRPr lang="en-US" sz="1750" dirty="0">
+              <a:solidFill>
+                <a:srgbClr val="272525"/>
+              </a:solidFill>
+              <a:latin typeface="Inter" pitchFamily="34" charset="0"/>
+              <a:ea typeface="Inter" pitchFamily="34" charset="-122"/>
+              <a:cs typeface="Inter" pitchFamily="34" charset="-120"/>
+            </a:endParaRPr>
+          </a:p>
+          <a:p>
+            <a:pPr marL="0" indent="0" algn="l">
+              <a:lnSpc>
+                <a:spcPts val="2850"/>
+              </a:lnSpc>
+              <a:buNone/>
+            </a:pPr>
+            <a:r>
+              <a:rPr lang="en-US" sz="1750" dirty="0">
+                <a:solidFill>
+                  <a:srgbClr val="272525"/>
+                </a:solidFill>
+                <a:latin typeface="Inter" pitchFamily="34" charset="0"/>
+                <a:ea typeface="Inter" pitchFamily="34" charset="-122"/>
+                <a:cs typeface="Inter" pitchFamily="34" charset="-120"/>
+              </a:rPr>
+              <a:t>The advantage is that it performs its work </a:t>
+            </a:r>
+            <a:r>
+              <a:rPr lang="en-US" sz="1750" dirty="0">
+                <a:solidFill>
+                  <a:srgbClr val="0070C0"/>
+                </a:solidFill>
+                <a:latin typeface="Inter" pitchFamily="34" charset="0"/>
+                <a:ea typeface="Inter" pitchFamily="34" charset="-122"/>
+                <a:cs typeface="Inter" pitchFamily="34" charset="-120"/>
+              </a:rPr>
+              <a:t>quickly</a:t>
+            </a:r>
+            <a:r>
+              <a:rPr lang="en-US" sz="1750" dirty="0">
+                <a:solidFill>
+                  <a:srgbClr val="272525"/>
+                </a:solidFill>
+                <a:latin typeface="Inter" pitchFamily="34" charset="0"/>
+                <a:ea typeface="Inter" pitchFamily="34" charset="-122"/>
+                <a:cs typeface="Inter" pitchFamily="34" charset="-120"/>
+              </a:rPr>
+              <a:t> and at a </a:t>
+            </a:r>
+            <a:r>
+              <a:rPr lang="en-US" sz="1750" dirty="0">
+                <a:solidFill>
+                  <a:srgbClr val="0070C0"/>
+                </a:solidFill>
+                <a:latin typeface="Inter" pitchFamily="34" charset="0"/>
+                <a:ea typeface="Inter" pitchFamily="34" charset="-122"/>
+                <a:cs typeface="Inter" pitchFamily="34" charset="-120"/>
+              </a:rPr>
+              <a:t>low cost</a:t>
+            </a:r>
+            <a:r>
+              <a:rPr lang="en-US" sz="1750" dirty="0">
+                <a:solidFill>
+                  <a:srgbClr val="272525"/>
+                </a:solidFill>
+                <a:latin typeface="Inter" pitchFamily="34" charset="0"/>
+                <a:ea typeface="Inter" pitchFamily="34" charset="-122"/>
+                <a:cs typeface="Inter" pitchFamily="34" charset="-120"/>
+              </a:rPr>
+              <a:t>. This model is an approach to modify the software code with </a:t>
+            </a:r>
+            <a:r>
+              <a:rPr lang="en-US" sz="1750" dirty="0">
+                <a:solidFill>
+                  <a:srgbClr val="0070C0"/>
+                </a:solidFill>
+                <a:latin typeface="Inter" pitchFamily="34" charset="0"/>
+                <a:ea typeface="Inter" pitchFamily="34" charset="-122"/>
+                <a:cs typeface="Inter" pitchFamily="34" charset="-120"/>
+              </a:rPr>
+              <a:t>little consideration </a:t>
+            </a:r>
+            <a:r>
+              <a:rPr lang="en-US" sz="1750" dirty="0">
+                <a:solidFill>
+                  <a:srgbClr val="272525"/>
+                </a:solidFill>
+                <a:latin typeface="Inter" pitchFamily="34" charset="0"/>
+                <a:ea typeface="Inter" pitchFamily="34" charset="-122"/>
+                <a:cs typeface="Inter" pitchFamily="34" charset="-120"/>
+              </a:rPr>
+              <a:t>for its </a:t>
+            </a:r>
+            <a:r>
+              <a:rPr lang="en-US" sz="1750" dirty="0">
+                <a:solidFill>
+                  <a:srgbClr val="0070C0"/>
+                </a:solidFill>
+                <a:latin typeface="Inter" pitchFamily="34" charset="0"/>
+                <a:ea typeface="Inter" pitchFamily="34" charset="-122"/>
+                <a:cs typeface="Inter" pitchFamily="34" charset="-120"/>
+              </a:rPr>
+              <a:t>impact</a:t>
+            </a:r>
+            <a:r>
+              <a:rPr lang="en-US" sz="1750" dirty="0">
+                <a:solidFill>
+                  <a:srgbClr val="272525"/>
+                </a:solidFill>
+                <a:latin typeface="Inter" pitchFamily="34" charset="0"/>
+                <a:ea typeface="Inter" pitchFamily="34" charset="-122"/>
+                <a:cs typeface="Inter" pitchFamily="34" charset="-120"/>
+              </a:rPr>
+              <a:t> on the </a:t>
+            </a:r>
+            <a:r>
+              <a:rPr lang="en-US" sz="1750" dirty="0">
+                <a:solidFill>
+                  <a:srgbClr val="0070C0"/>
+                </a:solidFill>
+                <a:latin typeface="Inter" pitchFamily="34" charset="0"/>
+                <a:ea typeface="Inter" pitchFamily="34" charset="-122"/>
+                <a:cs typeface="Inter" pitchFamily="34" charset="-120"/>
+              </a:rPr>
+              <a:t>overall structure of the software system</a:t>
+            </a:r>
+            <a:r>
+              <a:rPr lang="en-US" sz="1750" dirty="0">
+                <a:solidFill>
+                  <a:srgbClr val="272525"/>
+                </a:solidFill>
+                <a:latin typeface="Inter" pitchFamily="34" charset="0"/>
+                <a:ea typeface="Inter" pitchFamily="34" charset="-122"/>
+                <a:cs typeface="Inter" pitchFamily="34" charset="-120"/>
+              </a:rPr>
+              <a:t>.</a:t>
             </a:r>
             <a:endParaRPr lang="en-US" sz="1750" dirty="0"/>
           </a:p>
@@ -9631,8 +10341,8 @@
         </p:blipFill>
         <p:spPr>
           <a:xfrm>
-            <a:off x="10138410" y="3021330"/>
-            <a:ext cx="3497580" cy="2186940"/>
+            <a:off x="9159876" y="2187095"/>
+            <a:ext cx="5470524" cy="3420567"/>
           </a:xfrm>
           <a:prstGeom prst="rect">
             <a:avLst/>
@@ -9647,8 +10357,8 @@
         </p:nvSpPr>
         <p:spPr>
           <a:xfrm>
-            <a:off x="793790" y="1086922"/>
-            <a:ext cx="7556421" cy="1417558"/>
+            <a:off x="793790" y="820190"/>
+            <a:ext cx="7867325" cy="1417558"/>
           </a:xfrm>
           <a:prstGeom prst="rect">
             <a:avLst/>
@@ -9689,8 +10399,8 @@
         </p:nvSpPr>
         <p:spPr>
           <a:xfrm>
-            <a:off x="793790" y="2844641"/>
-            <a:ext cx="7556421" cy="2177415"/>
+            <a:off x="865709" y="2187095"/>
+            <a:ext cx="7556421" cy="2744501"/>
           </a:xfrm>
           <a:prstGeom prst="rect">
             <a:avLst/>
@@ -9717,32 +10427,53 @@
                 <a:ea typeface="Inter" pitchFamily="34" charset="-122"/>
                 <a:cs typeface="Inter" pitchFamily="34" charset="-120"/>
               </a:rPr>
-              <a:t>Iterative enhancement model considers the changes made to the system are iterative in nature. This model incorporates changes in the software based on the analysis of the existing system. It assumes complete documentation of the software is available in the beginning. Moreover, it attempts to control complexity and tries to maintain good design.</a:t>
-            </a:r>
-            <a:endParaRPr lang="en-US" sz="1750" dirty="0"/>
-          </a:p>
-        </p:txBody>
-      </p:sp>
-      <p:sp>
-        <p:nvSpPr>
-          <p:cNvPr id="6" name="Text 2"/>
-          <p:cNvSpPr/>
-          <p:nvPr/>
-        </p:nvSpPr>
-        <p:spPr>
-          <a:xfrm>
-            <a:off x="793790" y="5277207"/>
-            <a:ext cx="7556421" cy="362903"/>
-          </a:xfrm>
-          <a:prstGeom prst="rect">
-            <a:avLst/>
-          </a:prstGeom>
-          <a:noFill/>
-          <a:ln/>
-        </p:spPr>
-        <p:txBody>
-          <a:bodyPr wrap="none" lIns="0" tIns="0" rIns="0" bIns="0" rtlCol="0" anchor="t"/>
-          <a:lstStyle/>
+              <a:t>Iterative enhancement model considers the </a:t>
+            </a:r>
+            <a:r>
+              <a:rPr lang="en-US" sz="1750" dirty="0">
+                <a:solidFill>
+                  <a:srgbClr val="0070C0"/>
+                </a:solidFill>
+                <a:latin typeface="Inter" pitchFamily="34" charset="0"/>
+                <a:ea typeface="Inter" pitchFamily="34" charset="-122"/>
+                <a:cs typeface="Inter" pitchFamily="34" charset="-120"/>
+              </a:rPr>
+              <a:t>changes</a:t>
+            </a:r>
+            <a:r>
+              <a:rPr lang="en-US" sz="1750" dirty="0">
+                <a:solidFill>
+                  <a:srgbClr val="272525"/>
+                </a:solidFill>
+                <a:latin typeface="Inter" pitchFamily="34" charset="0"/>
+                <a:ea typeface="Inter" pitchFamily="34" charset="-122"/>
+                <a:cs typeface="Inter" pitchFamily="34" charset="-120"/>
+              </a:rPr>
+              <a:t> made to the system are </a:t>
+            </a:r>
+            <a:r>
+              <a:rPr lang="en-US" sz="1750" dirty="0">
+                <a:solidFill>
+                  <a:srgbClr val="0070C0"/>
+                </a:solidFill>
+                <a:latin typeface="Inter" pitchFamily="34" charset="0"/>
+                <a:ea typeface="Inter" pitchFamily="34" charset="-122"/>
+                <a:cs typeface="Inter" pitchFamily="34" charset="-120"/>
+              </a:rPr>
+              <a:t>iterative</a:t>
+            </a:r>
+            <a:r>
+              <a:rPr lang="en-US" sz="1750" dirty="0">
+                <a:solidFill>
+                  <a:srgbClr val="272525"/>
+                </a:solidFill>
+                <a:latin typeface="Inter" pitchFamily="34" charset="0"/>
+                <a:ea typeface="Inter" pitchFamily="34" charset="-122"/>
+                <a:cs typeface="Inter" pitchFamily="34" charset="-120"/>
+              </a:rPr>
+              <a:t> in nature. This model incorporates changes in the software based on the analysis of the existing system. </a:t>
+            </a:r>
+          </a:p>
           <a:p>
             <a:pPr marL="0" indent="0" algn="l">
               <a:lnSpc>
@@ -9750,16 +10481,184 @@
               </a:lnSpc>
               <a:buNone/>
             </a:pPr>
-            <a:r>
-              <a:rPr lang="en-US" sz="1750" dirty="0">
-                <a:solidFill>
-                  <a:srgbClr val="272525"/>
-                </a:solidFill>
-                <a:latin typeface="Inter" pitchFamily="34" charset="0"/>
-                <a:ea typeface="Inter" pitchFamily="34" charset="-122"/>
-                <a:cs typeface="Inter" pitchFamily="34" charset="-120"/>
-              </a:rPr>
-              <a:t>Iterative Enhancement Model is divided into three stages:</a:t>
+            <a:endParaRPr lang="en-US" sz="1750" dirty="0">
+              <a:solidFill>
+                <a:srgbClr val="272525"/>
+              </a:solidFill>
+              <a:latin typeface="Inter" pitchFamily="34" charset="0"/>
+              <a:ea typeface="Inter" pitchFamily="34" charset="-122"/>
+              <a:cs typeface="Inter" pitchFamily="34" charset="-120"/>
+            </a:endParaRPr>
+          </a:p>
+          <a:p>
+            <a:pPr marL="0" indent="0" algn="l">
+              <a:lnSpc>
+                <a:spcPts val="2850"/>
+              </a:lnSpc>
+              <a:buNone/>
+            </a:pPr>
+            <a:r>
+              <a:rPr lang="en-US" sz="1750" dirty="0">
+                <a:solidFill>
+                  <a:srgbClr val="272525"/>
+                </a:solidFill>
+                <a:latin typeface="Inter" pitchFamily="34" charset="0"/>
+                <a:ea typeface="Inter" pitchFamily="34" charset="-122"/>
+                <a:cs typeface="Inter" pitchFamily="34" charset="-120"/>
+              </a:rPr>
+              <a:t>It assumes complete </a:t>
+            </a:r>
+            <a:r>
+              <a:rPr lang="en-US" sz="1750" dirty="0">
+                <a:solidFill>
+                  <a:srgbClr val="0070C0"/>
+                </a:solidFill>
+                <a:latin typeface="Inter" pitchFamily="34" charset="0"/>
+                <a:ea typeface="Inter" pitchFamily="34" charset="-122"/>
+                <a:cs typeface="Inter" pitchFamily="34" charset="-120"/>
+              </a:rPr>
+              <a:t>documentation</a:t>
+            </a:r>
+            <a:r>
+              <a:rPr lang="en-US" sz="1750" dirty="0">
+                <a:solidFill>
+                  <a:srgbClr val="272525"/>
+                </a:solidFill>
+                <a:latin typeface="Inter" pitchFamily="34" charset="0"/>
+                <a:ea typeface="Inter" pitchFamily="34" charset="-122"/>
+                <a:cs typeface="Inter" pitchFamily="34" charset="-120"/>
+              </a:rPr>
+              <a:t> of the software is </a:t>
+            </a:r>
+            <a:r>
+              <a:rPr lang="en-US" sz="1750" dirty="0">
+                <a:solidFill>
+                  <a:srgbClr val="0070C0"/>
+                </a:solidFill>
+                <a:latin typeface="Inter" pitchFamily="34" charset="0"/>
+                <a:ea typeface="Inter" pitchFamily="34" charset="-122"/>
+                <a:cs typeface="Inter" pitchFamily="34" charset="-120"/>
+              </a:rPr>
+              <a:t>available in the beginning</a:t>
+            </a:r>
+            <a:r>
+              <a:rPr lang="en-US" sz="1750" dirty="0">
+                <a:solidFill>
+                  <a:srgbClr val="272525"/>
+                </a:solidFill>
+                <a:latin typeface="Inter" pitchFamily="34" charset="0"/>
+                <a:ea typeface="Inter" pitchFamily="34" charset="-122"/>
+                <a:cs typeface="Inter" pitchFamily="34" charset="-120"/>
+              </a:rPr>
+              <a:t>. Moreover, it attempts to </a:t>
+            </a:r>
+            <a:r>
+              <a:rPr lang="en-US" sz="1750" dirty="0">
+                <a:solidFill>
+                  <a:srgbClr val="0070C0"/>
+                </a:solidFill>
+                <a:latin typeface="Inter" pitchFamily="34" charset="0"/>
+                <a:ea typeface="Inter" pitchFamily="34" charset="-122"/>
+                <a:cs typeface="Inter" pitchFamily="34" charset="-120"/>
+              </a:rPr>
+              <a:t>control complexity </a:t>
+            </a:r>
+            <a:r>
+              <a:rPr lang="en-US" sz="1750" dirty="0">
+                <a:solidFill>
+                  <a:srgbClr val="272525"/>
+                </a:solidFill>
+                <a:latin typeface="Inter" pitchFamily="34" charset="0"/>
+                <a:ea typeface="Inter" pitchFamily="34" charset="-122"/>
+                <a:cs typeface="Inter" pitchFamily="34" charset="-120"/>
+              </a:rPr>
+              <a:t>and tries to </a:t>
+            </a:r>
+            <a:r>
+              <a:rPr lang="en-US" sz="1750" dirty="0">
+                <a:solidFill>
+                  <a:srgbClr val="0070C0"/>
+                </a:solidFill>
+                <a:latin typeface="Inter" pitchFamily="34" charset="0"/>
+                <a:ea typeface="Inter" pitchFamily="34" charset="-122"/>
+                <a:cs typeface="Inter" pitchFamily="34" charset="-120"/>
+              </a:rPr>
+              <a:t>maintain good design</a:t>
+            </a:r>
+            <a:r>
+              <a:rPr lang="en-US" sz="1750" dirty="0">
+                <a:solidFill>
+                  <a:srgbClr val="272525"/>
+                </a:solidFill>
+                <a:latin typeface="Inter" pitchFamily="34" charset="0"/>
+                <a:ea typeface="Inter" pitchFamily="34" charset="-122"/>
+                <a:cs typeface="Inter" pitchFamily="34" charset="-120"/>
+              </a:rPr>
+              <a:t>.</a:t>
+            </a:r>
+            <a:endParaRPr lang="en-US" sz="1750" dirty="0"/>
+          </a:p>
+        </p:txBody>
+      </p:sp>
+      <p:sp>
+        <p:nvSpPr>
+          <p:cNvPr id="6" name="Text 2"/>
+          <p:cNvSpPr/>
+          <p:nvPr/>
+        </p:nvSpPr>
+        <p:spPr>
+          <a:xfrm>
+            <a:off x="793790" y="5277207"/>
+            <a:ext cx="7556421" cy="362903"/>
+          </a:xfrm>
+          <a:prstGeom prst="rect">
+            <a:avLst/>
+          </a:prstGeom>
+          <a:noFill/>
+          <a:ln/>
+        </p:spPr>
+        <p:txBody>
+          <a:bodyPr wrap="none" lIns="0" tIns="0" rIns="0" bIns="0" rtlCol="0" anchor="t"/>
+          <a:lstStyle/>
+          <a:p>
+            <a:pPr marL="0" indent="0" algn="l">
+              <a:lnSpc>
+                <a:spcPts val="2850"/>
+              </a:lnSpc>
+              <a:buNone/>
+            </a:pPr>
+            <a:r>
+              <a:rPr lang="en-US" sz="1750" dirty="0">
+                <a:solidFill>
+                  <a:srgbClr val="272525"/>
+                </a:solidFill>
+                <a:latin typeface="Inter" pitchFamily="34" charset="0"/>
+                <a:ea typeface="Inter" pitchFamily="34" charset="-122"/>
+                <a:cs typeface="Inter" pitchFamily="34" charset="-120"/>
+              </a:rPr>
+              <a:t>Iterative Enhancement Model is divided into </a:t>
+            </a:r>
+            <a:r>
+              <a:rPr lang="en-US" sz="1750" dirty="0">
+                <a:solidFill>
+                  <a:srgbClr val="0070C0"/>
+                </a:solidFill>
+                <a:latin typeface="Inter" pitchFamily="34" charset="0"/>
+                <a:ea typeface="Inter" pitchFamily="34" charset="-122"/>
+                <a:cs typeface="Inter" pitchFamily="34" charset="-120"/>
+              </a:rPr>
+              <a:t>three stages</a:t>
+            </a:r>
+            <a:r>
+              <a:rPr lang="en-US" sz="1750" dirty="0">
+                <a:solidFill>
+                  <a:srgbClr val="272525"/>
+                </a:solidFill>
+                <a:latin typeface="Inter" pitchFamily="34" charset="0"/>
+                <a:ea typeface="Inter" pitchFamily="34" charset="-122"/>
+                <a:cs typeface="Inter" pitchFamily="34" charset="-120"/>
+              </a:rPr>
+              <a:t>:</a:t>
             </a:r>
             <a:endParaRPr lang="en-US" sz="1750" dirty="0"/>
           </a:p>
@@ -9797,13 +10696,46 @@
             <a:r>
               <a:rPr lang="en-US" sz="1750" dirty="0">
                 <a:solidFill>
-                  <a:srgbClr val="272525"/>
-                </a:solidFill>
-                <a:latin typeface="Inter" pitchFamily="34" charset="0"/>
-                <a:ea typeface="Inter" pitchFamily="34" charset="-122"/>
-                <a:cs typeface="Inter" pitchFamily="34" charset="-120"/>
-              </a:rPr>
-              <a:t>Analysis of software system.</a:t>
+                  <a:srgbClr val="0070C0"/>
+                </a:solidFill>
+                <a:latin typeface="Inter" pitchFamily="34" charset="0"/>
+                <a:ea typeface="Inter" pitchFamily="34" charset="-122"/>
+                <a:cs typeface="Inter" pitchFamily="34" charset="-120"/>
+              </a:rPr>
+              <a:t>Analysis</a:t>
+            </a:r>
+            <a:r>
+              <a:rPr lang="en-US" sz="1750" dirty="0">
+                <a:solidFill>
+                  <a:srgbClr val="272525"/>
+                </a:solidFill>
+                <a:latin typeface="Inter" pitchFamily="34" charset="0"/>
+                <a:ea typeface="Inter" pitchFamily="34" charset="-122"/>
+                <a:cs typeface="Inter" pitchFamily="34" charset="-120"/>
+              </a:rPr>
+              <a:t> of software </a:t>
+            </a:r>
+            <a:r>
+              <a:rPr lang="en-US" sz="1750" dirty="0">
+                <a:solidFill>
+                  <a:srgbClr val="0070C0"/>
+                </a:solidFill>
+                <a:latin typeface="Inter" pitchFamily="34" charset="0"/>
+                <a:ea typeface="Inter" pitchFamily="34" charset="-122"/>
+                <a:cs typeface="Inter" pitchFamily="34" charset="-120"/>
+              </a:rPr>
+              <a:t>system</a:t>
+            </a:r>
+            <a:r>
+              <a:rPr lang="en-US" sz="1750" dirty="0">
+                <a:solidFill>
+                  <a:srgbClr val="272525"/>
+                </a:solidFill>
+                <a:latin typeface="Inter" pitchFamily="34" charset="0"/>
+                <a:ea typeface="Inter" pitchFamily="34" charset="-122"/>
+                <a:cs typeface="Inter" pitchFamily="34" charset="-120"/>
+              </a:rPr>
+              <a:t>.</a:t>
             </a:r>
             <a:endParaRPr lang="en-US" sz="1750" dirty="0"/>
           </a:p>
@@ -9841,13 +10773,46 @@
             <a:r>
               <a:rPr lang="en-US" sz="1750" dirty="0">
                 <a:solidFill>
-                  <a:srgbClr val="272525"/>
-                </a:solidFill>
-                <a:latin typeface="Inter" pitchFamily="34" charset="0"/>
-                <a:ea typeface="Inter" pitchFamily="34" charset="-122"/>
-                <a:cs typeface="Inter" pitchFamily="34" charset="-120"/>
-              </a:rPr>
-              <a:t>Classification of requested modifications.</a:t>
+                  <a:srgbClr val="0070C0"/>
+                </a:solidFill>
+                <a:latin typeface="Inter" pitchFamily="34" charset="0"/>
+                <a:ea typeface="Inter" pitchFamily="34" charset="-122"/>
+                <a:cs typeface="Inter" pitchFamily="34" charset="-120"/>
+              </a:rPr>
+              <a:t>Classification</a:t>
+            </a:r>
+            <a:r>
+              <a:rPr lang="en-US" sz="1750" dirty="0">
+                <a:solidFill>
+                  <a:srgbClr val="272525"/>
+                </a:solidFill>
+                <a:latin typeface="Inter" pitchFamily="34" charset="0"/>
+                <a:ea typeface="Inter" pitchFamily="34" charset="-122"/>
+                <a:cs typeface="Inter" pitchFamily="34" charset="-120"/>
+              </a:rPr>
+              <a:t> of requested </a:t>
+            </a:r>
+            <a:r>
+              <a:rPr lang="en-US" sz="1750" dirty="0">
+                <a:solidFill>
+                  <a:srgbClr val="0070C0"/>
+                </a:solidFill>
+                <a:latin typeface="Inter" pitchFamily="34" charset="0"/>
+                <a:ea typeface="Inter" pitchFamily="34" charset="-122"/>
+                <a:cs typeface="Inter" pitchFamily="34" charset="-120"/>
+              </a:rPr>
+              <a:t>modifications</a:t>
+            </a:r>
+            <a:r>
+              <a:rPr lang="en-US" sz="1750" dirty="0">
+                <a:solidFill>
+                  <a:srgbClr val="272525"/>
+                </a:solidFill>
+                <a:latin typeface="Inter" pitchFamily="34" charset="0"/>
+                <a:ea typeface="Inter" pitchFamily="34" charset="-122"/>
+                <a:cs typeface="Inter" pitchFamily="34" charset="-120"/>
+              </a:rPr>
+              <a:t>.</a:t>
             </a:r>
             <a:endParaRPr lang="en-US" sz="1750" dirty="0"/>
           </a:p>
@@ -9885,13 +10850,46 @@
             <a:r>
               <a:rPr lang="en-US" sz="1750" dirty="0">
                 <a:solidFill>
-                  <a:srgbClr val="272525"/>
-                </a:solidFill>
-                <a:latin typeface="Inter" pitchFamily="34" charset="0"/>
-                <a:ea typeface="Inter" pitchFamily="34" charset="-122"/>
-                <a:cs typeface="Inter" pitchFamily="34" charset="-120"/>
-              </a:rPr>
-              <a:t>Implementation of requested modifications.</a:t>
+                  <a:srgbClr val="0070C0"/>
+                </a:solidFill>
+                <a:latin typeface="Inter" pitchFamily="34" charset="0"/>
+                <a:ea typeface="Inter" pitchFamily="34" charset="-122"/>
+                <a:cs typeface="Inter" pitchFamily="34" charset="-120"/>
+              </a:rPr>
+              <a:t>Implementation</a:t>
+            </a:r>
+            <a:r>
+              <a:rPr lang="en-US" sz="1750" dirty="0">
+                <a:solidFill>
+                  <a:srgbClr val="272525"/>
+                </a:solidFill>
+                <a:latin typeface="Inter" pitchFamily="34" charset="0"/>
+                <a:ea typeface="Inter" pitchFamily="34" charset="-122"/>
+                <a:cs typeface="Inter" pitchFamily="34" charset="-120"/>
+              </a:rPr>
+              <a:t> of </a:t>
+            </a:r>
+            <a:r>
+              <a:rPr lang="en-US" sz="1750" dirty="0">
+                <a:solidFill>
+                  <a:srgbClr val="0070C0"/>
+                </a:solidFill>
+                <a:latin typeface="Inter" pitchFamily="34" charset="0"/>
+                <a:ea typeface="Inter" pitchFamily="34" charset="-122"/>
+                <a:cs typeface="Inter" pitchFamily="34" charset="-120"/>
+              </a:rPr>
+              <a:t>requested modifications</a:t>
+            </a:r>
+            <a:r>
+              <a:rPr lang="en-US" sz="1750" dirty="0">
+                <a:solidFill>
+                  <a:srgbClr val="272525"/>
+                </a:solidFill>
+                <a:latin typeface="Inter" pitchFamily="34" charset="0"/>
+                <a:ea typeface="Inter" pitchFamily="34" charset="-122"/>
+                <a:cs typeface="Inter" pitchFamily="34" charset="-120"/>
+              </a:rPr>
+              <a:t>.</a:t>
             </a:r>
             <a:endParaRPr lang="en-US" sz="1750" dirty="0"/>
           </a:p>
@@ -9962,8 +10960,8 @@
         </p:blipFill>
         <p:spPr>
           <a:xfrm>
-            <a:off x="10138410" y="2910840"/>
-            <a:ext cx="3497580" cy="2407920"/>
+            <a:off x="9063841" y="1815856"/>
+            <a:ext cx="5566559" cy="3832315"/>
           </a:xfrm>
           <a:prstGeom prst="rect">
             <a:avLst/>
@@ -10021,7 +11019,7 @@
         <p:spPr>
           <a:xfrm>
             <a:off x="793790" y="3732014"/>
-            <a:ext cx="7556421" cy="1814513"/>
+            <a:ext cx="7826228" cy="3295510"/>
           </a:xfrm>
           <a:prstGeom prst="rect">
             <a:avLst/>
@@ -10048,7 +11046,209 @@
                 <a:ea typeface="Inter" pitchFamily="34" charset="-122"/>
                 <a:cs typeface="Inter" pitchFamily="34" charset="-120"/>
               </a:rPr>
-              <a:t>The parts of the old/existing system that are appropriate for reuse are identified and understood, in Reuse Oriented Model. These parts are then go through modification and enhancement, which are done on the basis of the specified new requirements. The final step of this model is the integration of modified parts into the new system.</a:t>
+              <a:t>The parts of the </a:t>
+            </a:r>
+            <a:r>
+              <a:rPr lang="en-US" sz="1750" dirty="0">
+                <a:solidFill>
+                  <a:srgbClr val="0070C0"/>
+                </a:solidFill>
+                <a:latin typeface="Inter" pitchFamily="34" charset="0"/>
+                <a:ea typeface="Inter" pitchFamily="34" charset="-122"/>
+                <a:cs typeface="Inter" pitchFamily="34" charset="-120"/>
+              </a:rPr>
+              <a:t>old/existing system </a:t>
+            </a:r>
+            <a:r>
+              <a:rPr lang="en-US" sz="1750" dirty="0">
+                <a:solidFill>
+                  <a:srgbClr val="272525"/>
+                </a:solidFill>
+                <a:latin typeface="Inter" pitchFamily="34" charset="0"/>
+                <a:ea typeface="Inter" pitchFamily="34" charset="-122"/>
+                <a:cs typeface="Inter" pitchFamily="34" charset="-120"/>
+              </a:rPr>
+              <a:t>that are </a:t>
+            </a:r>
+            <a:r>
+              <a:rPr lang="en-US" sz="1750" dirty="0">
+                <a:solidFill>
+                  <a:srgbClr val="0070C0"/>
+                </a:solidFill>
+                <a:latin typeface="Inter" pitchFamily="34" charset="0"/>
+                <a:ea typeface="Inter" pitchFamily="34" charset="-122"/>
+                <a:cs typeface="Inter" pitchFamily="34" charset="-120"/>
+              </a:rPr>
+              <a:t>appropriate for reuse </a:t>
+            </a:r>
+            <a:r>
+              <a:rPr lang="en-US" sz="1750" dirty="0">
+                <a:solidFill>
+                  <a:srgbClr val="272525"/>
+                </a:solidFill>
+                <a:latin typeface="Inter" pitchFamily="34" charset="0"/>
+                <a:ea typeface="Inter" pitchFamily="34" charset="-122"/>
+                <a:cs typeface="Inter" pitchFamily="34" charset="-120"/>
+              </a:rPr>
+              <a:t>are identified and understood, in Reuse Oriented Model. </a:t>
+            </a:r>
+          </a:p>
+          <a:p>
+            <a:pPr marL="0" indent="0" algn="l">
+              <a:lnSpc>
+                <a:spcPts val="2850"/>
+              </a:lnSpc>
+              <a:buNone/>
+            </a:pPr>
+            <a:endParaRPr lang="en-US" sz="1750" dirty="0">
+              <a:solidFill>
+                <a:srgbClr val="272525"/>
+              </a:solidFill>
+              <a:latin typeface="Inter" pitchFamily="34" charset="0"/>
+              <a:ea typeface="Inter" pitchFamily="34" charset="-122"/>
+              <a:cs typeface="Inter" pitchFamily="34" charset="-120"/>
+            </a:endParaRPr>
+          </a:p>
+          <a:p>
+            <a:pPr marL="0" indent="0" algn="l">
+              <a:lnSpc>
+                <a:spcPts val="2850"/>
+              </a:lnSpc>
+              <a:buNone/>
+            </a:pPr>
+            <a:r>
+              <a:rPr lang="en-US" sz="1750" dirty="0">
+                <a:solidFill>
+                  <a:srgbClr val="272525"/>
+                </a:solidFill>
+                <a:latin typeface="Inter" pitchFamily="34" charset="0"/>
+                <a:ea typeface="Inter" pitchFamily="34" charset="-122"/>
+                <a:cs typeface="Inter" pitchFamily="34" charset="-120"/>
+              </a:rPr>
+              <a:t>These parts are then go through </a:t>
+            </a:r>
+            <a:r>
+              <a:rPr lang="en-US" sz="1750" dirty="0">
+                <a:solidFill>
+                  <a:srgbClr val="0070C0"/>
+                </a:solidFill>
+                <a:latin typeface="Inter" pitchFamily="34" charset="0"/>
+                <a:ea typeface="Inter" pitchFamily="34" charset="-122"/>
+                <a:cs typeface="Inter" pitchFamily="34" charset="-120"/>
+              </a:rPr>
+              <a:t>modification</a:t>
+            </a:r>
+            <a:r>
+              <a:rPr lang="en-US" sz="1750" dirty="0">
+                <a:solidFill>
+                  <a:srgbClr val="272525"/>
+                </a:solidFill>
+                <a:latin typeface="Inter" pitchFamily="34" charset="0"/>
+                <a:ea typeface="Inter" pitchFamily="34" charset="-122"/>
+                <a:cs typeface="Inter" pitchFamily="34" charset="-120"/>
+              </a:rPr>
+              <a:t> and </a:t>
+            </a:r>
+            <a:r>
+              <a:rPr lang="en-US" sz="1750" dirty="0">
+                <a:solidFill>
+                  <a:srgbClr val="0070C0"/>
+                </a:solidFill>
+                <a:latin typeface="Inter" pitchFamily="34" charset="0"/>
+                <a:ea typeface="Inter" pitchFamily="34" charset="-122"/>
+                <a:cs typeface="Inter" pitchFamily="34" charset="-120"/>
+              </a:rPr>
+              <a:t>enhancement</a:t>
+            </a:r>
+            <a:r>
+              <a:rPr lang="en-US" sz="1750" dirty="0">
+                <a:solidFill>
+                  <a:srgbClr val="272525"/>
+                </a:solidFill>
+                <a:latin typeface="Inter" pitchFamily="34" charset="0"/>
+                <a:ea typeface="Inter" pitchFamily="34" charset="-122"/>
+                <a:cs typeface="Inter" pitchFamily="34" charset="-120"/>
+              </a:rPr>
+              <a:t>, which are done on the basis of the specified new requirements. </a:t>
+            </a:r>
+          </a:p>
+          <a:p>
+            <a:pPr marL="0" indent="0" algn="l">
+              <a:lnSpc>
+                <a:spcPts val="2850"/>
+              </a:lnSpc>
+              <a:buNone/>
+            </a:pPr>
+            <a:endParaRPr lang="en-US" sz="1750" dirty="0">
+              <a:solidFill>
+                <a:srgbClr val="272525"/>
+              </a:solidFill>
+              <a:latin typeface="Inter" pitchFamily="34" charset="0"/>
+              <a:ea typeface="Inter" pitchFamily="34" charset="-122"/>
+              <a:cs typeface="Inter" pitchFamily="34" charset="-120"/>
+            </a:endParaRPr>
+          </a:p>
+          <a:p>
+            <a:pPr marL="0" indent="0" algn="l">
+              <a:lnSpc>
+                <a:spcPts val="2850"/>
+              </a:lnSpc>
+              <a:buNone/>
+            </a:pPr>
+            <a:r>
+              <a:rPr lang="en-US" sz="1750" dirty="0">
+                <a:solidFill>
+                  <a:srgbClr val="272525"/>
+                </a:solidFill>
+                <a:latin typeface="Inter" pitchFamily="34" charset="0"/>
+                <a:ea typeface="Inter" pitchFamily="34" charset="-122"/>
+                <a:cs typeface="Inter" pitchFamily="34" charset="-120"/>
+              </a:rPr>
+              <a:t>The final step of this model is the </a:t>
+            </a:r>
+            <a:r>
+              <a:rPr lang="en-US" sz="1750" dirty="0">
+                <a:solidFill>
+                  <a:srgbClr val="0070C0"/>
+                </a:solidFill>
+                <a:latin typeface="Inter" pitchFamily="34" charset="0"/>
+                <a:ea typeface="Inter" pitchFamily="34" charset="-122"/>
+                <a:cs typeface="Inter" pitchFamily="34" charset="-120"/>
+              </a:rPr>
+              <a:t>integration</a:t>
+            </a:r>
+            <a:r>
+              <a:rPr lang="en-US" sz="1750" dirty="0">
+                <a:solidFill>
+                  <a:srgbClr val="272525"/>
+                </a:solidFill>
+                <a:latin typeface="Inter" pitchFamily="34" charset="0"/>
+                <a:ea typeface="Inter" pitchFamily="34" charset="-122"/>
+                <a:cs typeface="Inter" pitchFamily="34" charset="-120"/>
+              </a:rPr>
+              <a:t> of modified parts </a:t>
+            </a:r>
+            <a:r>
+              <a:rPr lang="en-US" sz="1750" dirty="0">
+                <a:solidFill>
+                  <a:srgbClr val="0070C0"/>
+                </a:solidFill>
+                <a:latin typeface="Inter" pitchFamily="34" charset="0"/>
+                <a:ea typeface="Inter" pitchFamily="34" charset="-122"/>
+                <a:cs typeface="Inter" pitchFamily="34" charset="-120"/>
+              </a:rPr>
+              <a:t>into the new system</a:t>
+            </a:r>
+            <a:r>
+              <a:rPr lang="en-US" sz="1750" dirty="0">
+                <a:solidFill>
+                  <a:srgbClr val="272525"/>
+                </a:solidFill>
+                <a:latin typeface="Inter" pitchFamily="34" charset="0"/>
+                <a:ea typeface="Inter" pitchFamily="34" charset="-122"/>
+                <a:cs typeface="Inter" pitchFamily="34" charset="-120"/>
+              </a:rPr>
+              <a:t>.</a:t>
             </a:r>
             <a:endParaRPr lang="en-US" sz="1750" dirty="0"/>
           </a:p>
@@ -10119,8 +11319,8 @@
         </p:blipFill>
         <p:spPr>
           <a:xfrm>
-            <a:off x="10138410" y="2392680"/>
-            <a:ext cx="3497580" cy="3444240"/>
+            <a:off x="9288707" y="1555935"/>
+            <a:ext cx="5196986" cy="5117729"/>
           </a:xfrm>
           <a:prstGeom prst="rect">
             <a:avLst/>
@@ -10178,7 +11378,7 @@
         <p:spPr>
           <a:xfrm>
             <a:off x="793790" y="3913465"/>
-            <a:ext cx="7556421" cy="1451610"/>
+            <a:ext cx="7556421" cy="2816108"/>
           </a:xfrm>
           <a:prstGeom prst="rect">
             <a:avLst/>
@@ -10215,15 +11415,215 @@
               <a:t>Boehm’s Model</a:t>
             </a:r>
             <a:r>
-              <a:rPr lang="en-US" sz="1750" dirty="0">
-                <a:solidFill>
-                  <a:srgbClr val="272525"/>
-                </a:solidFill>
-                <a:latin typeface="Inter" pitchFamily="34" charset="0"/>
-                <a:ea typeface="Inter" pitchFamily="34" charset="-122"/>
-                <a:cs typeface="Inter" pitchFamily="34" charset="-120"/>
-              </a:rPr>
-              <a:t>Boehm's model performs maintenance process based on the economic models and principles. It represents the maintenance process in a closed loop cycle, wherein changes are suggested and approved first and then are executed.</a:t>
+              <a:rPr lang="en-US" sz="1750" b="1" u="sng" dirty="0">
+                <a:solidFill>
+                  <a:srgbClr val="4950BC"/>
+                </a:solidFill>
+                <a:latin typeface="Inter" pitchFamily="34" charset="0"/>
+                <a:ea typeface="Inter" pitchFamily="34" charset="-122"/>
+                <a:cs typeface="Inter" pitchFamily="34" charset="-120"/>
+              </a:rPr>
+              <a:t> </a:t>
+            </a:r>
+            <a:r>
+              <a:rPr lang="en-US" sz="1750" dirty="0">
+                <a:solidFill>
+                  <a:srgbClr val="272525"/>
+                </a:solidFill>
+                <a:latin typeface="Inter" pitchFamily="34" charset="0"/>
+                <a:ea typeface="Inter" pitchFamily="34" charset="-122"/>
+                <a:cs typeface="Inter" pitchFamily="34" charset="-120"/>
+              </a:rPr>
+              <a:t>Boehm's model performs maintenance process based on the </a:t>
+            </a:r>
+            <a:r>
+              <a:rPr lang="en-US" sz="1750" dirty="0">
+                <a:solidFill>
+                  <a:srgbClr val="0070C0"/>
+                </a:solidFill>
+                <a:latin typeface="Inter" pitchFamily="34" charset="0"/>
+                <a:ea typeface="Inter" pitchFamily="34" charset="-122"/>
+                <a:cs typeface="Inter" pitchFamily="34" charset="-120"/>
+              </a:rPr>
+              <a:t>economic models </a:t>
+            </a:r>
+            <a:r>
+              <a:rPr lang="en-US" sz="1750" dirty="0">
+                <a:solidFill>
+                  <a:srgbClr val="272525"/>
+                </a:solidFill>
+                <a:latin typeface="Inter" pitchFamily="34" charset="0"/>
+                <a:ea typeface="Inter" pitchFamily="34" charset="-122"/>
+                <a:cs typeface="Inter" pitchFamily="34" charset="-120"/>
+              </a:rPr>
+              <a:t>and </a:t>
+            </a:r>
+            <a:r>
+              <a:rPr lang="en-US" sz="1750" dirty="0">
+                <a:solidFill>
+                  <a:srgbClr val="0070C0"/>
+                </a:solidFill>
+                <a:latin typeface="Inter" pitchFamily="34" charset="0"/>
+                <a:ea typeface="Inter" pitchFamily="34" charset="-122"/>
+                <a:cs typeface="Inter" pitchFamily="34" charset="-120"/>
+              </a:rPr>
+              <a:t>principles</a:t>
+            </a:r>
+            <a:r>
+              <a:rPr lang="en-US" sz="1750" dirty="0">
+                <a:solidFill>
+                  <a:srgbClr val="272525"/>
+                </a:solidFill>
+                <a:latin typeface="Inter" pitchFamily="34" charset="0"/>
+                <a:ea typeface="Inter" pitchFamily="34" charset="-122"/>
+                <a:cs typeface="Inter" pitchFamily="34" charset="-120"/>
+              </a:rPr>
+              <a:t>. </a:t>
+            </a:r>
+          </a:p>
+          <a:p>
+            <a:pPr marL="0" indent="0" algn="l">
+              <a:lnSpc>
+                <a:spcPts val="2850"/>
+              </a:lnSpc>
+              <a:buNone/>
+            </a:pPr>
+            <a:endParaRPr lang="en-US" sz="1750" dirty="0">
+              <a:solidFill>
+                <a:srgbClr val="272525"/>
+              </a:solidFill>
+              <a:latin typeface="Inter" pitchFamily="34" charset="0"/>
+              <a:ea typeface="Inter" pitchFamily="34" charset="-122"/>
+              <a:cs typeface="Inter" pitchFamily="34" charset="-120"/>
+            </a:endParaRPr>
+          </a:p>
+          <a:p>
+            <a:pPr marL="0" indent="0" algn="l">
+              <a:lnSpc>
+                <a:spcPts val="2850"/>
+              </a:lnSpc>
+              <a:buNone/>
+            </a:pPr>
+            <a:r>
+              <a:rPr lang="en-US" sz="1750" dirty="0">
+                <a:solidFill>
+                  <a:srgbClr val="272525"/>
+                </a:solidFill>
+                <a:latin typeface="Inter" pitchFamily="34" charset="0"/>
+                <a:ea typeface="Inter" pitchFamily="34" charset="-122"/>
+                <a:cs typeface="Inter" pitchFamily="34" charset="-120"/>
+              </a:rPr>
+              <a:t>It represents the maintenance process in a </a:t>
+            </a:r>
+            <a:r>
+              <a:rPr lang="en-US" sz="1750" dirty="0">
+                <a:solidFill>
+                  <a:srgbClr val="0070C0"/>
+                </a:solidFill>
+                <a:latin typeface="Inter" pitchFamily="34" charset="0"/>
+                <a:ea typeface="Inter" pitchFamily="34" charset="-122"/>
+                <a:cs typeface="Inter" pitchFamily="34" charset="-120"/>
+              </a:rPr>
+              <a:t>closed loop cycle</a:t>
+            </a:r>
+            <a:r>
+              <a:rPr lang="en-US" sz="1750" dirty="0">
+                <a:solidFill>
+                  <a:srgbClr val="272525"/>
+                </a:solidFill>
+                <a:latin typeface="Inter" pitchFamily="34" charset="0"/>
+                <a:ea typeface="Inter" pitchFamily="34" charset="-122"/>
+                <a:cs typeface="Inter" pitchFamily="34" charset="-120"/>
+              </a:rPr>
+              <a:t>, wherein </a:t>
+            </a:r>
+            <a:r>
+              <a:rPr lang="en-US" sz="1750" dirty="0">
+                <a:solidFill>
+                  <a:srgbClr val="0070C0"/>
+                </a:solidFill>
+                <a:latin typeface="Inter" pitchFamily="34" charset="0"/>
+                <a:ea typeface="Inter" pitchFamily="34" charset="-122"/>
+                <a:cs typeface="Inter" pitchFamily="34" charset="-120"/>
+              </a:rPr>
+              <a:t>changes</a:t>
+            </a:r>
+            <a:r>
+              <a:rPr lang="en-US" sz="1750" dirty="0">
+                <a:solidFill>
+                  <a:srgbClr val="272525"/>
+                </a:solidFill>
+                <a:latin typeface="Inter" pitchFamily="34" charset="0"/>
+                <a:ea typeface="Inter" pitchFamily="34" charset="-122"/>
+                <a:cs typeface="Inter" pitchFamily="34" charset="-120"/>
+              </a:rPr>
+              <a:t> are </a:t>
+            </a:r>
+            <a:r>
+              <a:rPr lang="en-US" sz="1750" dirty="0">
+                <a:solidFill>
+                  <a:srgbClr val="0070C0"/>
+                </a:solidFill>
+                <a:latin typeface="Inter" pitchFamily="34" charset="0"/>
+                <a:ea typeface="Inter" pitchFamily="34" charset="-122"/>
+                <a:cs typeface="Inter" pitchFamily="34" charset="-120"/>
+              </a:rPr>
+              <a:t>suggested</a:t>
+            </a:r>
+            <a:r>
+              <a:rPr lang="en-US" sz="1750" dirty="0">
+                <a:solidFill>
+                  <a:srgbClr val="272525"/>
+                </a:solidFill>
+                <a:latin typeface="Inter" pitchFamily="34" charset="0"/>
+                <a:ea typeface="Inter" pitchFamily="34" charset="-122"/>
+                <a:cs typeface="Inter" pitchFamily="34" charset="-120"/>
+              </a:rPr>
+              <a:t> and </a:t>
+            </a:r>
+            <a:r>
+              <a:rPr lang="en-US" sz="1750" dirty="0">
+                <a:solidFill>
+                  <a:srgbClr val="0070C0"/>
+                </a:solidFill>
+                <a:latin typeface="Inter" pitchFamily="34" charset="0"/>
+                <a:ea typeface="Inter" pitchFamily="34" charset="-122"/>
+                <a:cs typeface="Inter" pitchFamily="34" charset="-120"/>
+              </a:rPr>
+              <a:t>approved first </a:t>
+            </a:r>
+            <a:r>
+              <a:rPr lang="en-US" sz="1750" dirty="0">
+                <a:solidFill>
+                  <a:srgbClr val="272525"/>
+                </a:solidFill>
+                <a:latin typeface="Inter" pitchFamily="34" charset="0"/>
+                <a:ea typeface="Inter" pitchFamily="34" charset="-122"/>
+                <a:cs typeface="Inter" pitchFamily="34" charset="-120"/>
+              </a:rPr>
+              <a:t>and </a:t>
+            </a:r>
+            <a:r>
+              <a:rPr lang="en-US" sz="1750" dirty="0">
+                <a:solidFill>
+                  <a:srgbClr val="0070C0"/>
+                </a:solidFill>
+                <a:latin typeface="Inter" pitchFamily="34" charset="0"/>
+                <a:ea typeface="Inter" pitchFamily="34" charset="-122"/>
+                <a:cs typeface="Inter" pitchFamily="34" charset="-120"/>
+              </a:rPr>
+              <a:t>then executed</a:t>
+            </a:r>
+            <a:r>
+              <a:rPr lang="en-US" sz="1750" dirty="0">
+                <a:solidFill>
+                  <a:srgbClr val="272525"/>
+                </a:solidFill>
+                <a:latin typeface="Inter" pitchFamily="34" charset="0"/>
+                <a:ea typeface="Inter" pitchFamily="34" charset="-122"/>
+                <a:cs typeface="Inter" pitchFamily="34" charset="-120"/>
+              </a:rPr>
+              <a:t>.</a:t>
             </a:r>
             <a:endParaRPr lang="en-US" sz="1750" dirty="0"/>
           </a:p>
@@ -10294,8 +11694,8 @@
         </p:blipFill>
         <p:spPr>
           <a:xfrm>
-            <a:off x="10138410" y="2167890"/>
-            <a:ext cx="3497580" cy="3893820"/>
+            <a:off x="9511426" y="1378036"/>
+            <a:ext cx="4751547" cy="5289849"/>
           </a:xfrm>
           <a:prstGeom prst="rect">
             <a:avLst/>
@@ -10310,7 +11710,7 @@
         </p:nvSpPr>
         <p:spPr>
           <a:xfrm>
-            <a:off x="793790" y="2864525"/>
+            <a:off x="793790" y="2638493"/>
             <a:ext cx="7296864" cy="708779"/>
           </a:xfrm>
           <a:prstGeom prst="rect">
@@ -10353,7 +11753,7 @@
         <p:spPr>
           <a:xfrm>
             <a:off x="793790" y="3913465"/>
-            <a:ext cx="7556421" cy="1451610"/>
+            <a:ext cx="8134453" cy="1881160"/>
           </a:xfrm>
           <a:prstGeom prst="rect">
             <a:avLst/>
@@ -10380,7 +11780,130 @@
                 <a:ea typeface="Inter" pitchFamily="34" charset="-122"/>
                 <a:cs typeface="Inter" pitchFamily="34" charset="-120"/>
               </a:rPr>
-              <a:t>Named after the person who proposed the model, Taute’s model is a typical maintenance model that consists of eight phases in cycle fashion. The process of maintenance begins by requesting the change and ends with its operation. </a:t>
+              <a:t>Named after the person who proposed the model, Taute’s model is a typical maintenance model that consists of </a:t>
+            </a:r>
+            <a:r>
+              <a:rPr lang="en-US" sz="1750" dirty="0">
+                <a:solidFill>
+                  <a:srgbClr val="0070C0"/>
+                </a:solidFill>
+                <a:latin typeface="Inter" pitchFamily="34" charset="0"/>
+                <a:ea typeface="Inter" pitchFamily="34" charset="-122"/>
+                <a:cs typeface="Inter" pitchFamily="34" charset="-120"/>
+              </a:rPr>
+              <a:t>eight phases i</a:t>
+            </a:r>
+            <a:r>
+              <a:rPr lang="en-US" sz="1750" dirty="0">
+                <a:solidFill>
+                  <a:srgbClr val="272525"/>
+                </a:solidFill>
+                <a:latin typeface="Inter" pitchFamily="34" charset="0"/>
+                <a:ea typeface="Inter" pitchFamily="34" charset="-122"/>
+                <a:cs typeface="Inter" pitchFamily="34" charset="-120"/>
+              </a:rPr>
+              <a:t>n </a:t>
+            </a:r>
+            <a:r>
+              <a:rPr lang="en-US" sz="1750" dirty="0">
+                <a:solidFill>
+                  <a:srgbClr val="0070C0"/>
+                </a:solidFill>
+                <a:latin typeface="Inter" pitchFamily="34" charset="0"/>
+                <a:ea typeface="Inter" pitchFamily="34" charset="-122"/>
+                <a:cs typeface="Inter" pitchFamily="34" charset="-120"/>
+              </a:rPr>
+              <a:t>cycle fashion</a:t>
+            </a:r>
+            <a:r>
+              <a:rPr lang="en-US" sz="1750" dirty="0">
+                <a:solidFill>
+                  <a:srgbClr val="272525"/>
+                </a:solidFill>
+                <a:latin typeface="Inter" pitchFamily="34" charset="0"/>
+                <a:ea typeface="Inter" pitchFamily="34" charset="-122"/>
+                <a:cs typeface="Inter" pitchFamily="34" charset="-120"/>
+              </a:rPr>
+              <a:t>. </a:t>
+            </a:r>
+          </a:p>
+          <a:p>
+            <a:pPr marL="0" indent="0" algn="l">
+              <a:lnSpc>
+                <a:spcPts val="2850"/>
+              </a:lnSpc>
+              <a:buNone/>
+            </a:pPr>
+            <a:endParaRPr lang="en-US" sz="1750" dirty="0">
+              <a:solidFill>
+                <a:srgbClr val="272525"/>
+              </a:solidFill>
+              <a:latin typeface="Inter" pitchFamily="34" charset="0"/>
+              <a:ea typeface="Inter" pitchFamily="34" charset="-122"/>
+              <a:cs typeface="Inter" pitchFamily="34" charset="-120"/>
+            </a:endParaRPr>
+          </a:p>
+          <a:p>
+            <a:pPr marL="0" indent="0" algn="l">
+              <a:lnSpc>
+                <a:spcPts val="2850"/>
+              </a:lnSpc>
+              <a:buNone/>
+            </a:pPr>
+            <a:r>
+              <a:rPr lang="en-US" sz="1750" dirty="0">
+                <a:solidFill>
+                  <a:srgbClr val="272525"/>
+                </a:solidFill>
+                <a:latin typeface="Inter" pitchFamily="34" charset="0"/>
+                <a:ea typeface="Inter" pitchFamily="34" charset="-122"/>
+                <a:cs typeface="Inter" pitchFamily="34" charset="-120"/>
+              </a:rPr>
+              <a:t>The process of maintenance begins by </a:t>
+            </a:r>
+            <a:r>
+              <a:rPr lang="en-US" sz="1750" dirty="0">
+                <a:solidFill>
+                  <a:srgbClr val="0070C0"/>
+                </a:solidFill>
+                <a:latin typeface="Inter" pitchFamily="34" charset="0"/>
+                <a:ea typeface="Inter" pitchFamily="34" charset="-122"/>
+                <a:cs typeface="Inter" pitchFamily="34" charset="-120"/>
+              </a:rPr>
+              <a:t>requesting the change </a:t>
+            </a:r>
+            <a:r>
+              <a:rPr lang="en-US" sz="1750" dirty="0">
+                <a:solidFill>
+                  <a:srgbClr val="272525"/>
+                </a:solidFill>
+                <a:latin typeface="Inter" pitchFamily="34" charset="0"/>
+                <a:ea typeface="Inter" pitchFamily="34" charset="-122"/>
+                <a:cs typeface="Inter" pitchFamily="34" charset="-120"/>
+              </a:rPr>
+              <a:t>and </a:t>
+            </a:r>
+            <a:r>
+              <a:rPr lang="en-US" sz="1750" dirty="0">
+                <a:solidFill>
+                  <a:srgbClr val="0070C0"/>
+                </a:solidFill>
+                <a:latin typeface="Inter" pitchFamily="34" charset="0"/>
+                <a:ea typeface="Inter" pitchFamily="34" charset="-122"/>
+                <a:cs typeface="Inter" pitchFamily="34" charset="-120"/>
+              </a:rPr>
+              <a:t>ends with its operation</a:t>
+            </a:r>
+            <a:r>
+              <a:rPr lang="en-US" sz="1750" dirty="0">
+                <a:solidFill>
+                  <a:srgbClr val="272525"/>
+                </a:solidFill>
+                <a:latin typeface="Inter" pitchFamily="34" charset="0"/>
+                <a:ea typeface="Inter" pitchFamily="34" charset="-122"/>
+                <a:cs typeface="Inter" pitchFamily="34" charset="-120"/>
+              </a:rPr>
+              <a:t>. </a:t>
             </a:r>
             <a:endParaRPr lang="en-US" sz="1750" dirty="0"/>
           </a:p>
@@ -10489,7 +12012,29 @@
                 <a:ea typeface="Inter" pitchFamily="34" charset="-122"/>
                 <a:cs typeface="Inter" pitchFamily="34" charset="-120"/>
               </a:rPr>
-              <a:t>Some companies carry on successful operations for a long time reliant on a few very good programmers. If they do not put resources into building the maturity of the processes themselves, there will come a point where the operation cannot continue.</a:t>
+              <a:t>Some companies carry on successful operations for a long time reliant on a few </a:t>
+            </a:r>
+            <a:r>
+              <a:rPr lang="en-US" sz="1750" dirty="0">
+                <a:solidFill>
+                  <a:srgbClr val="0070C0"/>
+                </a:solidFill>
+                <a:latin typeface="Inter" pitchFamily="34" charset="0"/>
+                <a:ea typeface="Inter" pitchFamily="34" charset="-122"/>
+                <a:cs typeface="Inter" pitchFamily="34" charset="-120"/>
+              </a:rPr>
+              <a:t>very good programmers</a:t>
+            </a:r>
+            <a:r>
+              <a:rPr lang="en-US" sz="1750" dirty="0">
+                <a:solidFill>
+                  <a:srgbClr val="272525"/>
+                </a:solidFill>
+                <a:latin typeface="Inter" pitchFamily="34" charset="0"/>
+                <a:ea typeface="Inter" pitchFamily="34" charset="-122"/>
+                <a:cs typeface="Inter" pitchFamily="34" charset="-120"/>
+              </a:rPr>
+              <a:t>. If they do not put resources into building the maturity of the processes themselves, there will come a point where the operation cannot continue.</a:t>
             </a:r>
             <a:endParaRPr lang="en-US" sz="1750" dirty="0"/>
           </a:p>
@@ -12211,7 +13756,29 @@
                 <a:ea typeface="Inter" pitchFamily="34" charset="-122"/>
                 <a:cs typeface="Inter" pitchFamily="34" charset="-120"/>
               </a:rPr>
-              <a:t> i) Hardware innovations:  Hardware platform on which a software system runs may be subject to change.  For example, when a processor is upgraded, compilers that previously produced machine code for that processor may need to be modified.</a:t>
+              <a:t> i) </a:t>
+            </a:r>
+            <a:r>
+              <a:rPr lang="en-US" sz="1750" dirty="0">
+                <a:solidFill>
+                  <a:srgbClr val="0070C0"/>
+                </a:solidFill>
+                <a:latin typeface="Inter" pitchFamily="34" charset="0"/>
+                <a:ea typeface="Inter" pitchFamily="34" charset="-122"/>
+                <a:cs typeface="Inter" pitchFamily="34" charset="-120"/>
+              </a:rPr>
+              <a:t>Hardware</a:t>
+            </a:r>
+            <a:r>
+              <a:rPr lang="en-US" sz="1750" dirty="0">
+                <a:solidFill>
+                  <a:srgbClr val="272525"/>
+                </a:solidFill>
+                <a:latin typeface="Inter" pitchFamily="34" charset="0"/>
+                <a:ea typeface="Inter" pitchFamily="34" charset="-122"/>
+                <a:cs typeface="Inter" pitchFamily="34" charset="-120"/>
+              </a:rPr>
+              <a:t> innovations:  Hardware platform on which a software system runs may be subject to change.  For example, when a processor is upgraded, compilers that previously produced machine code for that processor may need to be modified.</a:t>
             </a:r>
             <a:endParaRPr lang="en-US" sz="1750" dirty="0"/>
           </a:p>
@@ -12320,7 +13887,29 @@
                 <a:ea typeface="Inter" pitchFamily="34" charset="-122"/>
                 <a:cs typeface="Inter" pitchFamily="34" charset="-120"/>
               </a:rPr>
-              <a:t> ii)Software innovations: Host software may warrant a corresponding modification in the software product. Example : Operating systems, database management systems and compilers are examples of host software systems whose modification may affect other software products.</a:t>
+              <a:t> ii)</a:t>
+            </a:r>
+            <a:r>
+              <a:rPr lang="en-US" sz="1750" dirty="0">
+                <a:solidFill>
+                  <a:srgbClr val="0070C0"/>
+                </a:solidFill>
+                <a:latin typeface="Inter" pitchFamily="34" charset="0"/>
+                <a:ea typeface="Inter" pitchFamily="34" charset="-122"/>
+                <a:cs typeface="Inter" pitchFamily="34" charset="-120"/>
+              </a:rPr>
+              <a:t>Software</a:t>
+            </a:r>
+            <a:r>
+              <a:rPr lang="en-US" sz="1750" dirty="0">
+                <a:solidFill>
+                  <a:srgbClr val="272525"/>
+                </a:solidFill>
+                <a:latin typeface="Inter" pitchFamily="34" charset="0"/>
+                <a:ea typeface="Inter" pitchFamily="34" charset="-122"/>
+                <a:cs typeface="Inter" pitchFamily="34" charset="-120"/>
+              </a:rPr>
+              <a:t> innovations: Host software may warrant a corresponding modification in the software product. Example : Operating systems, database management systems and compilers are examples of host software systems whose modification may affect other software products.</a:t>
             </a:r>
             <a:endParaRPr lang="en-US" sz="1750" dirty="0"/>
           </a:p>
@@ -12504,7 +14093,73 @@
                 <a:ea typeface="Inter" pitchFamily="34" charset="-122"/>
                 <a:cs typeface="Inter" pitchFamily="34" charset="-120"/>
               </a:rPr>
-              <a:t>Entities of the organizational environment are policies and imposed factors of business and taxation, and also competition in the marketplace.</a:t>
+              <a:t>Entities of the organizational environment are </a:t>
+            </a:r>
+            <a:r>
+              <a:rPr lang="en-US" sz="1750" dirty="0">
+                <a:solidFill>
+                  <a:srgbClr val="0070C0"/>
+                </a:solidFill>
+                <a:latin typeface="Inter" pitchFamily="34" charset="0"/>
+                <a:ea typeface="Inter" pitchFamily="34" charset="-122"/>
+                <a:cs typeface="Inter" pitchFamily="34" charset="-120"/>
+              </a:rPr>
+              <a:t>policies</a:t>
+            </a:r>
+            <a:r>
+              <a:rPr lang="en-US" sz="1750" dirty="0">
+                <a:solidFill>
+                  <a:srgbClr val="272525"/>
+                </a:solidFill>
+                <a:latin typeface="Inter" pitchFamily="34" charset="0"/>
+                <a:ea typeface="Inter" pitchFamily="34" charset="-122"/>
+                <a:cs typeface="Inter" pitchFamily="34" charset="-120"/>
+              </a:rPr>
+              <a:t> and imposed factors of </a:t>
+            </a:r>
+            <a:r>
+              <a:rPr lang="en-US" sz="1750" dirty="0">
+                <a:solidFill>
+                  <a:srgbClr val="0070C0"/>
+                </a:solidFill>
+                <a:latin typeface="Inter" pitchFamily="34" charset="0"/>
+                <a:ea typeface="Inter" pitchFamily="34" charset="-122"/>
+                <a:cs typeface="Inter" pitchFamily="34" charset="-120"/>
+              </a:rPr>
+              <a:t>business</a:t>
+            </a:r>
+            <a:r>
+              <a:rPr lang="en-US" sz="1750" dirty="0">
+                <a:solidFill>
+                  <a:srgbClr val="272525"/>
+                </a:solidFill>
+                <a:latin typeface="Inter" pitchFamily="34" charset="0"/>
+                <a:ea typeface="Inter" pitchFamily="34" charset="-122"/>
+                <a:cs typeface="Inter" pitchFamily="34" charset="-120"/>
+              </a:rPr>
+              <a:t> and taxation, and also </a:t>
+            </a:r>
+            <a:r>
+              <a:rPr lang="en-US" sz="1750" dirty="0">
+                <a:solidFill>
+                  <a:srgbClr val="0070C0"/>
+                </a:solidFill>
+                <a:latin typeface="Inter" pitchFamily="34" charset="0"/>
+                <a:ea typeface="Inter" pitchFamily="34" charset="-122"/>
+                <a:cs typeface="Inter" pitchFamily="34" charset="-120"/>
+              </a:rPr>
+              <a:t>competition in the marketplace</a:t>
+            </a:r>
+            <a:r>
+              <a:rPr lang="en-US" sz="1750" dirty="0">
+                <a:solidFill>
+                  <a:srgbClr val="272525"/>
+                </a:solidFill>
+                <a:latin typeface="Inter" pitchFamily="34" charset="0"/>
+                <a:ea typeface="Inter" pitchFamily="34" charset="-122"/>
+                <a:cs typeface="Inter" pitchFamily="34" charset="-120"/>
+              </a:rPr>
+              <a:t>.</a:t>
             </a:r>
             <a:endParaRPr lang="en-US" sz="1750" dirty="0"/>
           </a:p>
@@ -12557,7 +14212,18 @@
                 <a:ea typeface="Inter" pitchFamily="34" charset="-122"/>
                 <a:cs typeface="Inter" pitchFamily="34" charset="-120"/>
               </a:rPr>
-              <a:t>Change in policies</a:t>
+              <a:t>Change in </a:t>
+            </a:r>
+            <a:r>
+              <a:rPr lang="en-US" sz="1750" b="1" dirty="0">
+                <a:solidFill>
+                  <a:srgbClr val="0070C0"/>
+                </a:solidFill>
+                <a:latin typeface="Inter" pitchFamily="34" charset="0"/>
+                <a:ea typeface="Inter" pitchFamily="34" charset="-122"/>
+                <a:cs typeface="Inter" pitchFamily="34" charset="-120"/>
+              </a:rPr>
+              <a:t>policies</a:t>
             </a:r>
             <a:r>
               <a:rPr lang="en-US" sz="1750" dirty="0">
@@ -12621,7 +14287,29 @@
                 <a:ea typeface="Inter" pitchFamily="34" charset="-122"/>
                 <a:cs typeface="Inter" pitchFamily="34" charset="-120"/>
               </a:rPr>
-              <a:t>Competition in the marketplace:</a:t>
+              <a:t>Competition in the </a:t>
+            </a:r>
+            <a:r>
+              <a:rPr lang="en-US" sz="1750" b="1" dirty="0">
+                <a:solidFill>
+                  <a:srgbClr val="0070C0"/>
+                </a:solidFill>
+                <a:latin typeface="Inter" pitchFamily="34" charset="0"/>
+                <a:ea typeface="Inter" pitchFamily="34" charset="-122"/>
+                <a:cs typeface="Inter" pitchFamily="34" charset="-120"/>
+              </a:rPr>
+              <a:t>marketplace</a:t>
+            </a:r>
+            <a:r>
+              <a:rPr lang="en-US" sz="1750" b="1" dirty="0">
+                <a:solidFill>
+                  <a:srgbClr val="272525"/>
+                </a:solidFill>
+                <a:latin typeface="Inter" pitchFamily="34" charset="0"/>
+                <a:ea typeface="Inter" pitchFamily="34" charset="-122"/>
+                <a:cs typeface="Inter" pitchFamily="34" charset="-120"/>
+              </a:rPr>
+              <a:t>:</a:t>
             </a:r>
             <a:r>
               <a:rPr lang="en-US" sz="1750" dirty="0">
